--- a/CST8919_Final_Oral_Exam_Presentation.pptx
+++ b/CST8919_Final_Oral_Exam_Presentation.pptx
@@ -5,10 +5,10 @@
     <p:sldMasterId id="2147483660" r:id="rId4"/>
   </p:sldMasterIdLst>
   <p:notesMasterIdLst>
-    <p:notesMasterId r:id="rId16"/>
+    <p:notesMasterId r:id="rId15"/>
   </p:notesMasterIdLst>
   <p:handoutMasterIdLst>
-    <p:handoutMasterId r:id="rId17"/>
+    <p:handoutMasterId r:id="rId16"/>
   </p:handoutMasterIdLst>
   <p:sldIdLst>
     <p:sldId id="257" r:id="rId5"/>
@@ -19,9 +19,8 @@
     <p:sldId id="262" r:id="rId10"/>
     <p:sldId id="263" r:id="rId11"/>
     <p:sldId id="264" r:id="rId12"/>
-    <p:sldId id="265" r:id="rId13"/>
-    <p:sldId id="266" r:id="rId14"/>
-    <p:sldId id="267" r:id="rId15"/>
+    <p:sldId id="267" r:id="rId13"/>
+    <p:sldId id="268" r:id="rId14"/>
   </p:sldIdLst>
   <p:sldSz cx="12188825" cy="6858000"/>
   <p:notesSz cx="6858000" cy="9144000"/>
@@ -235,7 +234,7 @@
           <a:p>
             <a:fld id="{FE5B4EDC-59C0-49C7-8ADA-5A781B329E02}" type="datetimeFigureOut">
               <a:rPr lang="en-US"/>
-              <a:t>8/6/2025</a:t>
+              <a:t>8/7/2025</a:t>
             </a:fld>
             <a:endParaRPr/>
           </a:p>
@@ -400,7 +399,7 @@
           <a:p>
             <a:fld id="{F2D8D46A-B586-417D-BFBD-8C8FE0AAF762}" type="datetimeFigureOut">
               <a:rPr lang="en-US"/>
-              <a:t>8/6/2025</a:t>
+              <a:t>8/7/2025</a:t>
             </a:fld>
             <a:endParaRPr/>
           </a:p>
@@ -1418,7 +1417,7 @@
           <a:p>
             <a:fld id="{F0DFD029-FB74-4578-B929-F66AA97659CA}" type="datetimeFigureOut">
               <a:rPr lang="en-US"/>
-              <a:t>8/6/2025</a:t>
+              <a:t>8/7/2025</a:t>
             </a:fld>
             <a:endParaRPr/>
           </a:p>
@@ -1616,7 +1615,7 @@
           <a:p>
             <a:fld id="{F0DFD029-FB74-4578-B929-F66AA97659CA}" type="datetimeFigureOut">
               <a:rPr lang="en-US"/>
-              <a:t>8/6/2025</a:t>
+              <a:t>8/7/2025</a:t>
             </a:fld>
             <a:endParaRPr/>
           </a:p>
@@ -1824,7 +1823,7 @@
           <a:p>
             <a:fld id="{F0DFD029-FB74-4578-B929-F66AA97659CA}" type="datetimeFigureOut">
               <a:rPr lang="en-US"/>
-              <a:t>8/6/2025</a:t>
+              <a:t>8/7/2025</a:t>
             </a:fld>
             <a:endParaRPr/>
           </a:p>
@@ -2022,7 +2021,7 @@
           <a:p>
             <a:fld id="{F0DFD029-FB74-4578-B929-F66AA97659CA}" type="datetimeFigureOut">
               <a:rPr lang="en-US"/>
-              <a:t>8/6/2025</a:t>
+              <a:t>8/7/2025</a:t>
             </a:fld>
             <a:endParaRPr/>
           </a:p>
@@ -2454,7 +2453,7 @@
           <a:p>
             <a:fld id="{F0DFD029-FB74-4578-B929-F66AA97659CA}" type="datetimeFigureOut">
               <a:rPr lang="en-US"/>
-              <a:t>8/6/2025</a:t>
+              <a:t>8/7/2025</a:t>
             </a:fld>
             <a:endParaRPr/>
           </a:p>
@@ -2758,7 +2757,7 @@
           <a:p>
             <a:fld id="{F0DFD029-FB74-4578-B929-F66AA97659CA}" type="datetimeFigureOut">
               <a:rPr lang="en-US"/>
-              <a:t>8/6/2025</a:t>
+              <a:t>8/7/2025</a:t>
             </a:fld>
             <a:endParaRPr/>
           </a:p>
@@ -3214,7 +3213,7 @@
           <a:p>
             <a:fld id="{F0DFD029-FB74-4578-B929-F66AA97659CA}" type="datetimeFigureOut">
               <a:rPr lang="en-US"/>
-              <a:t>8/6/2025</a:t>
+              <a:t>8/7/2025</a:t>
             </a:fld>
             <a:endParaRPr/>
           </a:p>
@@ -3344,7 +3343,7 @@
           <a:p>
             <a:fld id="{F0DFD029-FB74-4578-B929-F66AA97659CA}" type="datetimeFigureOut">
               <a:rPr lang="en-US"/>
-              <a:t>8/6/2025</a:t>
+              <a:t>8/7/2025</a:t>
             </a:fld>
             <a:endParaRPr/>
           </a:p>
@@ -3451,7 +3450,7 @@
           <a:p>
             <a:fld id="{F0DFD029-FB74-4578-B929-F66AA97659CA}" type="datetimeFigureOut">
               <a:rPr lang="en-US"/>
-              <a:t>8/6/2025</a:t>
+              <a:t>8/7/2025</a:t>
             </a:fld>
             <a:endParaRPr/>
           </a:p>
@@ -3750,7 +3749,7 @@
           <a:p>
             <a:fld id="{F0DFD029-FB74-4578-B929-F66AA97659CA}" type="datetimeFigureOut">
               <a:rPr lang="en-US"/>
-              <a:t>8/6/2025</a:t>
+              <a:t>8/7/2025</a:t>
             </a:fld>
             <a:endParaRPr/>
           </a:p>
@@ -4038,7 +4037,7 @@
           <a:p>
             <a:fld id="{F0DFD029-FB74-4578-B929-F66AA97659CA}" type="datetimeFigureOut">
               <a:rPr lang="en-US"/>
-              <a:t>8/6/2025</a:t>
+              <a:t>8/7/2025</a:t>
             </a:fld>
             <a:endParaRPr/>
           </a:p>
@@ -4661,7 +4660,7 @@
             <a:fld id="{F0DFD029-FB74-4578-B929-F66AA97659CA}" type="datetimeFigureOut">
               <a:rPr lang="en-US"/>
               <a:pPr/>
-              <a:t>8/6/2025</a:t>
+              <a:t>8/7/2025</a:t>
             </a:fld>
             <a:endParaRPr/>
           </a:p>
@@ -5098,12 +5097,12 @@
   <p:extLst>
     <p:ext uri="{27BBF7A9-308A-43DC-89C8-2F10F3537804}">
       <p15:sldGuideLst xmlns:p15="http://schemas.microsoft.com/office/powerpoint/2012/main">
-        <p15:guide id="1" orient="horz" pos="2160" userDrawn="1">
+        <p15:guide id="1" orient="horz" pos="2160">
           <p15:clr>
             <a:srgbClr val="F26B43"/>
           </p15:clr>
         </p15:guide>
-        <p15:guide id="2" pos="3839" userDrawn="1">
+        <p15:guide id="2" pos="3839">
           <p15:clr>
             <a:srgbClr val="F26B43"/>
           </p15:clr>
@@ -5143,17 +5142,19 @@
         </p:nvSpPr>
         <p:spPr>
           <a:xfrm>
-            <a:off x="2277988" y="548680"/>
-            <a:ext cx="8735325" cy="1136155"/>
+            <a:off x="1485900" y="188640"/>
+            <a:ext cx="9433048" cy="776115"/>
           </a:xfrm>
         </p:spPr>
         <p:txBody>
-          <a:bodyPr/>
+          <a:bodyPr>
+            <a:normAutofit/>
+          </a:bodyPr>
           <a:lstStyle/>
           <a:p>
             <a:r>
-              <a:rPr lang="en-US" dirty="0"/>
-              <a:t>CST8917 Final Oral Exam</a:t>
+              <a:rPr lang="en-US" sz="4000" dirty="0"/>
+              <a:t>CST8919 DevOps - Security and Compliance</a:t>
             </a:r>
           </a:p>
         </p:txBody>
@@ -5170,8 +5171,8 @@
         </p:nvSpPr>
         <p:spPr>
           <a:xfrm>
-            <a:off x="1625176" y="2616200"/>
-            <a:ext cx="9653812" cy="1752600"/>
+            <a:off x="1053852" y="2636912"/>
+            <a:ext cx="9653812" cy="1316856"/>
           </a:xfrm>
         </p:spPr>
         <p:txBody>
@@ -5183,7 +5184,14 @@
             <a:pPr algn="ctr"/>
             <a:r>
               <a:rPr lang="en-US" sz="3600" dirty="0"/>
-              <a:t>Applying Serverless Architecture to Algonquin Pet Store (On Steroids)</a:t>
+              <a:t>Securing Algonquin Pet Store </a:t>
+            </a:r>
+            <a:br>
+              <a:rPr lang="en-US" sz="3600" dirty="0"/>
+            </a:br>
+            <a:r>
+              <a:rPr lang="en-US" sz="3600" dirty="0"/>
+              <a:t>(On Steroids)</a:t>
             </a:r>
           </a:p>
         </p:txBody>
@@ -5202,8 +5210,8 @@
         </p:nvSpPr>
         <p:spPr>
           <a:xfrm>
-            <a:off x="8110636" y="5589240"/>
-            <a:ext cx="6130454" cy="1200329"/>
+            <a:off x="8614692" y="5157192"/>
+            <a:ext cx="3456384" cy="1569660"/>
           </a:xfrm>
           <a:prstGeom prst="rect">
             <a:avLst/>
@@ -5218,7 +5226,7 @@
           <a:p>
             <a:r>
               <a:rPr lang="en-US" b="1" dirty="0"/>
-              <a:t>Student Name:</a:t>
+              <a:t>Student:</a:t>
             </a:r>
             <a:r>
               <a:rPr lang="en-US" dirty="0"/>
@@ -5244,7 +5252,49 @@
             </a:r>
             <a:r>
               <a:rPr lang="en-US" dirty="0"/>
-              <a:t> CST8917</a:t>
+              <a:t> CST8919</a:t>
+            </a:r>
+            <a:br>
+              <a:rPr lang="en-US" dirty="0"/>
+            </a:br>
+            <a:r>
+              <a:rPr lang="en-US" dirty="0"/>
+              <a:t>Date: 07/08/2025</a:t>
+            </a:r>
+          </a:p>
+        </p:txBody>
+      </p:sp>
+      <p:sp>
+        <p:nvSpPr>
+          <p:cNvPr id="6" name="TextBox 5">
+            <a:extLst>
+              <a:ext uri="{FF2B5EF4-FFF2-40B4-BE49-F238E27FC236}">
+                <a16:creationId xmlns:a16="http://schemas.microsoft.com/office/drawing/2014/main" id="{23D7970B-3FD4-A9F5-77C4-273EFA0343B0}"/>
+              </a:ext>
+            </a:extLst>
+          </p:cNvPr>
+          <p:cNvSpPr txBox="1"/>
+          <p:nvPr/>
+        </p:nvSpPr>
+        <p:spPr>
+          <a:xfrm>
+            <a:off x="4078188" y="1196752"/>
+            <a:ext cx="3816424" cy="769441"/>
+          </a:xfrm>
+          <a:prstGeom prst="rect">
+            <a:avLst/>
+          </a:prstGeom>
+          <a:noFill/>
+        </p:spPr>
+        <p:txBody>
+          <a:bodyPr wrap="square">
+            <a:spAutoFit/>
+          </a:bodyPr>
+          <a:lstStyle/>
+          <a:p>
+            <a:r>
+              <a:rPr lang="en-US" sz="4400" dirty="0"/>
+              <a:t>Final Oral Exam</a:t>
             </a:r>
           </a:p>
         </p:txBody>
@@ -5292,7 +5342,7 @@
         <p:cNvPr id="1" name="">
           <a:extLst>
             <a:ext uri="{FF2B5EF4-FFF2-40B4-BE49-F238E27FC236}">
-              <a16:creationId xmlns:a16="http://schemas.microsoft.com/office/drawing/2014/main" id="{66600B18-F2D3-CED7-EF4C-A507E1E47FE1}"/>
+              <a16:creationId xmlns:a16="http://schemas.microsoft.com/office/drawing/2014/main" id="{47C0B760-F8C7-376F-813A-A9A6BA3C52DA}"/>
             </a:ext>
           </a:extLst>
         </p:cNvPr>
@@ -5309,10 +5359,10 @@
       </p:grpSpPr>
       <p:sp>
         <p:nvSpPr>
-          <p:cNvPr id="7" name="TextBox 6">
+          <p:cNvPr id="3" name="TextBox 2">
             <a:extLst>
               <a:ext uri="{FF2B5EF4-FFF2-40B4-BE49-F238E27FC236}">
-                <a16:creationId xmlns:a16="http://schemas.microsoft.com/office/drawing/2014/main" id="{CDD41A72-4158-F9B8-F92B-BF8ACE586F38}"/>
+                <a16:creationId xmlns:a16="http://schemas.microsoft.com/office/drawing/2014/main" id="{48EFC319-A9B5-4269-B1C4-CF0FCE11AECD}"/>
               </a:ext>
             </a:extLst>
           </p:cNvPr>
@@ -5321,8 +5371,8 @@
         </p:nvSpPr>
         <p:spPr>
           <a:xfrm>
-            <a:off x="6166420" y="1196752"/>
-            <a:ext cx="8496944" cy="5262979"/>
+            <a:off x="3286100" y="2564904"/>
+            <a:ext cx="4896544" cy="1446550"/>
           </a:xfrm>
           <a:prstGeom prst="rect">
             <a:avLst/>
@@ -5335,1190 +5385,43 @@
           </a:bodyPr>
           <a:lstStyle/>
           <a:p>
-            <a:r>
-              <a:rPr lang="en-US" sz="1800" b="1" dirty="0">
-                <a:solidFill>
-                  <a:schemeClr val="accent3">
-                    <a:lumMod val="75000"/>
-                  </a:schemeClr>
-                </a:solidFill>
-                <a:latin typeface="Aptos Light" panose="020B0004020202020204" pitchFamily="34" charset="0"/>
-              </a:rPr>
-              <a:t>Order Processing Orchestration</a:t>
-            </a:r>
-          </a:p>
-          <a:p>
-            <a:r>
-              <a:rPr lang="en-US" sz="1600" b="1" dirty="0">
-                <a:solidFill>
-                  <a:srgbClr val="5F6F0F"/>
-                </a:solidFill>
-                <a:latin typeface="Aptos Light" panose="020B0004020202020204" pitchFamily="34" charset="0"/>
-              </a:rPr>
-              <a:t>Sequential Steps:</a:t>
-            </a:r>
-            <a:endParaRPr lang="en-US" sz="1600" dirty="0">
+            <a:pPr algn="ctr"/>
+            <a:r>
+              <a:rPr lang="en-US" sz="4400" b="1" dirty="0">
+                <a:solidFill>
+                  <a:srgbClr val="7030A0"/>
+                </a:solidFill>
+                <a:latin typeface="Cabin Sketch" panose="020B0503050202020004" pitchFamily="34" charset="0"/>
+              </a:rPr>
+              <a:t>Thank you for your attention.</a:t>
+            </a:r>
+            <a:endParaRPr lang="en-US" sz="4400" dirty="0">
               <a:solidFill>
-                <a:srgbClr val="5F6F0F"/>
+                <a:srgbClr val="7030A0"/>
               </a:solidFill>
-              <a:latin typeface="Aptos Light" panose="020B0004020202020204" pitchFamily="34" charset="0"/>
+              <a:latin typeface="Cabin Sketch" panose="020B0503050202020004" pitchFamily="34" charset="0"/>
             </a:endParaRPr>
-          </a:p>
-          <a:p>
-            <a:pPr marL="342900" indent="-342900">
-              <a:buFont typeface="+mj-lt"/>
-              <a:buAutoNum type="arabicPeriod"/>
-            </a:pPr>
-            <a:r>
-              <a:rPr lang="en-US" sz="1600" b="1" dirty="0">
-                <a:solidFill>
-                  <a:schemeClr val="accent6">
-                    <a:lumMod val="50000"/>
-                  </a:schemeClr>
-                </a:solidFill>
-                <a:latin typeface="Aptos Light" panose="020B0004020202020204" pitchFamily="34" charset="0"/>
-              </a:rPr>
-              <a:t>Validate Order</a:t>
-            </a:r>
-            <a:r>
-              <a:rPr lang="en-US" sz="1600" dirty="0">
-                <a:solidFill>
-                  <a:schemeClr val="accent6">
-                    <a:lumMod val="50000"/>
-                  </a:schemeClr>
-                </a:solidFill>
-                <a:latin typeface="Aptos Light" panose="020B0004020202020204" pitchFamily="34" charset="0"/>
-              </a:rPr>
-              <a:t> - Check inventory, customer details</a:t>
-            </a:r>
-          </a:p>
-          <a:p>
-            <a:pPr marL="342900" indent="-342900">
-              <a:buFont typeface="+mj-lt"/>
-              <a:buAutoNum type="arabicPeriod"/>
-            </a:pPr>
-            <a:r>
-              <a:rPr lang="en-US" sz="1600" b="1" dirty="0">
-                <a:solidFill>
-                  <a:schemeClr val="accent6">
-                    <a:lumMod val="50000"/>
-                  </a:schemeClr>
-                </a:solidFill>
-                <a:latin typeface="Aptos Light" panose="020B0004020202020204" pitchFamily="34" charset="0"/>
-              </a:rPr>
-              <a:t>Process Payment</a:t>
-            </a:r>
-            <a:r>
-              <a:rPr lang="en-US" sz="1600" dirty="0">
-                <a:solidFill>
-                  <a:schemeClr val="accent6">
-                    <a:lumMod val="50000"/>
-                  </a:schemeClr>
-                </a:solidFill>
-                <a:latin typeface="Aptos Light" panose="020B0004020202020204" pitchFamily="34" charset="0"/>
-              </a:rPr>
-              <a:t> - Handle payment processing</a:t>
-            </a:r>
-          </a:p>
-          <a:p>
-            <a:pPr marL="342900" indent="-342900">
-              <a:buFont typeface="+mj-lt"/>
-              <a:buAutoNum type="arabicPeriod"/>
-            </a:pPr>
-            <a:r>
-              <a:rPr lang="en-US" sz="1600" b="1" dirty="0">
-                <a:solidFill>
-                  <a:schemeClr val="accent6">
-                    <a:lumMod val="50000"/>
-                  </a:schemeClr>
-                </a:solidFill>
-                <a:latin typeface="Aptos Light" panose="020B0004020202020204" pitchFamily="34" charset="0"/>
-              </a:rPr>
-              <a:t>Generate AI Content</a:t>
-            </a:r>
-            <a:r>
-              <a:rPr lang="en-US" sz="1600" dirty="0">
-                <a:solidFill>
-                  <a:schemeClr val="accent6">
-                    <a:lumMod val="50000"/>
-                  </a:schemeClr>
-                </a:solidFill>
-                <a:latin typeface="Aptos Light" panose="020B0004020202020204" pitchFamily="34" charset="0"/>
-              </a:rPr>
-              <a:t> - Create product descriptions (if needed)</a:t>
-            </a:r>
-          </a:p>
-          <a:p>
-            <a:pPr marL="342900" indent="-342900">
-              <a:buFont typeface="+mj-lt"/>
-              <a:buAutoNum type="arabicPeriod"/>
-            </a:pPr>
-            <a:r>
-              <a:rPr lang="en-US" sz="1600" b="1" dirty="0">
-                <a:solidFill>
-                  <a:schemeClr val="accent6">
-                    <a:lumMod val="50000"/>
-                  </a:schemeClr>
-                </a:solidFill>
-                <a:latin typeface="Aptos Light" panose="020B0004020202020204" pitchFamily="34" charset="0"/>
-              </a:rPr>
-              <a:t>Update Inventory</a:t>
-            </a:r>
-            <a:r>
-              <a:rPr lang="en-US" sz="1600" dirty="0">
-                <a:solidFill>
-                  <a:schemeClr val="accent6">
-                    <a:lumMod val="50000"/>
-                  </a:schemeClr>
-                </a:solidFill>
-                <a:latin typeface="Aptos Light" panose="020B0004020202020204" pitchFamily="34" charset="0"/>
-              </a:rPr>
-              <a:t> - Decrement stock levels</a:t>
-            </a:r>
-          </a:p>
-          <a:p>
-            <a:pPr marL="342900" indent="-342900">
-              <a:buFont typeface="+mj-lt"/>
-              <a:buAutoNum type="arabicPeriod"/>
-            </a:pPr>
-            <a:r>
-              <a:rPr lang="en-US" sz="1600" b="1" dirty="0">
-                <a:solidFill>
-                  <a:schemeClr val="accent6">
-                    <a:lumMod val="50000"/>
-                  </a:schemeClr>
-                </a:solidFill>
-                <a:latin typeface="Aptos Light" panose="020B0004020202020204" pitchFamily="34" charset="0"/>
-              </a:rPr>
-              <a:t>Send Notifications</a:t>
-            </a:r>
-            <a:r>
-              <a:rPr lang="en-US" sz="1600" dirty="0">
-                <a:solidFill>
-                  <a:schemeClr val="accent6">
-                    <a:lumMod val="50000"/>
-                  </a:schemeClr>
-                </a:solidFill>
-                <a:latin typeface="Aptos Light" panose="020B0004020202020204" pitchFamily="34" charset="0"/>
-              </a:rPr>
-              <a:t> - Confirm order to customer and staff</a:t>
-            </a:r>
-          </a:p>
-          <a:p>
-            <a:r>
-              <a:rPr lang="en-US" sz="1600" b="1" dirty="0">
-                <a:solidFill>
-                  <a:srgbClr val="5F6F0F"/>
-                </a:solidFill>
-                <a:latin typeface="Aptos Light" panose="020B0004020202020204" pitchFamily="34" charset="0"/>
-              </a:rPr>
-              <a:t>Key Advantages of Orchestration</a:t>
-            </a:r>
-          </a:p>
-          <a:p>
-            <a:pPr marL="342900" indent="-342900">
-              <a:buFont typeface="+mj-lt"/>
-              <a:buAutoNum type="arabicPeriod"/>
-            </a:pPr>
-            <a:r>
-              <a:rPr lang="en-US" sz="1600" b="1" dirty="0">
-                <a:solidFill>
-                  <a:schemeClr val="accent6">
-                    <a:lumMod val="50000"/>
-                  </a:schemeClr>
-                </a:solidFill>
-                <a:latin typeface="Aptos Light" panose="020B0004020202020204" pitchFamily="34" charset="0"/>
-              </a:rPr>
-              <a:t>Reliability</a:t>
-            </a:r>
-            <a:r>
-              <a:rPr lang="en-US" sz="1600" dirty="0">
-                <a:solidFill>
-                  <a:schemeClr val="accent6">
-                    <a:lumMod val="50000"/>
-                  </a:schemeClr>
-                </a:solidFill>
-                <a:latin typeface="Aptos Light" panose="020B0004020202020204" pitchFamily="34" charset="0"/>
-              </a:rPr>
-              <a:t> - Each step can retry independently</a:t>
-            </a:r>
-          </a:p>
-          <a:p>
-            <a:pPr marL="342900" indent="-342900">
-              <a:buFont typeface="+mj-lt"/>
-              <a:buAutoNum type="arabicPeriod"/>
-            </a:pPr>
-            <a:r>
-              <a:rPr lang="en-US" sz="1600" b="1" dirty="0">
-                <a:solidFill>
-                  <a:schemeClr val="accent6">
-                    <a:lumMod val="50000"/>
-                  </a:schemeClr>
-                </a:solidFill>
-                <a:latin typeface="Aptos Light" panose="020B0004020202020204" pitchFamily="34" charset="0"/>
-              </a:rPr>
-              <a:t>Visibility</a:t>
-            </a:r>
-            <a:r>
-              <a:rPr lang="en-US" sz="1600" dirty="0">
-                <a:solidFill>
-                  <a:schemeClr val="accent6">
-                    <a:lumMod val="50000"/>
-                  </a:schemeClr>
-                </a:solidFill>
-                <a:latin typeface="Aptos Light" panose="020B0004020202020204" pitchFamily="34" charset="0"/>
-              </a:rPr>
-              <a:t> - Track progress of each order through pipeline</a:t>
-            </a:r>
-          </a:p>
-          <a:p>
-            <a:pPr marL="342900" indent="-342900">
-              <a:buFont typeface="+mj-lt"/>
-              <a:buAutoNum type="arabicPeriod"/>
-            </a:pPr>
-            <a:r>
-              <a:rPr lang="en-US" sz="1600" b="1" dirty="0">
-                <a:solidFill>
-                  <a:schemeClr val="accent6">
-                    <a:lumMod val="50000"/>
-                  </a:schemeClr>
-                </a:solidFill>
-                <a:latin typeface="Aptos Light" panose="020B0004020202020204" pitchFamily="34" charset="0"/>
-              </a:rPr>
-              <a:t>Scalability</a:t>
-            </a:r>
-            <a:r>
-              <a:rPr lang="en-US" sz="1600" dirty="0">
-                <a:solidFill>
-                  <a:schemeClr val="accent6">
-                    <a:lumMod val="50000"/>
-                  </a:schemeClr>
-                </a:solidFill>
-                <a:latin typeface="Aptos Light" panose="020B0004020202020204" pitchFamily="34" charset="0"/>
-              </a:rPr>
-              <a:t> - Each step scales based on its own demands</a:t>
-            </a:r>
-          </a:p>
-          <a:p>
-            <a:pPr marL="342900" indent="-342900">
-              <a:buFont typeface="+mj-lt"/>
-              <a:buAutoNum type="arabicPeriod"/>
-            </a:pPr>
-            <a:r>
-              <a:rPr lang="en-US" sz="1600" b="1" dirty="0">
-                <a:solidFill>
-                  <a:schemeClr val="accent6">
-                    <a:lumMod val="50000"/>
-                  </a:schemeClr>
-                </a:solidFill>
-                <a:latin typeface="Aptos Light" panose="020B0004020202020204" pitchFamily="34" charset="0"/>
-              </a:rPr>
-              <a:t>Maintainability</a:t>
-            </a:r>
-            <a:r>
-              <a:rPr lang="en-US" sz="1600" dirty="0">
-                <a:solidFill>
-                  <a:schemeClr val="accent6">
-                    <a:lumMod val="50000"/>
-                  </a:schemeClr>
-                </a:solidFill>
-                <a:latin typeface="Aptos Light" panose="020B0004020202020204" pitchFamily="34" charset="0"/>
-              </a:rPr>
-              <a:t> - Clear separation of business logic</a:t>
-            </a:r>
-          </a:p>
-          <a:p>
-            <a:r>
-              <a:rPr lang="en-US" sz="1600" b="1" dirty="0">
-                <a:solidFill>
-                  <a:srgbClr val="5F6F0F"/>
-                </a:solidFill>
-                <a:latin typeface="Aptos Light" panose="020B0004020202020204" pitchFamily="34" charset="0"/>
-              </a:rPr>
-              <a:t>Error Handling Strategy</a:t>
-            </a:r>
-          </a:p>
-          <a:p>
-            <a:pPr marL="342900" indent="-342900">
-              <a:buFont typeface="+mj-lt"/>
-              <a:buAutoNum type="arabicPeriod"/>
-            </a:pPr>
-            <a:r>
-              <a:rPr lang="en-US" sz="1600" b="1" dirty="0">
-                <a:solidFill>
-                  <a:schemeClr val="accent6">
-                    <a:lumMod val="50000"/>
-                  </a:schemeClr>
-                </a:solidFill>
-                <a:latin typeface="Aptos Light" panose="020B0004020202020204" pitchFamily="34" charset="0"/>
-              </a:rPr>
-              <a:t>Automatic Retries</a:t>
-            </a:r>
-            <a:r>
-              <a:rPr lang="en-US" sz="1600" dirty="0">
-                <a:solidFill>
-                  <a:schemeClr val="accent6">
-                    <a:lumMod val="50000"/>
-                  </a:schemeClr>
-                </a:solidFill>
-                <a:latin typeface="Aptos Light" panose="020B0004020202020204" pitchFamily="34" charset="0"/>
-              </a:rPr>
-              <a:t> with exponential backoff</a:t>
-            </a:r>
-          </a:p>
-          <a:p>
-            <a:pPr marL="342900" indent="-342900">
-              <a:buFont typeface="+mj-lt"/>
-              <a:buAutoNum type="arabicPeriod"/>
-            </a:pPr>
-            <a:r>
-              <a:rPr lang="en-US" sz="1600" b="1" dirty="0">
-                <a:solidFill>
-                  <a:schemeClr val="accent6">
-                    <a:lumMod val="50000"/>
-                  </a:schemeClr>
-                </a:solidFill>
-                <a:latin typeface="Aptos Light" panose="020B0004020202020204" pitchFamily="34" charset="0"/>
-              </a:rPr>
-              <a:t>Compensation Actions</a:t>
-            </a:r>
-            <a:r>
-              <a:rPr lang="en-US" sz="1600" dirty="0">
-                <a:solidFill>
-                  <a:schemeClr val="accent6">
-                    <a:lumMod val="50000"/>
-                  </a:schemeClr>
-                </a:solidFill>
-                <a:latin typeface="Aptos Light" panose="020B0004020202020204" pitchFamily="34" charset="0"/>
-              </a:rPr>
-              <a:t> to rollback on failures</a:t>
-            </a:r>
-          </a:p>
-          <a:p>
-            <a:pPr marL="342900" indent="-342900">
-              <a:buFont typeface="+mj-lt"/>
-              <a:buAutoNum type="arabicPeriod"/>
-            </a:pPr>
-            <a:r>
-              <a:rPr lang="en-US" sz="1600" b="1" dirty="0">
-                <a:solidFill>
-                  <a:schemeClr val="accent6">
-                    <a:lumMod val="50000"/>
-                  </a:schemeClr>
-                </a:solidFill>
-                <a:latin typeface="Aptos Light" panose="020B0004020202020204" pitchFamily="34" charset="0"/>
-              </a:rPr>
-              <a:t>Dead Letter Queues</a:t>
-            </a:r>
-            <a:r>
-              <a:rPr lang="en-US" sz="1600" dirty="0">
-                <a:solidFill>
-                  <a:schemeClr val="accent6">
-                    <a:lumMod val="50000"/>
-                  </a:schemeClr>
-                </a:solidFill>
-                <a:latin typeface="Aptos Light" panose="020B0004020202020204" pitchFamily="34" charset="0"/>
-              </a:rPr>
-              <a:t> for manual intervention</a:t>
-            </a:r>
-          </a:p>
-          <a:p>
-            <a:pPr marL="342900" indent="-342900">
-              <a:buFont typeface="+mj-lt"/>
-              <a:buAutoNum type="arabicPeriod"/>
-            </a:pPr>
-            <a:r>
-              <a:rPr lang="en-US" sz="1600" b="1" dirty="0">
-                <a:solidFill>
-                  <a:schemeClr val="accent6">
-                    <a:lumMod val="50000"/>
-                  </a:schemeClr>
-                </a:solidFill>
-                <a:latin typeface="Aptos Light" panose="020B0004020202020204" pitchFamily="34" charset="0"/>
-              </a:rPr>
-              <a:t>Monitoring Alerts</a:t>
-            </a:r>
-            <a:r>
-              <a:rPr lang="en-US" sz="1600" dirty="0">
-                <a:solidFill>
-                  <a:schemeClr val="accent6">
-                    <a:lumMod val="50000"/>
-                  </a:schemeClr>
-                </a:solidFill>
-                <a:latin typeface="Aptos Light" panose="020B0004020202020204" pitchFamily="34" charset="0"/>
-              </a:rPr>
-              <a:t> for failed workflows</a:t>
-            </a:r>
-          </a:p>
-          <a:p>
-            <a:r>
-              <a:rPr lang="en-US" sz="1600" b="1" dirty="0">
-                <a:solidFill>
-                  <a:srgbClr val="5F6F0F"/>
-                </a:solidFill>
-                <a:latin typeface="Aptos Light" panose="020B0004020202020204" pitchFamily="34" charset="0"/>
-              </a:rPr>
-              <a:t>Fan-out/Fan-in Pattern for Bulk Operations</a:t>
-            </a:r>
-          </a:p>
-          <a:p>
-            <a:pPr marL="342900" indent="-342900">
-              <a:buFont typeface="+mj-lt"/>
-              <a:buAutoNum type="arabicPeriod"/>
-            </a:pPr>
-            <a:r>
-              <a:rPr lang="en-US" sz="1600" dirty="0">
-                <a:solidFill>
-                  <a:schemeClr val="accent6">
-                    <a:lumMod val="50000"/>
-                  </a:schemeClr>
-                </a:solidFill>
-                <a:latin typeface="Aptos Light" panose="020B0004020202020204" pitchFamily="34" charset="0"/>
-              </a:rPr>
-              <a:t>Process multiple orders simultaneously during peak times</a:t>
-            </a:r>
-          </a:p>
-          <a:p>
-            <a:pPr marL="342900" indent="-342900">
-              <a:buFont typeface="+mj-lt"/>
-              <a:buAutoNum type="arabicPeriod"/>
-            </a:pPr>
-            <a:r>
-              <a:rPr lang="en-US" sz="1600" dirty="0">
-                <a:solidFill>
-                  <a:schemeClr val="accent6">
-                    <a:lumMod val="50000"/>
-                  </a:schemeClr>
-                </a:solidFill>
-                <a:latin typeface="Aptos Light" panose="020B0004020202020204" pitchFamily="34" charset="0"/>
-              </a:rPr>
-              <a:t>Generate AI content for multiple products in parallel</a:t>
-            </a:r>
-          </a:p>
-          <a:p>
-            <a:pPr marL="342900" indent="-342900">
-              <a:buFont typeface="+mj-lt"/>
-              <a:buAutoNum type="arabicPeriod"/>
-            </a:pPr>
-            <a:r>
-              <a:rPr lang="en-US" sz="1600" dirty="0">
-                <a:solidFill>
-                  <a:schemeClr val="accent6">
-                    <a:lumMod val="50000"/>
-                  </a:schemeClr>
-                </a:solidFill>
-                <a:latin typeface="Aptos Light" panose="020B0004020202020204" pitchFamily="34" charset="0"/>
-              </a:rPr>
-              <a:t>Aggregate results for reporting and analytics</a:t>
-            </a:r>
-          </a:p>
-        </p:txBody>
-      </p:sp>
-      <p:sp>
-        <p:nvSpPr>
-          <p:cNvPr id="3" name="TextBox 2">
-            <a:extLst>
-              <a:ext uri="{FF2B5EF4-FFF2-40B4-BE49-F238E27FC236}">
-                <a16:creationId xmlns:a16="http://schemas.microsoft.com/office/drawing/2014/main" id="{0B4FA856-16ED-CD27-EE55-5892E6F6DFD7}"/>
-              </a:ext>
-            </a:extLst>
-          </p:cNvPr>
-          <p:cNvSpPr txBox="1"/>
-          <p:nvPr/>
-        </p:nvSpPr>
-        <p:spPr>
-          <a:xfrm>
-            <a:off x="6598468" y="260648"/>
-            <a:ext cx="5256584" cy="400110"/>
-          </a:xfrm>
-          <a:prstGeom prst="rect">
-            <a:avLst/>
-          </a:prstGeom>
-          <a:noFill/>
-        </p:spPr>
-        <p:txBody>
-          <a:bodyPr wrap="square">
-            <a:spAutoFit/>
-          </a:bodyPr>
-          <a:lstStyle/>
-          <a:p>
-            <a:r>
-              <a:rPr lang="en-US" sz="2000" b="1" dirty="0">
-                <a:solidFill>
-                  <a:schemeClr val="accent6">
-                    <a:lumMod val="75000"/>
-                  </a:schemeClr>
-                </a:solidFill>
-                <a:latin typeface="Aptos Light" panose="020F0502020204030204" pitchFamily="34" charset="0"/>
-              </a:rPr>
-              <a:t>Durable Functions for Complex Workflows</a:t>
-            </a:r>
-            <a:endParaRPr lang="en-US" sz="2000" dirty="0"/>
           </a:p>
         </p:txBody>
       </p:sp>
     </p:spTree>
     <p:extLst>
       <p:ext uri="{BB962C8B-B14F-4D97-AF65-F5344CB8AC3E}">
-        <p14:creationId xmlns:p14="http://schemas.microsoft.com/office/powerpoint/2010/main" val="3682956899"/>
+        <p14:creationId xmlns:p14="http://schemas.microsoft.com/office/powerpoint/2010/main" val="1238880593"/>
       </p:ext>
     </p:extLst>
   </p:cSld>
   <p:clrMapOvr>
     <a:masterClrMapping/>
   </p:clrMapOvr>
-  <mc:AlternateContent xmlns:mc="http://schemas.openxmlformats.org/markup-compatibility/2006">
-    <mc:Choice xmlns:p14="http://schemas.microsoft.com/office/powerpoint/2010/main" Requires="p14">
-      <p:transition spd="med" p14:dur="700">
-        <p:fade/>
+  <mc:AlternateContent xmlns:mc="http://schemas.openxmlformats.org/markup-compatibility/2006" xmlns:p14="http://schemas.microsoft.com/office/powerpoint/2010/main">
+    <mc:Choice Requires="p14">
+      <p:transition spd="slow" p14:dur="800">
+        <p14:flythrough/>
       </p:transition>
     </mc:Choice>
-    <mc:Fallback>
-      <p:transition spd="med">
-        <p:fade/>
-      </p:transition>
-    </mc:Fallback>
-  </mc:AlternateContent>
-</p:sld>
-</file>
-
-<file path=ppt/slides/slide11.xml><?xml version="1.0" encoding="utf-8"?>
-<p:sld xmlns:a="http://schemas.openxmlformats.org/drawingml/2006/main" xmlns:r="http://schemas.openxmlformats.org/officeDocument/2006/relationships" xmlns:p="http://schemas.openxmlformats.org/presentationml/2006/main">
-  <p:cSld>
-    <p:bg>
-      <p:bgPr>
-        <a:solidFill>
-          <a:schemeClr val="tx1">
-            <a:lumMod val="95000"/>
-          </a:schemeClr>
-        </a:solidFill>
-        <a:effectLst/>
-      </p:bgPr>
-    </p:bg>
-    <p:spTree>
-      <p:nvGrpSpPr>
-        <p:cNvPr id="1" name="">
-          <a:extLst>
-            <a:ext uri="{FF2B5EF4-FFF2-40B4-BE49-F238E27FC236}">
-              <a16:creationId xmlns:a16="http://schemas.microsoft.com/office/drawing/2014/main" id="{AAF4CE35-E151-977C-337F-2A1A58949E04}"/>
-            </a:ext>
-          </a:extLst>
-        </p:cNvPr>
-        <p:cNvGrpSpPr/>
-        <p:nvPr/>
-      </p:nvGrpSpPr>
-      <p:grpSpPr>
-        <a:xfrm>
-          <a:off x="0" y="0"/>
-          <a:ext cx="0" cy="0"/>
-          <a:chOff x="0" y="0"/>
-          <a:chExt cx="0" cy="0"/>
-        </a:xfrm>
-      </p:grpSpPr>
-      <p:sp>
-        <p:nvSpPr>
-          <p:cNvPr id="7" name="TextBox 6">
-            <a:extLst>
-              <a:ext uri="{FF2B5EF4-FFF2-40B4-BE49-F238E27FC236}">
-                <a16:creationId xmlns:a16="http://schemas.microsoft.com/office/drawing/2014/main" id="{26EF0966-E2F4-CC13-E051-23C938381259}"/>
-              </a:ext>
-            </a:extLst>
-          </p:cNvPr>
-          <p:cNvSpPr txBox="1"/>
-          <p:nvPr/>
-        </p:nvSpPr>
-        <p:spPr>
-          <a:xfrm>
-            <a:off x="5158308" y="1196752"/>
-            <a:ext cx="8496944" cy="5262979"/>
-          </a:xfrm>
-          <a:prstGeom prst="rect">
-            <a:avLst/>
-          </a:prstGeom>
-          <a:noFill/>
-        </p:spPr>
-        <p:txBody>
-          <a:bodyPr wrap="square">
-            <a:spAutoFit/>
-          </a:bodyPr>
-          <a:lstStyle/>
-          <a:p>
-            <a:r>
-              <a:rPr lang="en-US" sz="1800" b="1" dirty="0">
-                <a:solidFill>
-                  <a:schemeClr val="accent3">
-                    <a:lumMod val="75000"/>
-                  </a:schemeClr>
-                </a:solidFill>
-                <a:latin typeface="Aptos Light" panose="020B0004020202020204" pitchFamily="34" charset="0"/>
-              </a:rPr>
-              <a:t>Order Processing Orchestration</a:t>
-            </a:r>
-          </a:p>
-          <a:p>
-            <a:r>
-              <a:rPr lang="en-US" sz="1600" b="1" dirty="0">
-                <a:solidFill>
-                  <a:srgbClr val="5F6F0F"/>
-                </a:solidFill>
-                <a:latin typeface="Aptos Light" panose="020B0004020202020204" pitchFamily="34" charset="0"/>
-              </a:rPr>
-              <a:t>Sequential Steps:</a:t>
-            </a:r>
-            <a:endParaRPr lang="en-US" sz="1600" dirty="0">
-              <a:solidFill>
-                <a:srgbClr val="5F6F0F"/>
-              </a:solidFill>
-              <a:latin typeface="Aptos Light" panose="020B0004020202020204" pitchFamily="34" charset="0"/>
-            </a:endParaRPr>
-          </a:p>
-          <a:p>
-            <a:pPr marL="342900" indent="-342900">
-              <a:buFont typeface="+mj-lt"/>
-              <a:buAutoNum type="arabicPeriod"/>
-            </a:pPr>
-            <a:r>
-              <a:rPr lang="en-US" sz="1600" b="1" dirty="0">
-                <a:solidFill>
-                  <a:schemeClr val="accent6">
-                    <a:lumMod val="50000"/>
-                  </a:schemeClr>
-                </a:solidFill>
-                <a:latin typeface="Aptos Light" panose="020B0004020202020204" pitchFamily="34" charset="0"/>
-              </a:rPr>
-              <a:t>Validate Order</a:t>
-            </a:r>
-            <a:r>
-              <a:rPr lang="en-US" sz="1600" dirty="0">
-                <a:solidFill>
-                  <a:schemeClr val="accent6">
-                    <a:lumMod val="50000"/>
-                  </a:schemeClr>
-                </a:solidFill>
-                <a:latin typeface="Aptos Light" panose="020B0004020202020204" pitchFamily="34" charset="0"/>
-              </a:rPr>
-              <a:t> - Check inventory, customer details</a:t>
-            </a:r>
-          </a:p>
-          <a:p>
-            <a:pPr marL="342900" indent="-342900">
-              <a:buFont typeface="+mj-lt"/>
-              <a:buAutoNum type="arabicPeriod"/>
-            </a:pPr>
-            <a:r>
-              <a:rPr lang="en-US" sz="1600" b="1" dirty="0">
-                <a:solidFill>
-                  <a:schemeClr val="accent6">
-                    <a:lumMod val="50000"/>
-                  </a:schemeClr>
-                </a:solidFill>
-                <a:latin typeface="Aptos Light" panose="020B0004020202020204" pitchFamily="34" charset="0"/>
-              </a:rPr>
-              <a:t>Process Payment</a:t>
-            </a:r>
-            <a:r>
-              <a:rPr lang="en-US" sz="1600" dirty="0">
-                <a:solidFill>
-                  <a:schemeClr val="accent6">
-                    <a:lumMod val="50000"/>
-                  </a:schemeClr>
-                </a:solidFill>
-                <a:latin typeface="Aptos Light" panose="020B0004020202020204" pitchFamily="34" charset="0"/>
-              </a:rPr>
-              <a:t> - Handle payment processing</a:t>
-            </a:r>
-          </a:p>
-          <a:p>
-            <a:pPr marL="342900" indent="-342900">
-              <a:buFont typeface="+mj-lt"/>
-              <a:buAutoNum type="arabicPeriod"/>
-            </a:pPr>
-            <a:r>
-              <a:rPr lang="en-US" sz="1600" b="1" dirty="0">
-                <a:solidFill>
-                  <a:schemeClr val="accent6">
-                    <a:lumMod val="50000"/>
-                  </a:schemeClr>
-                </a:solidFill>
-                <a:latin typeface="Aptos Light" panose="020B0004020202020204" pitchFamily="34" charset="0"/>
-              </a:rPr>
-              <a:t>Generate AI Content</a:t>
-            </a:r>
-            <a:r>
-              <a:rPr lang="en-US" sz="1600" dirty="0">
-                <a:solidFill>
-                  <a:schemeClr val="accent6">
-                    <a:lumMod val="50000"/>
-                  </a:schemeClr>
-                </a:solidFill>
-                <a:latin typeface="Aptos Light" panose="020B0004020202020204" pitchFamily="34" charset="0"/>
-              </a:rPr>
-              <a:t> - Create product descriptions (if needed)</a:t>
-            </a:r>
-          </a:p>
-          <a:p>
-            <a:pPr marL="342900" indent="-342900">
-              <a:buFont typeface="+mj-lt"/>
-              <a:buAutoNum type="arabicPeriod"/>
-            </a:pPr>
-            <a:r>
-              <a:rPr lang="en-US" sz="1600" b="1" dirty="0">
-                <a:solidFill>
-                  <a:schemeClr val="accent6">
-                    <a:lumMod val="50000"/>
-                  </a:schemeClr>
-                </a:solidFill>
-                <a:latin typeface="Aptos Light" panose="020B0004020202020204" pitchFamily="34" charset="0"/>
-              </a:rPr>
-              <a:t>Update Inventory</a:t>
-            </a:r>
-            <a:r>
-              <a:rPr lang="en-US" sz="1600" dirty="0">
-                <a:solidFill>
-                  <a:schemeClr val="accent6">
-                    <a:lumMod val="50000"/>
-                  </a:schemeClr>
-                </a:solidFill>
-                <a:latin typeface="Aptos Light" panose="020B0004020202020204" pitchFamily="34" charset="0"/>
-              </a:rPr>
-              <a:t> - Decrement stock levels</a:t>
-            </a:r>
-          </a:p>
-          <a:p>
-            <a:pPr marL="342900" indent="-342900">
-              <a:buFont typeface="+mj-lt"/>
-              <a:buAutoNum type="arabicPeriod"/>
-            </a:pPr>
-            <a:r>
-              <a:rPr lang="en-US" sz="1600" b="1" dirty="0">
-                <a:solidFill>
-                  <a:schemeClr val="accent6">
-                    <a:lumMod val="50000"/>
-                  </a:schemeClr>
-                </a:solidFill>
-                <a:latin typeface="Aptos Light" panose="020B0004020202020204" pitchFamily="34" charset="0"/>
-              </a:rPr>
-              <a:t>Send Notifications</a:t>
-            </a:r>
-            <a:r>
-              <a:rPr lang="en-US" sz="1600" dirty="0">
-                <a:solidFill>
-                  <a:schemeClr val="accent6">
-                    <a:lumMod val="50000"/>
-                  </a:schemeClr>
-                </a:solidFill>
-                <a:latin typeface="Aptos Light" panose="020B0004020202020204" pitchFamily="34" charset="0"/>
-              </a:rPr>
-              <a:t> - Confirm order to customer and staff</a:t>
-            </a:r>
-          </a:p>
-          <a:p>
-            <a:r>
-              <a:rPr lang="en-US" sz="1600" b="1" dirty="0">
-                <a:solidFill>
-                  <a:srgbClr val="5F6F0F"/>
-                </a:solidFill>
-                <a:latin typeface="Aptos Light" panose="020B0004020202020204" pitchFamily="34" charset="0"/>
-              </a:rPr>
-              <a:t>Key Advantages of Orchestration</a:t>
-            </a:r>
-          </a:p>
-          <a:p>
-            <a:pPr marL="342900" indent="-342900">
-              <a:buFont typeface="+mj-lt"/>
-              <a:buAutoNum type="arabicPeriod"/>
-            </a:pPr>
-            <a:r>
-              <a:rPr lang="en-US" sz="1600" b="1" dirty="0">
-                <a:solidFill>
-                  <a:schemeClr val="accent6">
-                    <a:lumMod val="50000"/>
-                  </a:schemeClr>
-                </a:solidFill>
-                <a:latin typeface="Aptos Light" panose="020B0004020202020204" pitchFamily="34" charset="0"/>
-              </a:rPr>
-              <a:t>Reliability</a:t>
-            </a:r>
-            <a:r>
-              <a:rPr lang="en-US" sz="1600" dirty="0">
-                <a:solidFill>
-                  <a:schemeClr val="accent6">
-                    <a:lumMod val="50000"/>
-                  </a:schemeClr>
-                </a:solidFill>
-                <a:latin typeface="Aptos Light" panose="020B0004020202020204" pitchFamily="34" charset="0"/>
-              </a:rPr>
-              <a:t> - Each step can retry independently</a:t>
-            </a:r>
-          </a:p>
-          <a:p>
-            <a:pPr marL="342900" indent="-342900">
-              <a:buFont typeface="+mj-lt"/>
-              <a:buAutoNum type="arabicPeriod"/>
-            </a:pPr>
-            <a:r>
-              <a:rPr lang="en-US" sz="1600" b="1" dirty="0">
-                <a:solidFill>
-                  <a:schemeClr val="accent6">
-                    <a:lumMod val="50000"/>
-                  </a:schemeClr>
-                </a:solidFill>
-                <a:latin typeface="Aptos Light" panose="020B0004020202020204" pitchFamily="34" charset="0"/>
-              </a:rPr>
-              <a:t>Visibility</a:t>
-            </a:r>
-            <a:r>
-              <a:rPr lang="en-US" sz="1600" dirty="0">
-                <a:solidFill>
-                  <a:schemeClr val="accent6">
-                    <a:lumMod val="50000"/>
-                  </a:schemeClr>
-                </a:solidFill>
-                <a:latin typeface="Aptos Light" panose="020B0004020202020204" pitchFamily="34" charset="0"/>
-              </a:rPr>
-              <a:t> - Track progress of each order through pipeline</a:t>
-            </a:r>
-          </a:p>
-          <a:p>
-            <a:pPr marL="342900" indent="-342900">
-              <a:buFont typeface="+mj-lt"/>
-              <a:buAutoNum type="arabicPeriod"/>
-            </a:pPr>
-            <a:r>
-              <a:rPr lang="en-US" sz="1600" b="1" dirty="0">
-                <a:solidFill>
-                  <a:schemeClr val="accent6">
-                    <a:lumMod val="50000"/>
-                  </a:schemeClr>
-                </a:solidFill>
-                <a:latin typeface="Aptos Light" panose="020B0004020202020204" pitchFamily="34" charset="0"/>
-              </a:rPr>
-              <a:t>Scalability</a:t>
-            </a:r>
-            <a:r>
-              <a:rPr lang="en-US" sz="1600" dirty="0">
-                <a:solidFill>
-                  <a:schemeClr val="accent6">
-                    <a:lumMod val="50000"/>
-                  </a:schemeClr>
-                </a:solidFill>
-                <a:latin typeface="Aptos Light" panose="020B0004020202020204" pitchFamily="34" charset="0"/>
-              </a:rPr>
-              <a:t> - Each step scales based on its own demands</a:t>
-            </a:r>
-          </a:p>
-          <a:p>
-            <a:pPr marL="342900" indent="-342900">
-              <a:buFont typeface="+mj-lt"/>
-              <a:buAutoNum type="arabicPeriod"/>
-            </a:pPr>
-            <a:r>
-              <a:rPr lang="en-US" sz="1600" b="1" dirty="0">
-                <a:solidFill>
-                  <a:schemeClr val="accent6">
-                    <a:lumMod val="50000"/>
-                  </a:schemeClr>
-                </a:solidFill>
-                <a:latin typeface="Aptos Light" panose="020B0004020202020204" pitchFamily="34" charset="0"/>
-              </a:rPr>
-              <a:t>Maintainability</a:t>
-            </a:r>
-            <a:r>
-              <a:rPr lang="en-US" sz="1600" dirty="0">
-                <a:solidFill>
-                  <a:schemeClr val="accent6">
-                    <a:lumMod val="50000"/>
-                  </a:schemeClr>
-                </a:solidFill>
-                <a:latin typeface="Aptos Light" panose="020B0004020202020204" pitchFamily="34" charset="0"/>
-              </a:rPr>
-              <a:t> - Clear separation of business logic</a:t>
-            </a:r>
-          </a:p>
-          <a:p>
-            <a:r>
-              <a:rPr lang="en-US" sz="1600" b="1" dirty="0">
-                <a:solidFill>
-                  <a:srgbClr val="5F6F0F"/>
-                </a:solidFill>
-                <a:latin typeface="Aptos Light" panose="020B0004020202020204" pitchFamily="34" charset="0"/>
-              </a:rPr>
-              <a:t>Error Handling Strategy</a:t>
-            </a:r>
-          </a:p>
-          <a:p>
-            <a:pPr marL="342900" indent="-342900">
-              <a:buFont typeface="+mj-lt"/>
-              <a:buAutoNum type="arabicPeriod"/>
-            </a:pPr>
-            <a:r>
-              <a:rPr lang="en-US" sz="1600" b="1" dirty="0">
-                <a:solidFill>
-                  <a:schemeClr val="accent6">
-                    <a:lumMod val="50000"/>
-                  </a:schemeClr>
-                </a:solidFill>
-                <a:latin typeface="Aptos Light" panose="020B0004020202020204" pitchFamily="34" charset="0"/>
-              </a:rPr>
-              <a:t>Automatic Retries</a:t>
-            </a:r>
-            <a:r>
-              <a:rPr lang="en-US" sz="1600" dirty="0">
-                <a:solidFill>
-                  <a:schemeClr val="accent6">
-                    <a:lumMod val="50000"/>
-                  </a:schemeClr>
-                </a:solidFill>
-                <a:latin typeface="Aptos Light" panose="020B0004020202020204" pitchFamily="34" charset="0"/>
-              </a:rPr>
-              <a:t> with exponential backoff</a:t>
-            </a:r>
-          </a:p>
-          <a:p>
-            <a:pPr marL="342900" indent="-342900">
-              <a:buFont typeface="+mj-lt"/>
-              <a:buAutoNum type="arabicPeriod"/>
-            </a:pPr>
-            <a:r>
-              <a:rPr lang="en-US" sz="1600" b="1" dirty="0">
-                <a:solidFill>
-                  <a:schemeClr val="accent6">
-                    <a:lumMod val="50000"/>
-                  </a:schemeClr>
-                </a:solidFill>
-                <a:latin typeface="Aptos Light" panose="020B0004020202020204" pitchFamily="34" charset="0"/>
-              </a:rPr>
-              <a:t>Compensation Actions</a:t>
-            </a:r>
-            <a:r>
-              <a:rPr lang="en-US" sz="1600" dirty="0">
-                <a:solidFill>
-                  <a:schemeClr val="accent6">
-                    <a:lumMod val="50000"/>
-                  </a:schemeClr>
-                </a:solidFill>
-                <a:latin typeface="Aptos Light" panose="020B0004020202020204" pitchFamily="34" charset="0"/>
-              </a:rPr>
-              <a:t> to rollback on failures</a:t>
-            </a:r>
-          </a:p>
-          <a:p>
-            <a:pPr marL="342900" indent="-342900">
-              <a:buFont typeface="+mj-lt"/>
-              <a:buAutoNum type="arabicPeriod"/>
-            </a:pPr>
-            <a:r>
-              <a:rPr lang="en-US" sz="1600" b="1" dirty="0">
-                <a:solidFill>
-                  <a:schemeClr val="accent6">
-                    <a:lumMod val="50000"/>
-                  </a:schemeClr>
-                </a:solidFill>
-                <a:latin typeface="Aptos Light" panose="020B0004020202020204" pitchFamily="34" charset="0"/>
-              </a:rPr>
-              <a:t>Dead Letter Queues</a:t>
-            </a:r>
-            <a:r>
-              <a:rPr lang="en-US" sz="1600" dirty="0">
-                <a:solidFill>
-                  <a:schemeClr val="accent6">
-                    <a:lumMod val="50000"/>
-                  </a:schemeClr>
-                </a:solidFill>
-                <a:latin typeface="Aptos Light" panose="020B0004020202020204" pitchFamily="34" charset="0"/>
-              </a:rPr>
-              <a:t> for manual intervention</a:t>
-            </a:r>
-          </a:p>
-          <a:p>
-            <a:pPr marL="342900" indent="-342900">
-              <a:buFont typeface="+mj-lt"/>
-              <a:buAutoNum type="arabicPeriod"/>
-            </a:pPr>
-            <a:r>
-              <a:rPr lang="en-US" sz="1600" b="1" dirty="0">
-                <a:solidFill>
-                  <a:schemeClr val="accent6">
-                    <a:lumMod val="50000"/>
-                  </a:schemeClr>
-                </a:solidFill>
-                <a:latin typeface="Aptos Light" panose="020B0004020202020204" pitchFamily="34" charset="0"/>
-              </a:rPr>
-              <a:t>Monitoring Alerts</a:t>
-            </a:r>
-            <a:r>
-              <a:rPr lang="en-US" sz="1600" dirty="0">
-                <a:solidFill>
-                  <a:schemeClr val="accent6">
-                    <a:lumMod val="50000"/>
-                  </a:schemeClr>
-                </a:solidFill>
-                <a:latin typeface="Aptos Light" panose="020B0004020202020204" pitchFamily="34" charset="0"/>
-              </a:rPr>
-              <a:t> for failed workflows</a:t>
-            </a:r>
-          </a:p>
-          <a:p>
-            <a:r>
-              <a:rPr lang="en-US" sz="1600" b="1" dirty="0">
-                <a:solidFill>
-                  <a:srgbClr val="5F6F0F"/>
-                </a:solidFill>
-                <a:latin typeface="Aptos Light" panose="020B0004020202020204" pitchFamily="34" charset="0"/>
-              </a:rPr>
-              <a:t>Fan-out/Fan-in Pattern for Bulk Operations</a:t>
-            </a:r>
-          </a:p>
-          <a:p>
-            <a:pPr marL="342900" indent="-342900">
-              <a:buFont typeface="+mj-lt"/>
-              <a:buAutoNum type="arabicPeriod"/>
-            </a:pPr>
-            <a:r>
-              <a:rPr lang="en-US" sz="1600" dirty="0">
-                <a:solidFill>
-                  <a:schemeClr val="accent6">
-                    <a:lumMod val="50000"/>
-                  </a:schemeClr>
-                </a:solidFill>
-                <a:latin typeface="Aptos Light" panose="020B0004020202020204" pitchFamily="34" charset="0"/>
-              </a:rPr>
-              <a:t>Process multiple orders simultaneously during peak times</a:t>
-            </a:r>
-          </a:p>
-          <a:p>
-            <a:pPr marL="342900" indent="-342900">
-              <a:buFont typeface="+mj-lt"/>
-              <a:buAutoNum type="arabicPeriod"/>
-            </a:pPr>
-            <a:r>
-              <a:rPr lang="en-US" sz="1600" dirty="0">
-                <a:solidFill>
-                  <a:schemeClr val="accent6">
-                    <a:lumMod val="50000"/>
-                  </a:schemeClr>
-                </a:solidFill>
-                <a:latin typeface="Aptos Light" panose="020B0004020202020204" pitchFamily="34" charset="0"/>
-              </a:rPr>
-              <a:t>Generate AI content for multiple products in parallel</a:t>
-            </a:r>
-          </a:p>
-          <a:p>
-            <a:pPr marL="342900" indent="-342900">
-              <a:buFont typeface="+mj-lt"/>
-              <a:buAutoNum type="arabicPeriod"/>
-            </a:pPr>
-            <a:r>
-              <a:rPr lang="en-US" sz="1600" dirty="0">
-                <a:solidFill>
-                  <a:schemeClr val="accent6">
-                    <a:lumMod val="50000"/>
-                  </a:schemeClr>
-                </a:solidFill>
-                <a:latin typeface="Aptos Light" panose="020B0004020202020204" pitchFamily="34" charset="0"/>
-              </a:rPr>
-              <a:t>Aggregate results for reporting and analytics</a:t>
-            </a:r>
-          </a:p>
-        </p:txBody>
-      </p:sp>
-      <p:sp>
-        <p:nvSpPr>
-          <p:cNvPr id="3" name="TextBox 2">
-            <a:extLst>
-              <a:ext uri="{FF2B5EF4-FFF2-40B4-BE49-F238E27FC236}">
-                <a16:creationId xmlns:a16="http://schemas.microsoft.com/office/drawing/2014/main" id="{F5DF968B-F376-142B-6086-05A606F43BB8}"/>
-              </a:ext>
-            </a:extLst>
-          </p:cNvPr>
-          <p:cNvSpPr txBox="1"/>
-          <p:nvPr/>
-        </p:nvSpPr>
-        <p:spPr>
-          <a:xfrm>
-            <a:off x="6598468" y="260648"/>
-            <a:ext cx="5256584" cy="400110"/>
-          </a:xfrm>
-          <a:prstGeom prst="rect">
-            <a:avLst/>
-          </a:prstGeom>
-          <a:noFill/>
-        </p:spPr>
-        <p:txBody>
-          <a:bodyPr wrap="square">
-            <a:spAutoFit/>
-          </a:bodyPr>
-          <a:lstStyle/>
-          <a:p>
-            <a:r>
-              <a:rPr lang="en-US" sz="2000" b="1" dirty="0">
-                <a:solidFill>
-                  <a:schemeClr val="accent6">
-                    <a:lumMod val="75000"/>
-                  </a:schemeClr>
-                </a:solidFill>
-                <a:latin typeface="Aptos Light" panose="020F0502020204030204" pitchFamily="34" charset="0"/>
-              </a:rPr>
-              <a:t>Durable Functions for Complex Workflows</a:t>
-            </a:r>
-            <a:endParaRPr lang="en-US" sz="2000" dirty="0"/>
-          </a:p>
-        </p:txBody>
-      </p:sp>
-      <p:pic>
-        <p:nvPicPr>
-          <p:cNvPr id="4" name="Picture 3" descr="A screenshot of a computer&#10;&#10;AI-generated content may be incorrect.">
-            <a:extLst>
-              <a:ext uri="{FF2B5EF4-FFF2-40B4-BE49-F238E27FC236}">
-                <a16:creationId xmlns:a16="http://schemas.microsoft.com/office/drawing/2014/main" id="{5BD01B94-CDAE-752E-A55E-9B988662735A}"/>
-              </a:ext>
-            </a:extLst>
-          </p:cNvPr>
-          <p:cNvPicPr>
-            <a:picLocks noChangeAspect="1"/>
-          </p:cNvPicPr>
-          <p:nvPr/>
-        </p:nvPicPr>
-        <p:blipFill>
-          <a:blip r:embed="rId2" cstate="print">
-            <a:extLst>
-              <a:ext uri="{28A0092B-C50C-407E-A947-70E740481C1C}">
-                <a14:useLocalDpi xmlns:a14="http://schemas.microsoft.com/office/drawing/2010/main" val="0"/>
-              </a:ext>
-            </a:extLst>
-          </a:blip>
-          <a:stretch>
-            <a:fillRect/>
-          </a:stretch>
-        </p:blipFill>
-        <p:spPr>
-          <a:xfrm>
-            <a:off x="143" y="0"/>
-            <a:ext cx="4154626" cy="6858000"/>
-          </a:xfrm>
-          <a:prstGeom prst="rect">
-            <a:avLst/>
-          </a:prstGeom>
-        </p:spPr>
-      </p:pic>
-    </p:spTree>
-    <p:extLst>
-      <p:ext uri="{BB962C8B-B14F-4D97-AF65-F5344CB8AC3E}">
-        <p14:creationId xmlns:p14="http://schemas.microsoft.com/office/powerpoint/2010/main" val="3608218962"/>
-      </p:ext>
-    </p:extLst>
-  </p:cSld>
-  <p:clrMapOvr>
-    <a:masterClrMapping/>
-  </p:clrMapOvr>
-  <mc:AlternateContent xmlns:mc="http://schemas.openxmlformats.org/markup-compatibility/2006">
-    <mc:Choice xmlns:p14="http://schemas.microsoft.com/office/powerpoint/2010/main" Requires="p14">
-      <p:transition spd="med" p14:dur="700">
-        <p:fade/>
-      </p:transition>
-    </mc:Choice>
-    <mc:Fallback>
-      <p:transition spd="med">
+    <mc:Fallback xmlns="">
+      <p:transition spd="slow">
         <p:fade/>
       </p:transition>
     </mc:Fallback>
@@ -6568,7 +5471,7 @@
           <p:nvPr/>
         </p:nvPicPr>
         <p:blipFill>
-          <a:blip r:embed="rId2">
+          <a:blip r:embed="rId2" cstate="print">
             <a:extLst>
               <a:ext uri="{28A0092B-C50C-407E-A947-70E740481C1C}">
                 <a14:useLocalDpi xmlns:a14="http://schemas.microsoft.com/office/drawing/2010/main" val="0"/>
@@ -6581,8 +5484,8 @@
         </p:blipFill>
         <p:spPr>
           <a:xfrm>
-            <a:off x="189756" y="980728"/>
-            <a:ext cx="6176534" cy="5589240"/>
+            <a:off x="117748" y="476672"/>
+            <a:ext cx="4297012" cy="3888432"/>
           </a:xfrm>
           <a:prstGeom prst="rect">
             <a:avLst/>
@@ -6603,8 +5506,8 @@
         </p:nvSpPr>
         <p:spPr>
           <a:xfrm>
-            <a:off x="6742484" y="332656"/>
-            <a:ext cx="4869310" cy="6401753"/>
+            <a:off x="549796" y="4653136"/>
+            <a:ext cx="5184576" cy="1446550"/>
           </a:xfrm>
           <a:prstGeom prst="rect">
             <a:avLst/>
@@ -6617,63 +5520,238 @@
           </a:bodyPr>
           <a:lstStyle/>
           <a:p>
-            <a:pPr>
-              <a:buNone/>
+            <a:r>
+              <a:rPr lang="en-US" sz="1800" b="1" dirty="0">
+                <a:solidFill>
+                  <a:srgbClr val="5F6F0F"/>
+                </a:solidFill>
+                <a:latin typeface="Aptos Light" panose="020B0004020202020204" pitchFamily="34" charset="0"/>
+              </a:rPr>
+              <a:t>Current Architecture Components:</a:t>
+            </a:r>
+            <a:r>
+              <a:rPr lang="en-US" sz="1800" dirty="0">
+                <a:solidFill>
+                  <a:srgbClr val="5F6F0F"/>
+                </a:solidFill>
+                <a:latin typeface="Aptos Light" panose="020B0004020202020204" pitchFamily="34" charset="0"/>
+              </a:rPr>
+              <a:t> </a:t>
+            </a:r>
+          </a:p>
+          <a:p>
+            <a:pPr marL="285750" indent="-285750">
+              <a:buFont typeface="Arial" panose="020B0604020202020204" pitchFamily="34" charset="0"/>
+              <a:buChar char="•"/>
             </a:pPr>
             <a:r>
-              <a:rPr lang="en-US" sz="1600" b="1" dirty="0">
-                <a:solidFill>
-                  <a:schemeClr val="accent6">
-                    <a:lumMod val="75000"/>
-                  </a:schemeClr>
-                </a:solidFill>
-                <a:latin typeface="Aptos Light" panose="020F0502020204030204" pitchFamily="34" charset="0"/>
-              </a:rPr>
-              <a:t>Overview of Algonquin Pet Store Architecture</a:t>
-            </a:r>
-          </a:p>
-          <a:p>
-            <a:pPr>
-              <a:buNone/>
+              <a:rPr lang="en-US" sz="1400" dirty="0">
+                <a:solidFill>
+                  <a:schemeClr val="accent6">
+                    <a:lumMod val="50000"/>
+                  </a:schemeClr>
+                </a:solidFill>
+                <a:latin typeface="Aptos Light" panose="020B0004020202020204" pitchFamily="34" charset="0"/>
+              </a:rPr>
+              <a:t>No authentication/authorization layer</a:t>
+            </a:r>
+          </a:p>
+          <a:p>
+            <a:pPr marL="285750" indent="-285750">
+              <a:buFont typeface="Arial" panose="020B0604020202020204" pitchFamily="34" charset="0"/>
+              <a:buChar char="•"/>
             </a:pPr>
             <a:r>
-              <a:rPr lang="en-US" sz="1600" b="1" dirty="0">
-                <a:solidFill>
-                  <a:schemeClr val="accent6">
-                    <a:lumMod val="75000"/>
-                  </a:schemeClr>
-                </a:solidFill>
-                <a:latin typeface="Aptos Light" panose="020F0502020204030204" pitchFamily="34" charset="0"/>
-              </a:rPr>
-              <a:t>Current System Components</a:t>
-            </a:r>
-          </a:p>
-          <a:p>
-            <a:pPr>
-              <a:buNone/>
+              <a:rPr lang="en-US" sz="1400" dirty="0">
+                <a:solidFill>
+                  <a:schemeClr val="accent6">
+                    <a:lumMod val="50000"/>
+                  </a:schemeClr>
+                </a:solidFill>
+                <a:latin typeface="Aptos Light" panose="020B0004020202020204" pitchFamily="34" charset="0"/>
+              </a:rPr>
+              <a:t>Unencrypted inter-service communication</a:t>
+            </a:r>
+          </a:p>
+          <a:p>
+            <a:pPr marL="285750" indent="-285750">
+              <a:buFont typeface="Arial" panose="020B0604020202020204" pitchFamily="34" charset="0"/>
+              <a:buChar char="•"/>
             </a:pPr>
             <a:r>
-              <a:rPr lang="en-US" sz="1400" b="1" dirty="0">
-                <a:solidFill>
-                  <a:schemeClr val="accent6">
-                    <a:lumMod val="75000"/>
-                  </a:schemeClr>
-                </a:solidFill>
-                <a:latin typeface="Aptos Light" panose="020F0502020204030204" pitchFamily="34" charset="0"/>
-              </a:rPr>
-              <a:t>Frontend Applications:</a:t>
+              <a:rPr lang="en-US" sz="1400" dirty="0">
+                <a:solidFill>
+                  <a:schemeClr val="accent6">
+                    <a:lumMod val="50000"/>
+                  </a:schemeClr>
+                </a:solidFill>
+                <a:latin typeface="Aptos Light" panose="020B0004020202020204" pitchFamily="34" charset="0"/>
+              </a:rPr>
+              <a:t>Direct external API access without protection</a:t>
+            </a:r>
+          </a:p>
+          <a:p>
+            <a:pPr marL="285750" indent="-285750">
+              <a:buFont typeface="Arial" panose="020B0604020202020204" pitchFamily="34" charset="0"/>
+              <a:buChar char="•"/>
+            </a:pPr>
+            <a:r>
+              <a:rPr lang="en-US" sz="1400" dirty="0">
+                <a:solidFill>
+                  <a:schemeClr val="accent6">
+                    <a:lumMod val="50000"/>
+                  </a:schemeClr>
+                </a:solidFill>
+                <a:latin typeface="Aptos Light" panose="020B0004020202020204" pitchFamily="34" charset="0"/>
+              </a:rPr>
+              <a:t>Limited audit logging capabilities</a:t>
+            </a:r>
+          </a:p>
+          <a:p>
+            <a:pPr marL="285750" indent="-285750">
+              <a:buFont typeface="Arial" panose="020B0604020202020204" pitchFamily="34" charset="0"/>
+              <a:buChar char="•"/>
+            </a:pPr>
+            <a:r>
+              <a:rPr lang="en-US" sz="1400" dirty="0">
+                <a:solidFill>
+                  <a:schemeClr val="accent6">
+                    <a:lumMod val="50000"/>
+                  </a:schemeClr>
+                </a:solidFill>
+                <a:latin typeface="Aptos Light" panose="020B0004020202020204" pitchFamily="34" charset="0"/>
+              </a:rPr>
+              <a:t>No network segmentation or policy enforcement</a:t>
             </a:r>
             <a:endParaRPr lang="en-US" sz="1400" dirty="0">
               <a:solidFill>
                 <a:schemeClr val="accent6">
-                  <a:lumMod val="75000"/>
+                  <a:lumMod val="50000"/>
                 </a:schemeClr>
               </a:solidFill>
               <a:latin typeface="Aptos Light" panose="020F0502020204030204" pitchFamily="34" charset="0"/>
             </a:endParaRPr>
           </a:p>
-          <a:p>
-            <a:pPr lvl="1">
+        </p:txBody>
+      </p:sp>
+      <p:sp>
+        <p:nvSpPr>
+          <p:cNvPr id="3" name="TextBox 2">
+            <a:extLst>
+              <a:ext uri="{FF2B5EF4-FFF2-40B4-BE49-F238E27FC236}">
+                <a16:creationId xmlns:a16="http://schemas.microsoft.com/office/drawing/2014/main" id="{E237F325-7632-19D4-79F0-BCEB98C81E38}"/>
+              </a:ext>
+            </a:extLst>
+          </p:cNvPr>
+          <p:cNvSpPr txBox="1"/>
+          <p:nvPr/>
+        </p:nvSpPr>
+        <p:spPr>
+          <a:xfrm>
+            <a:off x="4150196" y="44624"/>
+            <a:ext cx="3672408" cy="461665"/>
+          </a:xfrm>
+          <a:prstGeom prst="rect">
+            <a:avLst/>
+          </a:prstGeom>
+          <a:noFill/>
+        </p:spPr>
+        <p:txBody>
+          <a:bodyPr wrap="square">
+            <a:spAutoFit/>
+          </a:bodyPr>
+          <a:lstStyle/>
+          <a:p>
+            <a:r>
+              <a:rPr lang="en-US" dirty="0">
+                <a:solidFill>
+                  <a:schemeClr val="bg2">
+                    <a:lumMod val="60000"/>
+                    <a:lumOff val="40000"/>
+                  </a:schemeClr>
+                </a:solidFill>
+              </a:rPr>
+              <a:t>ARCHITECTURE OVERVIEW</a:t>
+            </a:r>
+          </a:p>
+        </p:txBody>
+      </p:sp>
+      <p:pic>
+        <p:nvPicPr>
+          <p:cNvPr id="6" name="Picture 5" descr="A screenshot of a computer&#10;&#10;AI-generated content may be incorrect.">
+            <a:extLst>
+              <a:ext uri="{FF2B5EF4-FFF2-40B4-BE49-F238E27FC236}">
+                <a16:creationId xmlns:a16="http://schemas.microsoft.com/office/drawing/2014/main" id="{370E0CD8-5FA9-0318-F557-42FA91768464}"/>
+              </a:ext>
+            </a:extLst>
+          </p:cNvPr>
+          <p:cNvPicPr>
+            <a:picLocks noChangeAspect="1"/>
+          </p:cNvPicPr>
+          <p:nvPr/>
+        </p:nvPicPr>
+        <p:blipFill>
+          <a:blip r:embed="rId3" cstate="print">
+            <a:extLst>
+              <a:ext uri="{28A0092B-C50C-407E-A947-70E740481C1C}">
+                <a14:useLocalDpi xmlns:a14="http://schemas.microsoft.com/office/drawing/2010/main" val="0"/>
+              </a:ext>
+            </a:extLst>
+          </a:blip>
+          <a:stretch>
+            <a:fillRect/>
+          </a:stretch>
+        </p:blipFill>
+        <p:spPr>
+          <a:xfrm>
+            <a:off x="7966620" y="188640"/>
+            <a:ext cx="4108712" cy="6449581"/>
+          </a:xfrm>
+          <a:prstGeom prst="rect">
+            <a:avLst/>
+          </a:prstGeom>
+        </p:spPr>
+      </p:pic>
+      <p:sp>
+        <p:nvSpPr>
+          <p:cNvPr id="8" name="TextBox 7">
+            <a:extLst>
+              <a:ext uri="{FF2B5EF4-FFF2-40B4-BE49-F238E27FC236}">
+                <a16:creationId xmlns:a16="http://schemas.microsoft.com/office/drawing/2014/main" id="{89313066-ECD5-F9C8-F289-E0E1EF9C0E46}"/>
+              </a:ext>
+            </a:extLst>
+          </p:cNvPr>
+          <p:cNvSpPr txBox="1"/>
+          <p:nvPr/>
+        </p:nvSpPr>
+        <p:spPr>
+          <a:xfrm>
+            <a:off x="4654252" y="1124744"/>
+            <a:ext cx="3168352" cy="2523768"/>
+          </a:xfrm>
+          <a:prstGeom prst="rect">
+            <a:avLst/>
+          </a:prstGeom>
+          <a:noFill/>
+        </p:spPr>
+        <p:txBody>
+          <a:bodyPr wrap="square">
+            <a:spAutoFit/>
+          </a:bodyPr>
+          <a:lstStyle/>
+          <a:p>
+            <a:r>
+              <a:rPr lang="en-US" sz="1800" b="1" dirty="0">
+                <a:solidFill>
+                  <a:srgbClr val="5F6F0F"/>
+                </a:solidFill>
+                <a:latin typeface="Aptos Light" panose="020B0004020202020204" pitchFamily="34" charset="0"/>
+              </a:rPr>
+              <a:t>Target Security Architecture:</a:t>
+            </a:r>
+          </a:p>
+          <a:p>
+            <a:pPr marL="285750" indent="-285750">
               <a:buFont typeface="Arial" panose="020B0604020202020204" pitchFamily="34" charset="0"/>
               <a:buChar char="•"/>
             </a:pPr>
@@ -6681,27 +5759,27 @@
               <a:rPr lang="en-US" sz="1400" b="1" dirty="0">
                 <a:solidFill>
                   <a:schemeClr val="accent6">
-                    <a:lumMod val="75000"/>
-                  </a:schemeClr>
-                </a:solidFill>
-                <a:latin typeface="Aptos Light" panose="020F0502020204030204" pitchFamily="34" charset="0"/>
-              </a:rPr>
-              <a:t>Store Front</a:t>
+                    <a:lumMod val="50000"/>
+                  </a:schemeClr>
+                </a:solidFill>
+                <a:latin typeface="Aptos Light" panose="020B0004020202020204" pitchFamily="34" charset="0"/>
+              </a:rPr>
+              <a:t>Microsoft Entra ID</a:t>
             </a:r>
             <a:r>
               <a:rPr lang="en-US" sz="1400" dirty="0">
                 <a:solidFill>
                   <a:schemeClr val="accent6">
-                    <a:lumMod val="75000"/>
-                  </a:schemeClr>
-                </a:solidFill>
-                <a:latin typeface="Aptos Light" panose="020F0502020204030204" pitchFamily="34" charset="0"/>
-              </a:rPr>
-              <a:t> (Vue.js) - Customer shopping interface</a:t>
-            </a:r>
-          </a:p>
-          <a:p>
-            <a:pPr lvl="1">
+                    <a:lumMod val="50000"/>
+                  </a:schemeClr>
+                </a:solidFill>
+                <a:latin typeface="Aptos Light" panose="020B0004020202020204" pitchFamily="34" charset="0"/>
+              </a:rPr>
+              <a:t> for federated identity management</a:t>
+            </a:r>
+          </a:p>
+          <a:p>
+            <a:pPr marL="285750" indent="-285750">
               <a:buFont typeface="Arial" panose="020B0604020202020204" pitchFamily="34" charset="0"/>
               <a:buChar char="•"/>
             </a:pPr>
@@ -6709,51 +5787,27 @@
               <a:rPr lang="en-US" sz="1400" b="1" dirty="0">
                 <a:solidFill>
                   <a:schemeClr val="accent6">
-                    <a:lumMod val="75000"/>
-                  </a:schemeClr>
-                </a:solidFill>
-                <a:latin typeface="Aptos Light" panose="020F0502020204030204" pitchFamily="34" charset="0"/>
-              </a:rPr>
-              <a:t>Store Admin</a:t>
+                    <a:lumMod val="50000"/>
+                  </a:schemeClr>
+                </a:solidFill>
+                <a:latin typeface="Aptos Light" panose="020B0004020202020204" pitchFamily="34" charset="0"/>
+              </a:rPr>
+              <a:t>API Gateway </a:t>
             </a:r>
             <a:r>
               <a:rPr lang="en-US" sz="1400" dirty="0">
                 <a:solidFill>
                   <a:schemeClr val="accent6">
-                    <a:lumMod val="75000"/>
-                  </a:schemeClr>
-                </a:solidFill>
-                <a:latin typeface="Aptos Light" panose="020F0502020204030204" pitchFamily="34" charset="0"/>
-              </a:rPr>
-              <a:t> (Vue.js) - Employee management interface</a:t>
-            </a:r>
-          </a:p>
-          <a:p>
-            <a:pPr>
-              <a:buNone/>
-            </a:pPr>
-            <a:r>
-              <a:rPr lang="en-US" sz="1400" b="1" dirty="0">
-                <a:solidFill>
-                  <a:schemeClr val="accent6">
-                    <a:lumMod val="75000"/>
-                  </a:schemeClr>
-                </a:solidFill>
-                <a:latin typeface="Aptos Light" panose="020F0502020204030204" pitchFamily="34" charset="0"/>
-              </a:rPr>
-              <a:t>Backend Microservices:</a:t>
-            </a:r>
-            <a:endParaRPr lang="en-US" sz="1400" dirty="0">
-              <a:solidFill>
-                <a:schemeClr val="accent6">
-                  <a:lumMod val="75000"/>
-                </a:schemeClr>
-              </a:solidFill>
-              <a:latin typeface="Aptos Light" panose="020F0502020204030204" pitchFamily="34" charset="0"/>
-            </a:endParaRPr>
-          </a:p>
-          <a:p>
-            <a:pPr lvl="1">
+                    <a:lumMod val="50000"/>
+                  </a:schemeClr>
+                </a:solidFill>
+                <a:latin typeface="Aptos Light" panose="020B0004020202020204" pitchFamily="34" charset="0"/>
+              </a:rPr>
+              <a:t>with comprehensive security controls</a:t>
+            </a:r>
+          </a:p>
+          <a:p>
+            <a:pPr marL="285750" indent="-285750">
               <a:buFont typeface="Arial" panose="020B0604020202020204" pitchFamily="34" charset="0"/>
               <a:buChar char="•"/>
             </a:pPr>
@@ -6761,27 +5815,27 @@
               <a:rPr lang="en-US" sz="1400" b="1" dirty="0">
                 <a:solidFill>
                   <a:schemeClr val="accent6">
-                    <a:lumMod val="75000"/>
-                  </a:schemeClr>
-                </a:solidFill>
-                <a:latin typeface="Aptos Light" panose="020F0502020204030204" pitchFamily="34" charset="0"/>
-              </a:rPr>
-              <a:t>Order Service</a:t>
+                    <a:lumMod val="50000"/>
+                  </a:schemeClr>
+                </a:solidFill>
+                <a:latin typeface="Aptos Light" panose="020B0004020202020204" pitchFamily="34" charset="0"/>
+              </a:rPr>
+              <a:t>Service mesh </a:t>
             </a:r>
             <a:r>
               <a:rPr lang="en-US" sz="1400" dirty="0">
                 <a:solidFill>
                   <a:schemeClr val="accent6">
-                    <a:lumMod val="75000"/>
-                  </a:schemeClr>
-                </a:solidFill>
-                <a:latin typeface="Aptos Light" panose="020F0502020204030204" pitchFamily="34" charset="0"/>
-              </a:rPr>
-              <a:t> (Node.js) - Handles order creation and management</a:t>
-            </a:r>
-          </a:p>
-          <a:p>
-            <a:pPr lvl="1">
+                    <a:lumMod val="50000"/>
+                  </a:schemeClr>
+                </a:solidFill>
+                <a:latin typeface="Aptos Light" panose="020B0004020202020204" pitchFamily="34" charset="0"/>
+              </a:rPr>
+              <a:t>for encrypted inter-service communication</a:t>
+            </a:r>
+          </a:p>
+          <a:p>
+            <a:pPr marL="285750" indent="-285750">
               <a:buFont typeface="Arial" panose="020B0604020202020204" pitchFamily="34" charset="0"/>
               <a:buChar char="•"/>
             </a:pPr>
@@ -6789,27 +5843,27 @@
               <a:rPr lang="en-US" sz="1400" b="1" dirty="0">
                 <a:solidFill>
                   <a:schemeClr val="accent6">
-                    <a:lumMod val="75000"/>
-                  </a:schemeClr>
-                </a:solidFill>
-                <a:latin typeface="Aptos Light" panose="020F0502020204030204" pitchFamily="34" charset="0"/>
-              </a:rPr>
-              <a:t>Product Service</a:t>
+                    <a:lumMod val="50000"/>
+                  </a:schemeClr>
+                </a:solidFill>
+                <a:latin typeface="Aptos Light" panose="020B0004020202020204" pitchFamily="34" charset="0"/>
+              </a:rPr>
+              <a:t>Comprehensive monitoring </a:t>
             </a:r>
             <a:r>
               <a:rPr lang="en-US" sz="1400" dirty="0">
                 <a:solidFill>
                   <a:schemeClr val="accent6">
-                    <a:lumMod val="75000"/>
-                  </a:schemeClr>
-                </a:solidFill>
-                <a:latin typeface="Aptos Light" panose="020F0502020204030204" pitchFamily="34" charset="0"/>
-              </a:rPr>
-              <a:t> (Rust) - Product catalog CRUD operations</a:t>
-            </a:r>
-          </a:p>
-          <a:p>
-            <a:pPr lvl="1">
+                    <a:lumMod val="50000"/>
+                  </a:schemeClr>
+                </a:solidFill>
+                <a:latin typeface="Aptos Light" panose="020B0004020202020204" pitchFamily="34" charset="0"/>
+              </a:rPr>
+              <a:t>with Microsoft Sentinel</a:t>
+            </a:r>
+          </a:p>
+          <a:p>
+            <a:pPr marL="285750" indent="-285750">
               <a:buFont typeface="Arial" panose="020B0604020202020204" pitchFamily="34" charset="0"/>
               <a:buChar char="•"/>
             </a:pPr>
@@ -6817,287 +5871,23 @@
               <a:rPr lang="en-US" sz="1400" b="1" dirty="0">
                 <a:solidFill>
                   <a:schemeClr val="accent6">
-                    <a:lumMod val="75000"/>
-                  </a:schemeClr>
-                </a:solidFill>
-                <a:latin typeface="Aptos Light" panose="020F0502020204030204" pitchFamily="34" charset="0"/>
-              </a:rPr>
-              <a:t>Makeline Service</a:t>
+                    <a:lumMod val="50000"/>
+                  </a:schemeClr>
+                </a:solidFill>
+                <a:latin typeface="Aptos Light" panose="020B0004020202020204" pitchFamily="34" charset="0"/>
+              </a:rPr>
+              <a:t>Automated policy </a:t>
             </a:r>
             <a:r>
               <a:rPr lang="en-US" sz="1400" dirty="0">
                 <a:solidFill>
                   <a:schemeClr val="accent6">
-                    <a:lumMod val="75000"/>
-                  </a:schemeClr>
-                </a:solidFill>
-                <a:latin typeface="Aptos Light" panose="020F0502020204030204" pitchFamily="34" charset="0"/>
-              </a:rPr>
-              <a:t> (Go) - Processes orders from queue to completion</a:t>
-            </a:r>
-          </a:p>
-          <a:p>
-            <a:pPr lvl="1">
-              <a:buFont typeface="Arial" panose="020B0604020202020204" pitchFamily="34" charset="0"/>
-              <a:buChar char="•"/>
-            </a:pPr>
-            <a:r>
-              <a:rPr lang="en-US" sz="1400" b="1" dirty="0">
-                <a:solidFill>
-                  <a:schemeClr val="accent6">
-                    <a:lumMod val="75000"/>
-                  </a:schemeClr>
-                </a:solidFill>
-                <a:latin typeface="Aptos Light" panose="020F0502020204030204" pitchFamily="34" charset="0"/>
-              </a:rPr>
-              <a:t>AI Service</a:t>
-            </a:r>
-            <a:r>
-              <a:rPr lang="en-US" sz="1400" dirty="0">
-                <a:solidFill>
-                  <a:schemeClr val="accent6">
-                    <a:lumMod val="75000"/>
-                  </a:schemeClr>
-                </a:solidFill>
-                <a:latin typeface="Aptos Light" panose="020F0502020204030204" pitchFamily="34" charset="0"/>
-              </a:rPr>
-              <a:t> (Python) - Generates product descriptions and images</a:t>
-            </a:r>
-          </a:p>
-          <a:p>
-            <a:pPr>
-              <a:buNone/>
-            </a:pPr>
-            <a:r>
-              <a:rPr lang="en-US" sz="1400" b="1" dirty="0">
-                <a:solidFill>
-                  <a:schemeClr val="accent6">
-                    <a:lumMod val="75000"/>
-                  </a:schemeClr>
-                </a:solidFill>
-                <a:latin typeface="Aptos Light" panose="020F0502020204030204" pitchFamily="34" charset="0"/>
-              </a:rPr>
-              <a:t>Infrastructure Components:</a:t>
-            </a:r>
-            <a:endParaRPr lang="en-US" sz="1400" dirty="0">
-              <a:solidFill>
-                <a:schemeClr val="accent6">
-                  <a:lumMod val="75000"/>
-                </a:schemeClr>
-              </a:solidFill>
-              <a:latin typeface="Aptos Light" panose="020F0502020204030204" pitchFamily="34" charset="0"/>
-            </a:endParaRPr>
-          </a:p>
-          <a:p>
-            <a:pPr lvl="1">
-              <a:buFont typeface="Arial" panose="020B0604020202020204" pitchFamily="34" charset="0"/>
-              <a:buChar char="•"/>
-            </a:pPr>
-            <a:r>
-              <a:rPr lang="en-US" sz="1400" b="1" dirty="0">
-                <a:solidFill>
-                  <a:schemeClr val="accent6">
-                    <a:lumMod val="75000"/>
-                  </a:schemeClr>
-                </a:solidFill>
-                <a:latin typeface="Aptos Light" panose="020F0502020204030204" pitchFamily="34" charset="0"/>
-              </a:rPr>
-              <a:t>RabbitMQ</a:t>
-            </a:r>
-            <a:r>
-              <a:rPr lang="en-US" sz="1400" dirty="0">
-                <a:solidFill>
-                  <a:schemeClr val="accent6">
-                    <a:lumMod val="75000"/>
-                  </a:schemeClr>
-                </a:solidFill>
-                <a:latin typeface="Aptos Light" panose="020F0502020204030204" pitchFamily="34" charset="0"/>
-              </a:rPr>
-              <a:t> - Message queue for order processing</a:t>
-            </a:r>
-          </a:p>
-          <a:p>
-            <a:pPr lvl="1">
-              <a:buFont typeface="Arial" panose="020B0604020202020204" pitchFamily="34" charset="0"/>
-              <a:buChar char="•"/>
-            </a:pPr>
-            <a:r>
-              <a:rPr lang="en-US" sz="1400" b="1" dirty="0">
-                <a:solidFill>
-                  <a:schemeClr val="accent6">
-                    <a:lumMod val="75000"/>
-                  </a:schemeClr>
-                </a:solidFill>
-                <a:latin typeface="Aptos Light" panose="020F0502020204030204" pitchFamily="34" charset="0"/>
-              </a:rPr>
-              <a:t>MongoDB</a:t>
-            </a:r>
-            <a:r>
-              <a:rPr lang="en-US" sz="1400" dirty="0">
-                <a:solidFill>
-                  <a:schemeClr val="accent6">
-                    <a:lumMod val="75000"/>
-                  </a:schemeClr>
-                </a:solidFill>
-                <a:latin typeface="Aptos Light" panose="020F0502020204030204" pitchFamily="34" charset="0"/>
-              </a:rPr>
-              <a:t> - Persistent storage for orders and products</a:t>
-            </a:r>
-          </a:p>
-          <a:p>
-            <a:pPr lvl="1">
-              <a:buFont typeface="Arial" panose="020B0604020202020204" pitchFamily="34" charset="0"/>
-              <a:buChar char="•"/>
-            </a:pPr>
-            <a:r>
-              <a:rPr lang="en-US" sz="1400" b="1" dirty="0">
-                <a:solidFill>
-                  <a:schemeClr val="accent6">
-                    <a:lumMod val="75000"/>
-                  </a:schemeClr>
-                </a:solidFill>
-                <a:latin typeface="Aptos Light" panose="020F0502020204030204" pitchFamily="34" charset="0"/>
-              </a:rPr>
-              <a:t>Virtual Customer/Worker</a:t>
-            </a:r>
-            <a:r>
-              <a:rPr lang="en-US" sz="1400" dirty="0">
-                <a:solidFill>
-                  <a:schemeClr val="accent6">
-                    <a:lumMod val="75000"/>
-                  </a:schemeClr>
-                </a:solidFill>
-                <a:latin typeface="Aptos Light" panose="020F0502020204030204" pitchFamily="34" charset="0"/>
-              </a:rPr>
-              <a:t> - Simulates realistic traffic patterns</a:t>
-            </a:r>
-          </a:p>
-          <a:p>
-            <a:pPr>
-              <a:buNone/>
-            </a:pPr>
-            <a:r>
-              <a:rPr lang="en-US" sz="1400" b="1" dirty="0">
-                <a:solidFill>
-                  <a:schemeClr val="accent6">
-                    <a:lumMod val="75000"/>
-                  </a:schemeClr>
-                </a:solidFill>
-                <a:latin typeface="Aptos Light" panose="020F0502020204030204" pitchFamily="34" charset="0"/>
-              </a:rPr>
-              <a:t>Current Architecture Challenges:</a:t>
-            </a:r>
-          </a:p>
-          <a:p>
-            <a:pPr lvl="1">
-              <a:buFont typeface="Arial" panose="020B0604020202020204" pitchFamily="34" charset="0"/>
-              <a:buChar char="•"/>
-            </a:pPr>
-            <a:r>
-              <a:rPr lang="en-US" sz="1400" b="1" dirty="0">
-                <a:solidFill>
-                  <a:schemeClr val="accent6">
-                    <a:lumMod val="75000"/>
-                  </a:schemeClr>
-                </a:solidFill>
-                <a:latin typeface="Aptos Light" panose="020F0502020204030204" pitchFamily="34" charset="0"/>
-              </a:rPr>
-              <a:t>Fixed Infrastructure Costs</a:t>
-            </a:r>
-            <a:r>
-              <a:rPr lang="en-US" sz="1400" dirty="0">
-                <a:solidFill>
-                  <a:schemeClr val="accent6">
-                    <a:lumMod val="75000"/>
-                  </a:schemeClr>
-                </a:solidFill>
-                <a:latin typeface="Aptos Light" panose="020F0502020204030204" pitchFamily="34" charset="0"/>
-              </a:rPr>
-              <a:t> - Servers running 24/7 regardless of usage</a:t>
-            </a:r>
-          </a:p>
-          <a:p>
-            <a:pPr lvl="1">
-              <a:buFont typeface="Arial" panose="020B0604020202020204" pitchFamily="34" charset="0"/>
-              <a:buChar char="•"/>
-            </a:pPr>
-            <a:r>
-              <a:rPr lang="en-US" sz="1400" b="1" dirty="0">
-                <a:solidFill>
-                  <a:schemeClr val="accent6">
-                    <a:lumMod val="75000"/>
-                  </a:schemeClr>
-                </a:solidFill>
-                <a:latin typeface="Aptos Light" panose="020F0502020204030204" pitchFamily="34" charset="0"/>
-              </a:rPr>
-              <a:t>Manual Scaling</a:t>
-            </a:r>
-            <a:r>
-              <a:rPr lang="en-US" sz="1400" dirty="0">
-                <a:solidFill>
-                  <a:schemeClr val="accent6">
-                    <a:lumMod val="75000"/>
-                  </a:schemeClr>
-                </a:solidFill>
-                <a:latin typeface="Aptos Light" panose="020F0502020204030204" pitchFamily="34" charset="0"/>
-              </a:rPr>
-              <a:t> - Need to predict and provision capacity</a:t>
-            </a:r>
-          </a:p>
-          <a:p>
-            <a:pPr lvl="1">
-              <a:buFont typeface="Arial" panose="020B0604020202020204" pitchFamily="34" charset="0"/>
-              <a:buChar char="•"/>
-            </a:pPr>
-            <a:r>
-              <a:rPr lang="en-US" sz="1400" b="1" dirty="0">
-                <a:solidFill>
-                  <a:schemeClr val="accent6">
-                    <a:lumMod val="75000"/>
-                  </a:schemeClr>
-                </a:solidFill>
-                <a:latin typeface="Aptos Light" panose="020F0502020204030204" pitchFamily="34" charset="0"/>
-              </a:rPr>
-              <a:t>Operational Overhead</a:t>
-            </a:r>
-            <a:r>
-              <a:rPr lang="en-US" sz="1400" dirty="0">
-                <a:solidFill>
-                  <a:schemeClr val="accent6">
-                    <a:lumMod val="75000"/>
-                  </a:schemeClr>
-                </a:solidFill>
-                <a:latin typeface="Aptos Light" panose="020F0502020204030204" pitchFamily="34" charset="0"/>
-              </a:rPr>
-              <a:t> - Managing servers, updates, monitoring</a:t>
-            </a:r>
-          </a:p>
-          <a:p>
-            <a:pPr lvl="1">
-              <a:buFont typeface="Arial" panose="020B0604020202020204" pitchFamily="34" charset="0"/>
-              <a:buChar char="•"/>
-            </a:pPr>
-            <a:r>
-              <a:rPr lang="en-US" sz="1400" b="1" dirty="0">
-                <a:solidFill>
-                  <a:schemeClr val="accent6">
-                    <a:lumMod val="75000"/>
-                  </a:schemeClr>
-                </a:solidFill>
-                <a:latin typeface="Aptos Light" panose="020F0502020204030204" pitchFamily="34" charset="0"/>
-              </a:rPr>
-              <a:t>Single Points of Failure</a:t>
-            </a:r>
-            <a:r>
-              <a:rPr lang="en-US" sz="1400" dirty="0">
-                <a:solidFill>
-                  <a:schemeClr val="accent6">
-                    <a:lumMod val="75000"/>
-                  </a:schemeClr>
-                </a:solidFill>
-                <a:latin typeface="Aptos Light" panose="020F0502020204030204" pitchFamily="34" charset="0"/>
-              </a:rPr>
-              <a:t> - If RabbitMQ or MongoDB goes down, system fails</a:t>
+                    <a:lumMod val="50000"/>
+                  </a:schemeClr>
+                </a:solidFill>
+                <a:latin typeface="Aptos Light" panose="020B0004020202020204" pitchFamily="34" charset="0"/>
+              </a:rPr>
+              <a:t>enforcement via Azure Policy</a:t>
             </a:r>
           </a:p>
         </p:txBody>
@@ -7174,8 +5964,8 @@
         </p:nvSpPr>
         <p:spPr>
           <a:xfrm>
-            <a:off x="5662364" y="764704"/>
-            <a:ext cx="5904656" cy="5909310"/>
+            <a:off x="5348065" y="1556792"/>
+            <a:ext cx="6840760" cy="2154436"/>
           </a:xfrm>
           <a:prstGeom prst="rect">
             <a:avLst/>
@@ -7188,241 +5978,39 @@
           </a:bodyPr>
           <a:lstStyle/>
           <a:p>
-            <a:br>
+            <a:r>
               <a:rPr lang="en-US" sz="1800" b="1" dirty="0">
                 <a:solidFill>
-                  <a:schemeClr val="accent6">
-                    <a:lumMod val="75000"/>
-                  </a:schemeClr>
-                </a:solidFill>
-                <a:latin typeface="Aptos Light" panose="020F0502020204030204" pitchFamily="34" charset="0"/>
-              </a:rPr>
-            </a:br>
+                  <a:srgbClr val="5F6F0F"/>
+                </a:solidFill>
+                <a:latin typeface="Aptos Light" panose="020B0004020202020204" pitchFamily="34" charset="0"/>
+              </a:rPr>
+              <a:t>Content:</a:t>
+            </a:r>
+            <a:r>
+              <a:rPr lang="en-US" sz="1800" dirty="0">
+                <a:solidFill>
+                  <a:srgbClr val="5F6F0F"/>
+                </a:solidFill>
+                <a:latin typeface="Aptos Light" panose="020B0004020202020204" pitchFamily="34" charset="0"/>
+              </a:rPr>
+              <a:t> </a:t>
+            </a:r>
             <a:r>
               <a:rPr lang="en-US" sz="1800" b="1" dirty="0">
                 <a:solidFill>
-                  <a:schemeClr val="accent6">
-                    <a:lumMod val="75000"/>
-                  </a:schemeClr>
-                </a:solidFill>
-                <a:latin typeface="Aptos Light" panose="020B0004020202020204" pitchFamily="34" charset="0"/>
-              </a:rPr>
-              <a:t>Phase 1: High-Impact, Low-Risk Migrations</a:t>
-            </a:r>
-          </a:p>
-          <a:p>
-            <a:pPr lvl="1"/>
-            <a:r>
-              <a:rPr lang="en-US" sz="1800" b="1" dirty="0">
-                <a:solidFill>
-                  <a:schemeClr val="accent6">
-                    <a:lumMod val="75000"/>
-                  </a:schemeClr>
-                </a:solidFill>
-                <a:latin typeface="Aptos Light" panose="020B0004020202020204" pitchFamily="34" charset="0"/>
-              </a:rPr>
-              <a:t>✅ AI Service</a:t>
-            </a:r>
-            <a:r>
-              <a:rPr lang="en-US" sz="1800" dirty="0">
-                <a:solidFill>
-                  <a:schemeClr val="accent6">
-                    <a:lumMod val="75000"/>
-                  </a:schemeClr>
-                </a:solidFill>
-                <a:latin typeface="Aptos Light" panose="020B0004020202020204" pitchFamily="34" charset="0"/>
-              </a:rPr>
-              <a:t> → Event-driven Azure Functions</a:t>
-            </a:r>
-          </a:p>
-          <a:p>
-            <a:pPr lvl="1"/>
-            <a:r>
-              <a:rPr lang="en-US" sz="1800" b="1" dirty="0">
-                <a:solidFill>
-                  <a:schemeClr val="accent6">
-                    <a:lumMod val="75000"/>
-                  </a:schemeClr>
-                </a:solidFill>
-                <a:latin typeface="Aptos Light" panose="020B0004020202020204" pitchFamily="34" charset="0"/>
-              </a:rPr>
-              <a:t>✅ Virtual Customer/Worker</a:t>
-            </a:r>
-            <a:r>
-              <a:rPr lang="en-US" sz="1800" dirty="0">
-                <a:solidFill>
-                  <a:schemeClr val="accent6">
-                    <a:lumMod val="75000"/>
-                  </a:schemeClr>
-                </a:solidFill>
-                <a:latin typeface="Aptos Light" panose="020B0004020202020204" pitchFamily="34" charset="0"/>
-              </a:rPr>
-              <a:t> → Timer-triggered Functions</a:t>
-            </a:r>
-          </a:p>
-          <a:p>
-            <a:pPr lvl="1"/>
-            <a:r>
-              <a:rPr lang="en-US" sz="1800" b="1" dirty="0">
-                <a:solidFill>
-                  <a:schemeClr val="accent6">
-                    <a:lumMod val="75000"/>
-                  </a:schemeClr>
-                </a:solidFill>
-                <a:latin typeface="Aptos Light" panose="020B0004020202020204" pitchFamily="34" charset="0"/>
-              </a:rPr>
-              <a:t>✅ Order Processing Logic</a:t>
-            </a:r>
-            <a:r>
-              <a:rPr lang="en-US" sz="1800" dirty="0">
-                <a:solidFill>
-                  <a:schemeClr val="accent6">
-                    <a:lumMod val="75000"/>
-                  </a:schemeClr>
-                </a:solidFill>
-                <a:latin typeface="Aptos Light" panose="020B0004020202020204" pitchFamily="34" charset="0"/>
-              </a:rPr>
-              <a:t> → Service Bus triggered Functions</a:t>
-            </a:r>
-          </a:p>
-          <a:p>
-            <a:r>
-              <a:rPr lang="en-US" sz="1800" b="1" dirty="0">
-                <a:solidFill>
-                  <a:schemeClr val="accent6">
-                    <a:lumMod val="75000"/>
-                  </a:schemeClr>
-                </a:solidFill>
-                <a:latin typeface="Aptos Light" panose="020B0004020202020204" pitchFamily="34" charset="0"/>
-              </a:rPr>
-              <a:t>Phase 2: Core Business Logic</a:t>
-            </a:r>
-          </a:p>
-          <a:p>
-            <a:pPr lvl="1"/>
-            <a:r>
-              <a:rPr lang="en-US" sz="1800" b="1" dirty="0">
-                <a:solidFill>
-                  <a:schemeClr val="accent6">
-                    <a:lumMod val="75000"/>
-                  </a:schemeClr>
-                </a:solidFill>
-                <a:latin typeface="Aptos Light" panose="020B0004020202020204" pitchFamily="34" charset="0"/>
-              </a:rPr>
-              <a:t>🔄 Product CRUD Operations</a:t>
-            </a:r>
-            <a:r>
-              <a:rPr lang="en-US" sz="1800" dirty="0">
-                <a:solidFill>
-                  <a:schemeClr val="accent6">
-                    <a:lumMod val="75000"/>
-                  </a:schemeClr>
-                </a:solidFill>
-                <a:latin typeface="Aptos Light" panose="020B0004020202020204" pitchFamily="34" charset="0"/>
-              </a:rPr>
-              <a:t> → Individual HTTP Functions per endpoint</a:t>
-            </a:r>
-          </a:p>
-          <a:p>
-            <a:pPr lvl="1"/>
-            <a:r>
-              <a:rPr lang="en-US" sz="1800" b="1" dirty="0">
-                <a:solidFill>
-                  <a:schemeClr val="accent6">
-                    <a:lumMod val="75000"/>
-                  </a:schemeClr>
-                </a:solidFill>
-                <a:latin typeface="Aptos Light" panose="020B0004020202020204" pitchFamily="34" charset="0"/>
-              </a:rPr>
-              <a:t>🔄 Order Workflow</a:t>
-            </a:r>
-            <a:r>
-              <a:rPr lang="en-US" sz="1800" dirty="0">
-                <a:solidFill>
-                  <a:schemeClr val="accent6">
-                    <a:lumMod val="75000"/>
-                  </a:schemeClr>
-                </a:solidFill>
-                <a:latin typeface="Aptos Light" panose="020B0004020202020204" pitchFamily="34" charset="0"/>
-              </a:rPr>
-              <a:t> → Durable Functions orchestration</a:t>
-            </a:r>
-          </a:p>
-          <a:p>
-            <a:r>
-              <a:rPr lang="en-US" sz="1800" b="1" dirty="0">
-                <a:solidFill>
-                  <a:schemeClr val="accent6">
-                    <a:lumMod val="75000"/>
-                  </a:schemeClr>
-                </a:solidFill>
-                <a:latin typeface="Aptos Light" panose="020B0004020202020204" pitchFamily="34" charset="0"/>
-              </a:rPr>
-              <a:t>Phase 3: Infrastructure Modernization</a:t>
-            </a:r>
-          </a:p>
-          <a:p>
-            <a:pPr lvl="1"/>
-            <a:r>
-              <a:rPr lang="en-US" sz="1800" b="1" dirty="0">
-                <a:solidFill>
-                  <a:schemeClr val="accent6">
-                    <a:lumMod val="75000"/>
-                  </a:schemeClr>
-                </a:solidFill>
-                <a:latin typeface="Aptos Light" panose="020B0004020202020204" pitchFamily="34" charset="0"/>
-              </a:rPr>
-              <a:t>🔄 RabbitMQ</a:t>
-            </a:r>
-            <a:r>
-              <a:rPr lang="en-US" sz="1800" dirty="0">
-                <a:solidFill>
-                  <a:schemeClr val="accent6">
-                    <a:lumMod val="75000"/>
-                  </a:schemeClr>
-                </a:solidFill>
-                <a:latin typeface="Aptos Light" panose="020B0004020202020204" pitchFamily="34" charset="0"/>
-              </a:rPr>
-              <a:t> → Azure Service Bus + Event Grid</a:t>
-            </a:r>
-          </a:p>
-          <a:p>
-            <a:pPr lvl="1"/>
-            <a:r>
-              <a:rPr lang="en-US" sz="1800" b="1" dirty="0">
-                <a:solidFill>
-                  <a:schemeClr val="accent6">
-                    <a:lumMod val="75000"/>
-                  </a:schemeClr>
-                </a:solidFill>
-                <a:latin typeface="Aptos Light" panose="020B0004020202020204" pitchFamily="34" charset="0"/>
-              </a:rPr>
-              <a:t>🔄 MongoDB</a:t>
-            </a:r>
-            <a:r>
-              <a:rPr lang="en-US" sz="1800" dirty="0">
-                <a:solidFill>
-                  <a:schemeClr val="accent6">
-                    <a:lumMod val="75000"/>
-                  </a:schemeClr>
-                </a:solidFill>
-                <a:latin typeface="Aptos Light" panose="020B0004020202020204" pitchFamily="34" charset="0"/>
-              </a:rPr>
-              <a:t> → Azure Cosmos DB with change feeds</a:t>
-            </a:r>
-          </a:p>
-          <a:p>
-            <a:r>
-              <a:rPr lang="en-US" sz="1800" b="1" dirty="0">
-                <a:solidFill>
-                  <a:schemeClr val="accent6">
-                    <a:lumMod val="75000"/>
-                  </a:schemeClr>
-                </a:solidFill>
-                <a:latin typeface="Aptos Light" panose="020B0004020202020204" pitchFamily="34" charset="0"/>
-              </a:rPr>
-              <a:t>Why This Migration Order?</a:t>
-            </a:r>
+                  <a:srgbClr val="5F6F0F"/>
+                </a:solidFill>
+                <a:latin typeface="Aptos Light" panose="020B0004020202020204" pitchFamily="34" charset="0"/>
+              </a:rPr>
+              <a:t>Implementation Strategy:</a:t>
+            </a:r>
+            <a:endParaRPr lang="en-US" sz="1800" dirty="0">
+              <a:solidFill>
+                <a:srgbClr val="5F6F0F"/>
+              </a:solidFill>
+              <a:latin typeface="Aptos Light" panose="020B0004020202020204" pitchFamily="34" charset="0"/>
+            </a:endParaRPr>
           </a:p>
           <a:p>
             <a:pPr marL="285750" indent="-285750">
@@ -7430,24 +6018,27 @@
               <a:buChar char="•"/>
             </a:pPr>
             <a:r>
-              <a:rPr lang="en-US" sz="1800" b="1" dirty="0">
-                <a:solidFill>
-                  <a:schemeClr val="accent6">
-                    <a:lumMod val="75000"/>
-                  </a:schemeClr>
-                </a:solidFill>
-                <a:latin typeface="Aptos Light" panose="020B0004020202020204" pitchFamily="34" charset="0"/>
-              </a:rPr>
-              <a:t>Start with stateless, event-driven components</a:t>
-            </a:r>
-            <a:endParaRPr lang="en-US" sz="1800" dirty="0">
-              <a:solidFill>
-                <a:schemeClr val="accent6">
-                  <a:lumMod val="75000"/>
-                </a:schemeClr>
-              </a:solidFill>
-              <a:latin typeface="Aptos Light" panose="020B0004020202020204" pitchFamily="34" charset="0"/>
-            </a:endParaRPr>
+              <a:rPr lang="en-US" sz="1400" b="1" dirty="0">
+                <a:solidFill>
+                  <a:schemeClr val="accent6">
+                    <a:lumMod val="50000"/>
+                  </a:schemeClr>
+                </a:solidFill>
+                <a:latin typeface="Aptos Light" panose="020B0004020202020204" pitchFamily="34" charset="0"/>
+              </a:rPr>
+              <a:t>Customer Authentication:</a:t>
+            </a:r>
+            <a:r>
+              <a:rPr lang="en-US" sz="1400" dirty="0">
+                <a:solidFill>
+                  <a:schemeClr val="accent6">
+                    <a:lumMod val="50000"/>
+                  </a:schemeClr>
+                </a:solidFill>
+                <a:latin typeface="Aptos Light" panose="020B0004020202020204" pitchFamily="34" charset="0"/>
+              </a:rPr>
+              <a:t> Microsoft Entra ID B2C with social logins</a:t>
+            </a:r>
           </a:p>
           <a:p>
             <a:pPr marL="285750" indent="-285750">
@@ -7455,24 +6046,27 @@
               <a:buChar char="•"/>
             </a:pPr>
             <a:r>
-              <a:rPr lang="en-US" sz="1800" b="1" dirty="0">
-                <a:solidFill>
-                  <a:schemeClr val="accent6">
-                    <a:lumMod val="75000"/>
-                  </a:schemeClr>
-                </a:solidFill>
-                <a:latin typeface="Aptos Light" panose="020B0004020202020204" pitchFamily="34" charset="0"/>
-              </a:rPr>
-              <a:t>Prove value with immediate cost savings</a:t>
-            </a:r>
-            <a:endParaRPr lang="en-US" sz="1800" dirty="0">
-              <a:solidFill>
-                <a:schemeClr val="accent6">
-                  <a:lumMod val="75000"/>
-                </a:schemeClr>
-              </a:solidFill>
-              <a:latin typeface="Aptos Light" panose="020B0004020202020204" pitchFamily="34" charset="0"/>
-            </a:endParaRPr>
+              <a:rPr lang="en-US" sz="1400" b="1" dirty="0">
+                <a:solidFill>
+                  <a:schemeClr val="accent6">
+                    <a:lumMod val="50000"/>
+                  </a:schemeClr>
+                </a:solidFill>
+                <a:latin typeface="Aptos Light" panose="020B0004020202020204" pitchFamily="34" charset="0"/>
+              </a:rPr>
+              <a:t>Employee Authentication:</a:t>
+            </a:r>
+            <a:r>
+              <a:rPr lang="en-US" sz="1400" dirty="0">
+                <a:solidFill>
+                  <a:schemeClr val="accent6">
+                    <a:lumMod val="50000"/>
+                  </a:schemeClr>
+                </a:solidFill>
+                <a:latin typeface="Aptos Light" panose="020B0004020202020204" pitchFamily="34" charset="0"/>
+              </a:rPr>
+              <a:t> Enterprise SAML/LDAP federation</a:t>
+            </a:r>
           </a:p>
           <a:p>
             <a:pPr marL="285750" indent="-285750">
@@ -7480,24 +6074,27 @@
               <a:buChar char="•"/>
             </a:pPr>
             <a:r>
-              <a:rPr lang="en-US" sz="1800" b="1" dirty="0">
-                <a:solidFill>
-                  <a:schemeClr val="accent6">
-                    <a:lumMod val="75000"/>
-                  </a:schemeClr>
-                </a:solidFill>
-                <a:latin typeface="Aptos Light" panose="020B0004020202020204" pitchFamily="34" charset="0"/>
-              </a:rPr>
-              <a:t>Build team expertise gradually</a:t>
-            </a:r>
-            <a:endParaRPr lang="en-US" sz="1800" dirty="0">
-              <a:solidFill>
-                <a:schemeClr val="accent6">
-                  <a:lumMod val="75000"/>
-                </a:schemeClr>
-              </a:solidFill>
-              <a:latin typeface="Aptos Light" panose="020B0004020202020204" pitchFamily="34" charset="0"/>
-            </a:endParaRPr>
+              <a:rPr lang="en-US" sz="1400" b="1" dirty="0">
+                <a:solidFill>
+                  <a:schemeClr val="accent6">
+                    <a:lumMod val="50000"/>
+                  </a:schemeClr>
+                </a:solidFill>
+                <a:latin typeface="Aptos Light" panose="020B0004020202020204" pitchFamily="34" charset="0"/>
+              </a:rPr>
+              <a:t>Protocol Stack:</a:t>
+            </a:r>
+            <a:r>
+              <a:rPr lang="en-US" sz="1400" dirty="0">
+                <a:solidFill>
+                  <a:schemeClr val="accent6">
+                    <a:lumMod val="50000"/>
+                  </a:schemeClr>
+                </a:solidFill>
+                <a:latin typeface="Aptos Light" panose="020B0004020202020204" pitchFamily="34" charset="0"/>
+              </a:rPr>
+              <a:t> OAuth 2.0 with PKCE for SPAs, OpenID Connect for admin access</a:t>
+            </a:r>
           </a:p>
           <a:p>
             <a:pPr marL="285750" indent="-285750">
@@ -7505,37 +6102,95 @@
               <a:buChar char="•"/>
             </a:pPr>
             <a:r>
+              <a:rPr lang="en-US" sz="1400" b="1" dirty="0">
+                <a:solidFill>
+                  <a:schemeClr val="accent6">
+                    <a:lumMod val="50000"/>
+                  </a:schemeClr>
+                </a:solidFill>
+                <a:latin typeface="Aptos Light" panose="020B0004020202020204" pitchFamily="34" charset="0"/>
+              </a:rPr>
+              <a:t>Token Management:</a:t>
+            </a:r>
+            <a:r>
+              <a:rPr lang="en-US" sz="1400" dirty="0">
+                <a:solidFill>
+                  <a:schemeClr val="accent6">
+                    <a:lumMod val="50000"/>
+                  </a:schemeClr>
+                </a:solidFill>
+                <a:latin typeface="Aptos Light" panose="020B0004020202020204" pitchFamily="34" charset="0"/>
+              </a:rPr>
+              <a:t> JWT with short expiration and refresh token rotation</a:t>
+            </a:r>
+          </a:p>
+          <a:p>
+            <a:r>
               <a:rPr lang="en-US" sz="1800" b="1" dirty="0">
                 <a:solidFill>
-                  <a:schemeClr val="accent6">
-                    <a:lumMod val="75000"/>
-                  </a:schemeClr>
-                </a:solidFill>
-                <a:latin typeface="Aptos Light" panose="020B0004020202020204" pitchFamily="34" charset="0"/>
-              </a:rPr>
-              <a:t>Minimize risk to core business operations</a:t>
+                  <a:srgbClr val="5F6F0F"/>
+                </a:solidFill>
+                <a:latin typeface="Aptos Light" panose="020B0004020202020204" pitchFamily="34" charset="0"/>
+              </a:rPr>
+              <a:t>Services Requiring SSO:</a:t>
             </a:r>
             <a:endParaRPr lang="en-US" sz="1800" dirty="0">
               <a:solidFill>
-                <a:schemeClr val="accent6">
-                  <a:lumMod val="75000"/>
-                </a:schemeClr>
+                <a:srgbClr val="5F6F0F"/>
               </a:solidFill>
               <a:latin typeface="Aptos Light" panose="020B0004020202020204" pitchFamily="34" charset="0"/>
             </a:endParaRPr>
           </a:p>
           <a:p>
-            <a:pPr>
-              <a:buNone/>
+            <a:pPr marL="285750" indent="-285750">
+              <a:buFont typeface="Arial" panose="020B0604020202020204" pitchFamily="34" charset="0"/>
+              <a:buChar char="•"/>
             </a:pPr>
-            <a:endParaRPr lang="en-US" sz="1800" dirty="0">
-              <a:solidFill>
-                <a:schemeClr val="accent6">
-                  <a:lumMod val="75000"/>
-                </a:schemeClr>
-              </a:solidFill>
-              <a:latin typeface="Aptos Light" panose="020F0502020204030204" pitchFamily="34" charset="0"/>
-            </a:endParaRPr>
+            <a:r>
+              <a:rPr lang="en-US" sz="1400" dirty="0">
+                <a:solidFill>
+                  <a:schemeClr val="accent6">
+                    <a:lumMod val="50000"/>
+                  </a:schemeClr>
+                </a:solidFill>
+                <a:latin typeface="Aptos Light" panose="020B0004020202020204" pitchFamily="34" charset="0"/>
+              </a:rPr>
+              <a:t>Store-front (customer portal) - OAuth 2.0 PKCE flow</a:t>
+            </a:r>
+          </a:p>
+          <a:p>
+            <a:pPr marL="285750" indent="-285750">
+              <a:buFont typeface="Arial" panose="020B0604020202020204" pitchFamily="34" charset="0"/>
+              <a:buChar char="•"/>
+            </a:pPr>
+            <a:r>
+              <a:rPr lang="en-US" sz="1400" dirty="0">
+                <a:solidFill>
+                  <a:schemeClr val="accent6">
+                    <a:lumMod val="50000"/>
+                  </a:schemeClr>
+                </a:solidFill>
+                <a:latin typeface="Aptos Light" panose="020B0004020202020204" pitchFamily="34" charset="0"/>
+              </a:rPr>
+              <a:t>Store-admin (employee portal) - OpenID Connect with MFA</a:t>
+            </a:r>
+          </a:p>
+          <a:p>
+            <a:pPr marL="285750" indent="-285750">
+              <a:buFont typeface="Arial" panose="020B0604020202020204" pitchFamily="34" charset="0"/>
+              <a:buChar char="•"/>
+            </a:pPr>
+            <a:r>
+              <a:rPr lang="en-US" sz="1400" dirty="0">
+                <a:solidFill>
+                  <a:schemeClr val="accent6">
+                    <a:lumMod val="50000"/>
+                  </a:schemeClr>
+                </a:solidFill>
+                <a:latin typeface="Aptos Light" panose="020B0004020202020204" pitchFamily="34" charset="0"/>
+              </a:rPr>
+              <a:t>All backend microservices via API Gateway token validation</a:t>
+            </a:r>
           </a:p>
         </p:txBody>
       </p:sp>
@@ -7553,8 +6208,8 @@
         </p:nvSpPr>
         <p:spPr>
           <a:xfrm>
-            <a:off x="5662364" y="116632"/>
-            <a:ext cx="6110576" cy="646331"/>
+            <a:off x="5374332" y="116632"/>
+            <a:ext cx="6624736" cy="584775"/>
           </a:xfrm>
           <a:prstGeom prst="rect">
             <a:avLst/>
@@ -7568,7 +6223,7 @@
           <a:lstStyle/>
           <a:p>
             <a:r>
-              <a:rPr lang="en-US" sz="3600" dirty="0">
+              <a:rPr lang="en-US" sz="3200" dirty="0">
                 <a:solidFill>
                   <a:schemeClr val="accent6">
                     <a:lumMod val="75000"/>
@@ -7578,9 +6233,9 @@
                 <a:ea typeface="Calibri Light" panose="020F0302020204030204" pitchFamily="34" charset="0"/>
                 <a:cs typeface="Calibri Light" panose="020F0302020204030204" pitchFamily="34" charset="0"/>
               </a:rPr>
-              <a:t>Serverless Migration Strategy</a:t>
-            </a:r>
-            <a:endParaRPr lang="en-US" sz="3600" dirty="0">
+              <a:t>SSO &amp; Federated Identity Management</a:t>
+            </a:r>
+            <a:endParaRPr lang="en-US" sz="3200" dirty="0">
               <a:latin typeface="Calibri Light" panose="020F0302020204030204" pitchFamily="34" charset="0"/>
               <a:ea typeface="Calibri Light" panose="020F0302020204030204" pitchFamily="34" charset="0"/>
               <a:cs typeface="Calibri Light" panose="020F0302020204030204" pitchFamily="34" charset="0"/>
@@ -7590,10 +6245,10 @@
       </p:sp>
       <p:pic>
         <p:nvPicPr>
-          <p:cNvPr id="9" name="Graphic 8">
+          <p:cNvPr id="4" name="Picture 3">
             <a:extLst>
               <a:ext uri="{FF2B5EF4-FFF2-40B4-BE49-F238E27FC236}">
-                <a16:creationId xmlns:a16="http://schemas.microsoft.com/office/drawing/2014/main" id="{0C9AF4FD-C0E2-ABEC-F7F2-25287BA723D2}"/>
+                <a16:creationId xmlns:a16="http://schemas.microsoft.com/office/drawing/2014/main" id="{D74D088B-F716-2363-245F-D04C478685C8}"/>
               </a:ext>
             </a:extLst>
           </p:cNvPr>
@@ -7603,10 +6258,10 @@
           <p:nvPr/>
         </p:nvPicPr>
         <p:blipFill>
-          <a:blip r:embed="rId2">
+          <a:blip r:embed="rId2" cstate="print">
             <a:extLst>
-              <a:ext uri="{96DAC541-7B7A-43D3-8B79-37D633B846F1}">
-                <asvg:svgBlip xmlns:asvg="http://schemas.microsoft.com/office/drawing/2016/SVG/main" r:embed="rId3"/>
+              <a:ext uri="{28A0092B-C50C-407E-A947-70E740481C1C}">
+                <a14:useLocalDpi xmlns:a14="http://schemas.microsoft.com/office/drawing/2010/main" val="0"/>
               </a:ext>
             </a:extLst>
           </a:blip>
@@ -7616,8 +6271,8 @@
         </p:blipFill>
         <p:spPr>
           <a:xfrm>
-            <a:off x="981844" y="28580"/>
-            <a:ext cx="4572000" cy="6858000"/>
+            <a:off x="1053852" y="188640"/>
+            <a:ext cx="4032448" cy="6507994"/>
           </a:xfrm>
           <a:prstGeom prst="rect">
             <a:avLst/>
@@ -7634,13 +6289,13 @@
   <p:clrMapOvr>
     <a:masterClrMapping/>
   </p:clrMapOvr>
-  <mc:AlternateContent xmlns:mc="http://schemas.openxmlformats.org/markup-compatibility/2006">
-    <mc:Choice xmlns:p14="http://schemas.microsoft.com/office/powerpoint/2010/main" Requires="p14">
+  <mc:AlternateContent xmlns:mc="http://schemas.openxmlformats.org/markup-compatibility/2006" xmlns:p14="http://schemas.microsoft.com/office/powerpoint/2010/main">
+    <mc:Choice Requires="p14">
       <p:transition spd="med" p14:dur="700">
         <p:fade/>
       </p:transition>
     </mc:Choice>
-    <mc:Fallback>
+    <mc:Fallback xmlns="">
       <p:transition spd="med">
         <p:fade/>
       </p:transition>
@@ -7696,8 +6351,8 @@
         </p:nvSpPr>
         <p:spPr>
           <a:xfrm>
-            <a:off x="7246540" y="671691"/>
-            <a:ext cx="4176464" cy="6186309"/>
+            <a:off x="5086300" y="2204864"/>
+            <a:ext cx="7272808" cy="2677656"/>
           </a:xfrm>
           <a:prstGeom prst="rect">
             <a:avLst/>
@@ -7711,543 +6366,260 @@
           <a:lstStyle/>
           <a:p>
             <a:r>
-              <a:rPr lang="en-US" sz="1200" b="1" dirty="0">
-                <a:solidFill>
-                  <a:schemeClr val="accent3">
-                    <a:lumMod val="60000"/>
-                    <a:lumOff val="40000"/>
-                  </a:schemeClr>
-                </a:solidFill>
-              </a:rPr>
-              <a:t>HTTP Triggers - API Endpoints</a:t>
-            </a:r>
-          </a:p>
-          <a:p>
-            <a:r>
-              <a:rPr lang="en-US" sz="1200" b="1" dirty="0">
-                <a:solidFill>
-                  <a:schemeClr val="accent6">
-                    <a:lumMod val="75000"/>
-                  </a:schemeClr>
-                </a:solidFill>
-              </a:rPr>
-              <a:t>Use Cases:</a:t>
-            </a:r>
-            <a:endParaRPr lang="en-US" sz="1200" dirty="0">
+              <a:rPr lang="en-US" sz="2000" b="1" dirty="0">
+                <a:solidFill>
+                  <a:srgbClr val="5F6F0F"/>
+                </a:solidFill>
+                <a:latin typeface="Aptos Light" panose="020B0004020202020204" pitchFamily="34" charset="0"/>
+              </a:rPr>
+              <a:t>Comprehensive Logging Strategy:</a:t>
+            </a:r>
+            <a:endParaRPr lang="en-US" sz="2000" dirty="0">
               <a:solidFill>
-                <a:schemeClr val="accent6">
-                  <a:lumMod val="75000"/>
-                </a:schemeClr>
+                <a:srgbClr val="5F6F0F"/>
               </a:solidFill>
+              <a:latin typeface="Aptos Light" panose="020B0004020202020204" pitchFamily="34" charset="0"/>
             </a:endParaRPr>
           </a:p>
           <a:p>
-            <a:pPr marL="171450" indent="-171450">
+            <a:pPr marL="285750" indent="-285750">
               <a:buFont typeface="Arial" panose="020B0604020202020204" pitchFamily="34" charset="0"/>
               <a:buChar char="•"/>
             </a:pPr>
             <a:r>
-              <a:rPr lang="en-US" sz="1200" dirty="0">
-                <a:solidFill>
-                  <a:schemeClr val="accent6">
-                    <a:lumMod val="75000"/>
-                  </a:schemeClr>
-                </a:solidFill>
-              </a:rPr>
-              <a:t>Product catalog REST API</a:t>
-            </a:r>
-          </a:p>
-          <a:p>
-            <a:pPr marL="171450" indent="-171450">
+              <a:rPr lang="en-US" sz="1600" b="1" dirty="0">
+                <a:solidFill>
+                  <a:schemeClr val="accent6">
+                    <a:lumMod val="50000"/>
+                  </a:schemeClr>
+                </a:solidFill>
+                <a:latin typeface="Aptos Light" panose="020B0004020202020204" pitchFamily="34" charset="0"/>
+              </a:rPr>
+              <a:t>Security Events:</a:t>
+            </a:r>
+            <a:r>
+              <a:rPr lang="en-US" sz="1600" dirty="0">
+                <a:solidFill>
+                  <a:schemeClr val="accent6">
+                    <a:lumMod val="50000"/>
+                  </a:schemeClr>
+                </a:solidFill>
+                <a:latin typeface="Aptos Light" panose="020B0004020202020204" pitchFamily="34" charset="0"/>
+              </a:rPr>
+              <a:t> Authentication, authorization, privilege escalation attempts</a:t>
+            </a:r>
+          </a:p>
+          <a:p>
+            <a:pPr marL="285750" indent="-285750">
               <a:buFont typeface="Arial" panose="020B0604020202020204" pitchFamily="34" charset="0"/>
               <a:buChar char="•"/>
             </a:pPr>
             <a:r>
-              <a:rPr lang="en-US" sz="1200" dirty="0">
-                <a:solidFill>
-                  <a:schemeClr val="accent6">
-                    <a:lumMod val="75000"/>
-                  </a:schemeClr>
-                </a:solidFill>
-              </a:rPr>
-              <a:t>Order creation endpoints</a:t>
-            </a:r>
-          </a:p>
-          <a:p>
-            <a:pPr marL="171450" indent="-171450">
+              <a:rPr lang="en-US" sz="1600" b="1" dirty="0">
+                <a:solidFill>
+                  <a:schemeClr val="accent6">
+                    <a:lumMod val="50000"/>
+                  </a:schemeClr>
+                </a:solidFill>
+                <a:latin typeface="Aptos Light" panose="020B0004020202020204" pitchFamily="34" charset="0"/>
+              </a:rPr>
+              <a:t>Business Events:</a:t>
+            </a:r>
+            <a:r>
+              <a:rPr lang="en-US" sz="1600" dirty="0">
+                <a:solidFill>
+                  <a:schemeClr val="accent6">
+                    <a:lumMod val="50000"/>
+                  </a:schemeClr>
+                </a:solidFill>
+                <a:latin typeface="Aptos Light" panose="020B0004020202020204" pitchFamily="34" charset="0"/>
+              </a:rPr>
+              <a:t> Order processing, payment transactions, inventory changes</a:t>
+            </a:r>
+          </a:p>
+          <a:p>
+            <a:pPr marL="285750" indent="-285750">
               <a:buFont typeface="Arial" panose="020B0604020202020204" pitchFamily="34" charset="0"/>
               <a:buChar char="•"/>
             </a:pPr>
             <a:r>
-              <a:rPr lang="en-US" sz="1200" dirty="0">
-                <a:solidFill>
-                  <a:schemeClr val="accent6">
-                    <a:lumMod val="75000"/>
-                  </a:schemeClr>
-                </a:solidFill>
-              </a:rPr>
-              <a:t>Customer facing operations</a:t>
-            </a:r>
-          </a:p>
-          <a:p>
-            <a:r>
-              <a:rPr lang="en-US" sz="1200" b="1" dirty="0">
-                <a:solidFill>
-                  <a:schemeClr val="accent6">
-                    <a:lumMod val="75000"/>
-                  </a:schemeClr>
-                </a:solidFill>
-              </a:rPr>
-              <a:t>Benefits:</a:t>
-            </a:r>
-            <a:endParaRPr lang="en-US" sz="1200" dirty="0">
-              <a:solidFill>
-                <a:schemeClr val="accent6">
-                  <a:lumMod val="75000"/>
-                </a:schemeClr>
-              </a:solidFill>
-            </a:endParaRPr>
-          </a:p>
-          <a:p>
-            <a:pPr marL="171450" indent="-171450">
+              <a:rPr lang="en-US" sz="1600" b="1" dirty="0">
+                <a:solidFill>
+                  <a:schemeClr val="accent6">
+                    <a:lumMod val="50000"/>
+                  </a:schemeClr>
+                </a:solidFill>
+                <a:latin typeface="Aptos Light" panose="020B0004020202020204" pitchFamily="34" charset="0"/>
+              </a:rPr>
+              <a:t>System Events:</a:t>
+            </a:r>
+            <a:r>
+              <a:rPr lang="en-US" sz="1600" dirty="0">
+                <a:solidFill>
+                  <a:schemeClr val="accent6">
+                    <a:lumMod val="50000"/>
+                  </a:schemeClr>
+                </a:solidFill>
+                <a:latin typeface="Aptos Light" panose="020B0004020202020204" pitchFamily="34" charset="0"/>
+              </a:rPr>
+              <a:t> Performance metrics, error rates, resource utilization</a:t>
+            </a:r>
+          </a:p>
+          <a:p>
+            <a:pPr marL="285750" indent="-285750">
               <a:buFont typeface="Arial" panose="020B0604020202020204" pitchFamily="34" charset="0"/>
               <a:buChar char="•"/>
             </a:pPr>
             <a:r>
-              <a:rPr lang="en-US" sz="1200" dirty="0">
-                <a:solidFill>
-                  <a:schemeClr val="accent6">
-                    <a:lumMod val="75000"/>
-                  </a:schemeClr>
-                </a:solidFill>
-              </a:rPr>
-              <a:t>Automatic HTTPS termination</a:t>
-            </a:r>
-          </a:p>
-          <a:p>
-            <a:pPr marL="171450" indent="-171450">
+              <a:rPr lang="en-US" sz="1600" b="1" dirty="0">
+                <a:solidFill>
+                  <a:schemeClr val="accent6">
+                    <a:lumMod val="50000"/>
+                  </a:schemeClr>
+                </a:solidFill>
+                <a:latin typeface="Aptos Light" panose="020B0004020202020204" pitchFamily="34" charset="0"/>
+              </a:rPr>
+              <a:t>Compliance Events:</a:t>
+            </a:r>
+            <a:r>
+              <a:rPr lang="en-US" sz="1600" dirty="0">
+                <a:solidFill>
+                  <a:schemeClr val="accent6">
+                    <a:lumMod val="50000"/>
+                  </a:schemeClr>
+                </a:solidFill>
+                <a:latin typeface="Aptos Light" panose="020B0004020202020204" pitchFamily="34" charset="0"/>
+              </a:rPr>
+              <a:t> GDPR consent management, PCI DSS access logs</a:t>
+            </a:r>
+          </a:p>
+          <a:p>
+            <a:r>
+              <a:rPr lang="en-US" sz="2000" b="1" dirty="0">
+                <a:solidFill>
+                  <a:srgbClr val="5F6F0F"/>
+                </a:solidFill>
+                <a:latin typeface="Aptos Light" panose="020B0004020202020204" pitchFamily="34" charset="0"/>
+              </a:rPr>
+              <a:t>Azure Analytics Stack:</a:t>
+            </a:r>
+            <a:endParaRPr lang="en-US" sz="2000" dirty="0">
+              <a:solidFill>
+                <a:srgbClr val="5F6F0F"/>
+              </a:solidFill>
+              <a:latin typeface="Aptos Light" panose="020B0004020202020204" pitchFamily="34" charset="0"/>
+            </a:endParaRPr>
+          </a:p>
+          <a:p>
+            <a:pPr marL="285750" indent="-285750">
               <a:buFont typeface="Arial" panose="020B0604020202020204" pitchFamily="34" charset="0"/>
               <a:buChar char="•"/>
             </a:pPr>
             <a:r>
-              <a:rPr lang="en-US" sz="1200" dirty="0">
-                <a:solidFill>
-                  <a:schemeClr val="accent6">
-                    <a:lumMod val="75000"/>
-                  </a:schemeClr>
-                </a:solidFill>
-              </a:rPr>
-              <a:t>Built-in authentication integration</a:t>
-            </a:r>
-          </a:p>
-          <a:p>
-            <a:pPr marL="171450" indent="-171450">
+              <a:rPr lang="en-US" sz="1600" b="1" dirty="0">
+                <a:solidFill>
+                  <a:schemeClr val="accent6">
+                    <a:lumMod val="50000"/>
+                  </a:schemeClr>
+                </a:solidFill>
+                <a:latin typeface="Aptos Light" panose="020B0004020202020204" pitchFamily="34" charset="0"/>
+              </a:rPr>
+              <a:t>Azure Monitor:</a:t>
+            </a:r>
+            <a:r>
+              <a:rPr lang="en-US" sz="1600" dirty="0">
+                <a:solidFill>
+                  <a:schemeClr val="accent6">
+                    <a:lumMod val="50000"/>
+                  </a:schemeClr>
+                </a:solidFill>
+                <a:latin typeface="Aptos Light" panose="020B0004020202020204" pitchFamily="34" charset="0"/>
+              </a:rPr>
+              <a:t> Unified telemetry collection platform</a:t>
+            </a:r>
+          </a:p>
+          <a:p>
+            <a:pPr marL="285750" indent="-285750">
               <a:buFont typeface="Arial" panose="020B0604020202020204" pitchFamily="34" charset="0"/>
               <a:buChar char="•"/>
             </a:pPr>
             <a:r>
-              <a:rPr lang="en-US" sz="1200" dirty="0">
-                <a:solidFill>
-                  <a:schemeClr val="accent6">
-                    <a:lumMod val="75000"/>
-                  </a:schemeClr>
-                </a:solidFill>
-              </a:rPr>
-              <a:t>Pay only for actual requests</a:t>
-            </a:r>
-          </a:p>
-          <a:p>
-            <a:r>
-              <a:rPr lang="en-US" sz="1200" b="1" dirty="0">
-                <a:solidFill>
-                  <a:schemeClr val="accent3">
-                    <a:lumMod val="60000"/>
-                    <a:lumOff val="40000"/>
-                  </a:schemeClr>
-                </a:solidFill>
-              </a:rPr>
-              <a:t>Service Bus Triggers - Asynchronous Processing</a:t>
-            </a:r>
-          </a:p>
-          <a:p>
-            <a:r>
-              <a:rPr lang="en-US" sz="1200" b="1" dirty="0">
-                <a:solidFill>
-                  <a:schemeClr val="accent6">
-                    <a:lumMod val="75000"/>
-                  </a:schemeClr>
-                </a:solidFill>
-              </a:rPr>
-              <a:t>Use Cases:</a:t>
-            </a:r>
-            <a:endParaRPr lang="en-US" sz="1200" dirty="0">
-              <a:solidFill>
-                <a:schemeClr val="accent6">
-                  <a:lumMod val="75000"/>
-                </a:schemeClr>
-              </a:solidFill>
-            </a:endParaRPr>
-          </a:p>
-          <a:p>
-            <a:pPr marL="171450" indent="-171450">
+              <a:rPr lang="en-US" sz="1600" b="1" dirty="0">
+                <a:solidFill>
+                  <a:schemeClr val="accent6">
+                    <a:lumMod val="50000"/>
+                  </a:schemeClr>
+                </a:solidFill>
+                <a:latin typeface="Aptos Light" panose="020B0004020202020204" pitchFamily="34" charset="0"/>
+              </a:rPr>
+              <a:t>Log Analytics Workspace:</a:t>
+            </a:r>
+            <a:r>
+              <a:rPr lang="en-US" sz="1600" dirty="0">
+                <a:solidFill>
+                  <a:schemeClr val="accent6">
+                    <a:lumMod val="50000"/>
+                  </a:schemeClr>
+                </a:solidFill>
+                <a:latin typeface="Aptos Light" panose="020B0004020202020204" pitchFamily="34" charset="0"/>
+              </a:rPr>
+              <a:t> Centralized log storage with KQL querying</a:t>
+            </a:r>
+          </a:p>
+          <a:p>
+            <a:pPr marL="285750" indent="-285750">
               <a:buFont typeface="Arial" panose="020B0604020202020204" pitchFamily="34" charset="0"/>
               <a:buChar char="•"/>
             </a:pPr>
             <a:r>
-              <a:rPr lang="en-US" sz="1200" dirty="0">
-                <a:solidFill>
-                  <a:schemeClr val="accent6">
-                    <a:lumMod val="75000"/>
-                  </a:schemeClr>
-                </a:solidFill>
-              </a:rPr>
-              <a:t>Order processing workflow</a:t>
-            </a:r>
-          </a:p>
-          <a:p>
-            <a:pPr marL="171450" indent="-171450">
+              <a:rPr lang="en-US" sz="1600" b="1" dirty="0">
+                <a:solidFill>
+                  <a:schemeClr val="accent6">
+                    <a:lumMod val="50000"/>
+                  </a:schemeClr>
+                </a:solidFill>
+                <a:latin typeface="Aptos Light" panose="020B0004020202020204" pitchFamily="34" charset="0"/>
+              </a:rPr>
+              <a:t>Structured Logging:</a:t>
+            </a:r>
+            <a:r>
+              <a:rPr lang="en-US" sz="1600" dirty="0">
+                <a:solidFill>
+                  <a:schemeClr val="accent6">
+                    <a:lumMod val="50000"/>
+                  </a:schemeClr>
+                </a:solidFill>
+                <a:latin typeface="Aptos Light" panose="020B0004020202020204" pitchFamily="34" charset="0"/>
+              </a:rPr>
+              <a:t> JSON format for automated processing</a:t>
+            </a:r>
+          </a:p>
+          <a:p>
+            <a:pPr marL="285750" indent="-285750">
               <a:buFont typeface="Arial" panose="020B0604020202020204" pitchFamily="34" charset="0"/>
               <a:buChar char="•"/>
             </a:pPr>
             <a:r>
-              <a:rPr lang="en-US" sz="1200" dirty="0">
-                <a:solidFill>
-                  <a:schemeClr val="accent6">
-                    <a:lumMod val="75000"/>
-                  </a:schemeClr>
-                </a:solidFill>
-              </a:rPr>
-              <a:t>AI content generation requests</a:t>
-            </a:r>
-          </a:p>
-          <a:p>
-            <a:pPr marL="171450" indent="-171450">
-              <a:buFont typeface="Arial" panose="020B0604020202020204" pitchFamily="34" charset="0"/>
-              <a:buChar char="•"/>
-            </a:pPr>
-            <a:r>
-              <a:rPr lang="en-US" sz="1200" dirty="0">
-                <a:solidFill>
-                  <a:schemeClr val="accent6">
-                    <a:lumMod val="75000"/>
-                  </a:schemeClr>
-                </a:solidFill>
-              </a:rPr>
-              <a:t>Inventory update notifications</a:t>
-            </a:r>
-          </a:p>
-          <a:p>
-            <a:r>
-              <a:rPr lang="en-US" sz="1200" b="1" dirty="0">
-                <a:solidFill>
-                  <a:schemeClr val="accent6">
-                    <a:lumMod val="75000"/>
-                  </a:schemeClr>
-                </a:solidFill>
-              </a:rPr>
-              <a:t>Benefits:</a:t>
-            </a:r>
-            <a:endParaRPr lang="en-US" sz="1200" dirty="0">
-              <a:solidFill>
-                <a:schemeClr val="accent6">
-                  <a:lumMod val="75000"/>
-                </a:schemeClr>
-              </a:solidFill>
-            </a:endParaRPr>
-          </a:p>
-          <a:p>
-            <a:pPr marL="171450" indent="-171450">
-              <a:buFont typeface="Arial" panose="020B0604020202020204" pitchFamily="34" charset="0"/>
-              <a:buChar char="•"/>
-            </a:pPr>
-            <a:r>
-              <a:rPr lang="en-US" sz="1200" dirty="0">
-                <a:solidFill>
-                  <a:schemeClr val="accent6">
-                    <a:lumMod val="75000"/>
-                  </a:schemeClr>
-                </a:solidFill>
-              </a:rPr>
-              <a:t>Guaranteed message delivery</a:t>
-            </a:r>
-          </a:p>
-          <a:p>
-            <a:pPr marL="171450" indent="-171450">
-              <a:buFont typeface="Arial" panose="020B0604020202020204" pitchFamily="34" charset="0"/>
-              <a:buChar char="•"/>
-            </a:pPr>
-            <a:r>
-              <a:rPr lang="en-US" sz="1200" dirty="0">
-                <a:solidFill>
-                  <a:schemeClr val="accent6">
-                    <a:lumMod val="75000"/>
-                  </a:schemeClr>
-                </a:solidFill>
-              </a:rPr>
-              <a:t>Automatic retry policies</a:t>
-            </a:r>
-          </a:p>
-          <a:p>
-            <a:pPr marL="171450" indent="-171450">
-              <a:buFont typeface="Arial" panose="020B0604020202020204" pitchFamily="34" charset="0"/>
-              <a:buChar char="•"/>
-            </a:pPr>
-            <a:r>
-              <a:rPr lang="en-US" sz="1200" dirty="0">
-                <a:solidFill>
-                  <a:schemeClr val="accent6">
-                    <a:lumMod val="75000"/>
-                  </a:schemeClr>
-                </a:solidFill>
-              </a:rPr>
-              <a:t>Dead letter queue handling</a:t>
-            </a:r>
-          </a:p>
-          <a:p>
-            <a:r>
-              <a:rPr lang="en-US" sz="1200" b="1" dirty="0">
-                <a:solidFill>
-                  <a:schemeClr val="accent3">
-                    <a:lumMod val="60000"/>
-                    <a:lumOff val="40000"/>
-                  </a:schemeClr>
-                </a:solidFill>
-              </a:rPr>
-              <a:t>Timer Triggers - Scheduled Operations</a:t>
-            </a:r>
-          </a:p>
-          <a:p>
-            <a:r>
-              <a:rPr lang="en-US" sz="1200" b="1" dirty="0">
-                <a:solidFill>
-                  <a:schemeClr val="accent6">
-                    <a:lumMod val="75000"/>
-                  </a:schemeClr>
-                </a:solidFill>
-              </a:rPr>
-              <a:t>Use Cases:</a:t>
-            </a:r>
-            <a:endParaRPr lang="en-US" sz="1200" dirty="0">
-              <a:solidFill>
-                <a:schemeClr val="accent6">
-                  <a:lumMod val="75000"/>
-                </a:schemeClr>
-              </a:solidFill>
-            </a:endParaRPr>
-          </a:p>
-          <a:p>
-            <a:pPr marL="171450" indent="-171450">
-              <a:buFont typeface="Arial" panose="020B0604020202020204" pitchFamily="34" charset="0"/>
-              <a:buChar char="•"/>
-            </a:pPr>
-            <a:r>
-              <a:rPr lang="en-US" sz="1200" dirty="0">
-                <a:solidFill>
-                  <a:schemeClr val="accent6">
-                    <a:lumMod val="75000"/>
-                  </a:schemeClr>
-                </a:solidFill>
-              </a:rPr>
-              <a:t>Virtual customer order simulation</a:t>
-            </a:r>
-          </a:p>
-          <a:p>
-            <a:pPr marL="171450" indent="-171450">
-              <a:buFont typeface="Arial" panose="020B0604020202020204" pitchFamily="34" charset="0"/>
-              <a:buChar char="•"/>
-            </a:pPr>
-            <a:r>
-              <a:rPr lang="en-US" sz="1200" dirty="0">
-                <a:solidFill>
-                  <a:schemeClr val="accent6">
-                    <a:lumMod val="75000"/>
-                  </a:schemeClr>
-                </a:solidFill>
-              </a:rPr>
-              <a:t>Daily inventory reports</a:t>
-            </a:r>
-          </a:p>
-          <a:p>
-            <a:pPr marL="171450" indent="-171450">
-              <a:buFont typeface="Arial" panose="020B0604020202020204" pitchFamily="34" charset="0"/>
-              <a:buChar char="•"/>
-            </a:pPr>
-            <a:r>
-              <a:rPr lang="en-US" sz="1200" dirty="0">
-                <a:solidFill>
-                  <a:schemeClr val="accent6">
-                    <a:lumMod val="75000"/>
-                  </a:schemeClr>
-                </a:solidFill>
-              </a:rPr>
-              <a:t>Cleanup and maintenance tasks</a:t>
-            </a:r>
-          </a:p>
-          <a:p>
-            <a:r>
-              <a:rPr lang="en-US" sz="1200" b="1" dirty="0">
-                <a:solidFill>
-                  <a:schemeClr val="accent6">
-                    <a:lumMod val="75000"/>
-                  </a:schemeClr>
-                </a:solidFill>
-              </a:rPr>
-              <a:t>Benefits:</a:t>
-            </a:r>
-            <a:endParaRPr lang="en-US" sz="1200" dirty="0">
-              <a:solidFill>
-                <a:schemeClr val="accent6">
-                  <a:lumMod val="75000"/>
-                </a:schemeClr>
-              </a:solidFill>
-            </a:endParaRPr>
-          </a:p>
-          <a:p>
-            <a:pPr marL="171450" indent="-171450">
-              <a:buFont typeface="Arial" panose="020B0604020202020204" pitchFamily="34" charset="0"/>
-              <a:buChar char="•"/>
-            </a:pPr>
-            <a:r>
-              <a:rPr lang="en-US" sz="1200" dirty="0">
-                <a:solidFill>
-                  <a:schemeClr val="accent6">
-                    <a:lumMod val="75000"/>
-                  </a:schemeClr>
-                </a:solidFill>
-              </a:rPr>
-              <a:t>No server running between executions</a:t>
-            </a:r>
-          </a:p>
-          <a:p>
-            <a:pPr marL="171450" indent="-171450">
-              <a:buFont typeface="Arial" panose="020B0604020202020204" pitchFamily="34" charset="0"/>
-              <a:buChar char="•"/>
-            </a:pPr>
-            <a:r>
-              <a:rPr lang="en-US" sz="1200" dirty="0">
-                <a:solidFill>
-                  <a:schemeClr val="accent6">
-                    <a:lumMod val="75000"/>
-                  </a:schemeClr>
-                </a:solidFill>
-              </a:rPr>
-              <a:t>CRON expression flexibility</a:t>
-            </a:r>
-          </a:p>
-          <a:p>
-            <a:pPr marL="171450" indent="-171450">
-              <a:buFont typeface="Arial" panose="020B0604020202020204" pitchFamily="34" charset="0"/>
-              <a:buChar char="•"/>
-            </a:pPr>
-            <a:r>
-              <a:rPr lang="en-US" sz="1200" dirty="0">
-                <a:solidFill>
-                  <a:schemeClr val="accent6">
-                    <a:lumMod val="75000"/>
-                  </a:schemeClr>
-                </a:solidFill>
-              </a:rPr>
-              <a:t>Automatic </a:t>
-            </a:r>
-            <a:r>
-              <a:rPr lang="en-US" sz="1200" dirty="0" err="1">
-                <a:solidFill>
-                  <a:schemeClr val="accent6">
-                    <a:lumMod val="75000"/>
-                  </a:schemeClr>
-                </a:solidFill>
-              </a:rPr>
-              <a:t>timezone</a:t>
-            </a:r>
-            <a:r>
-              <a:rPr lang="en-US" sz="1200" dirty="0">
-                <a:solidFill>
-                  <a:schemeClr val="accent6">
-                    <a:lumMod val="75000"/>
-                  </a:schemeClr>
-                </a:solidFill>
-              </a:rPr>
-              <a:t> handling</a:t>
-            </a:r>
-          </a:p>
-          <a:p>
-            <a:r>
-              <a:rPr lang="en-US" sz="1200" b="1" dirty="0">
-                <a:solidFill>
-                  <a:schemeClr val="accent3">
-                    <a:lumMod val="60000"/>
-                    <a:lumOff val="40000"/>
-                  </a:schemeClr>
-                </a:solidFill>
-              </a:rPr>
-              <a:t>Cosmos DB Triggers - Data-Driven Events</a:t>
-            </a:r>
-          </a:p>
-          <a:p>
-            <a:r>
-              <a:rPr lang="en-US" sz="1200" b="1" dirty="0">
-                <a:solidFill>
-                  <a:schemeClr val="accent6">
-                    <a:lumMod val="75000"/>
-                  </a:schemeClr>
-                </a:solidFill>
-              </a:rPr>
-              <a:t>Use Cases:</a:t>
-            </a:r>
-            <a:endParaRPr lang="en-US" sz="1200" dirty="0">
-              <a:solidFill>
-                <a:schemeClr val="accent6">
-                  <a:lumMod val="75000"/>
-                </a:schemeClr>
-              </a:solidFill>
-            </a:endParaRPr>
-          </a:p>
-          <a:p>
-            <a:pPr marL="171450" indent="-171450">
-              <a:buFont typeface="Arial" panose="020B0604020202020204" pitchFamily="34" charset="0"/>
-              <a:buChar char="•"/>
-            </a:pPr>
-            <a:r>
-              <a:rPr lang="en-US" sz="1200" dirty="0">
-                <a:solidFill>
-                  <a:schemeClr val="accent6">
-                    <a:lumMod val="75000"/>
-                  </a:schemeClr>
-                </a:solidFill>
-              </a:rPr>
-              <a:t>Order status change notifications</a:t>
-            </a:r>
-          </a:p>
-          <a:p>
-            <a:pPr marL="171450" indent="-171450">
-              <a:buFont typeface="Arial" panose="020B0604020202020204" pitchFamily="34" charset="0"/>
-              <a:buChar char="•"/>
-            </a:pPr>
-            <a:r>
-              <a:rPr lang="en-US" sz="1200" dirty="0">
-                <a:solidFill>
-                  <a:schemeClr val="accent6">
-                    <a:lumMod val="75000"/>
-                  </a:schemeClr>
-                </a:solidFill>
-              </a:rPr>
-              <a:t>Real-time analytics updates</a:t>
-            </a:r>
-          </a:p>
-          <a:p>
-            <a:pPr marL="171450" indent="-171450">
-              <a:buFont typeface="Arial" panose="020B0604020202020204" pitchFamily="34" charset="0"/>
-              <a:buChar char="•"/>
-            </a:pPr>
-            <a:r>
-              <a:rPr lang="en-US" sz="1200" dirty="0">
-                <a:solidFill>
-                  <a:schemeClr val="accent6">
-                    <a:lumMod val="75000"/>
-                  </a:schemeClr>
-                </a:solidFill>
-              </a:rPr>
-              <a:t>Cache invalidation</a:t>
+              <a:rPr lang="en-US" sz="1600" b="1" dirty="0">
+                <a:solidFill>
+                  <a:schemeClr val="accent6">
+                    <a:lumMod val="50000"/>
+                  </a:schemeClr>
+                </a:solidFill>
+                <a:latin typeface="Aptos Light" panose="020B0004020202020204" pitchFamily="34" charset="0"/>
+              </a:rPr>
+              <a:t>Retention Policies:</a:t>
+            </a:r>
+            <a:r>
+              <a:rPr lang="en-US" sz="1600" dirty="0">
+                <a:solidFill>
+                  <a:schemeClr val="accent6">
+                    <a:lumMod val="50000"/>
+                  </a:schemeClr>
+                </a:solidFill>
+                <a:latin typeface="Aptos Light" panose="020B0004020202020204" pitchFamily="34" charset="0"/>
+              </a:rPr>
+              <a:t> 7 years for security logs, 1 year for system logs</a:t>
             </a:r>
           </a:p>
         </p:txBody>
@@ -8266,7 +6638,7 @@
         </p:nvSpPr>
         <p:spPr>
           <a:xfrm>
-            <a:off x="6310436" y="116632"/>
+            <a:off x="5878388" y="620688"/>
             <a:ext cx="8568952" cy="523220"/>
           </a:xfrm>
           <a:prstGeom prst="rect">
@@ -8289,7 +6661,7 @@
                 </a:solidFill>
                 <a:latin typeface="Aptos Light" panose="020F0502020204030204" pitchFamily="34" charset="0"/>
               </a:rPr>
-              <a:t>Serverless Triggers &amp; Bindings Strategy</a:t>
+              <a:t>AUDIT LOGS &amp; EVENT ANALYSIS</a:t>
             </a:r>
             <a:endParaRPr lang="en-US" sz="2800" dirty="0"/>
           </a:p>
@@ -8297,10 +6669,10 @@
       </p:sp>
       <p:pic>
         <p:nvPicPr>
-          <p:cNvPr id="6" name="Picture 5">
+          <p:cNvPr id="4" name="Picture 3" descr="A screenshot of a computer&#10;&#10;AI-generated content may be incorrect.">
             <a:extLst>
               <a:ext uri="{FF2B5EF4-FFF2-40B4-BE49-F238E27FC236}">
-                <a16:creationId xmlns:a16="http://schemas.microsoft.com/office/drawing/2014/main" id="{265B0D56-1D2F-C6E8-4754-96DAB3F1A3E7}"/>
+                <a16:creationId xmlns:a16="http://schemas.microsoft.com/office/drawing/2014/main" id="{9E1DDE27-3C14-BCA1-3A99-17AFF9630F18}"/>
               </a:ext>
             </a:extLst>
           </p:cNvPr>
@@ -8310,7 +6682,7 @@
           <p:nvPr/>
         </p:nvPicPr>
         <p:blipFill>
-          <a:blip r:embed="rId2">
+          <a:blip r:embed="rId2" cstate="print">
             <a:extLst>
               <a:ext uri="{28A0092B-C50C-407E-A947-70E740481C1C}">
                 <a14:useLocalDpi xmlns:a14="http://schemas.microsoft.com/office/drawing/2010/main" val="0"/>
@@ -8323,8 +6695,8 @@
         </p:blipFill>
         <p:spPr>
           <a:xfrm>
-            <a:off x="909836" y="0"/>
-            <a:ext cx="5349240" cy="6858000"/>
+            <a:off x="621804" y="260648"/>
+            <a:ext cx="4942775" cy="6336704"/>
           </a:xfrm>
           <a:prstGeom prst="rect">
             <a:avLst/>
@@ -8341,13 +6713,13 @@
   <p:clrMapOvr>
     <a:masterClrMapping/>
   </p:clrMapOvr>
-  <mc:AlternateContent xmlns:mc="http://schemas.openxmlformats.org/markup-compatibility/2006">
-    <mc:Choice xmlns:p14="http://schemas.microsoft.com/office/powerpoint/2010/main" Requires="p14">
+  <mc:AlternateContent xmlns:mc="http://schemas.openxmlformats.org/markup-compatibility/2006" xmlns:p14="http://schemas.microsoft.com/office/powerpoint/2010/main">
+    <mc:Choice Requires="p14">
       <p:transition spd="med" p14:dur="700">
         <p:fade/>
       </p:transition>
     </mc:Choice>
-    <mc:Fallback>
+    <mc:Fallback xmlns="">
       <p:transition spd="med">
         <p:fade/>
       </p:transition>
@@ -8403,8 +6775,8 @@
         </p:nvSpPr>
         <p:spPr>
           <a:xfrm>
-            <a:off x="6166420" y="1196752"/>
-            <a:ext cx="8496944" cy="5262979"/>
+            <a:off x="5518348" y="980728"/>
+            <a:ext cx="6480720" cy="3724096"/>
           </a:xfrm>
           <a:prstGeom prst="rect">
             <a:avLst/>
@@ -8418,28 +6790,15 @@
           <a:lstStyle/>
           <a:p>
             <a:r>
-              <a:rPr lang="en-US" sz="1800" b="1" dirty="0">
-                <a:solidFill>
-                  <a:schemeClr val="accent3">
-                    <a:lumMod val="75000"/>
-                  </a:schemeClr>
-                </a:solidFill>
-                <a:latin typeface="Aptos Light" panose="020B0004020202020204" pitchFamily="34" charset="0"/>
-              </a:rPr>
-              <a:t>Order Processing Orchestration</a:t>
-            </a:r>
-          </a:p>
-          <a:p>
-            <a:r>
-              <a:rPr lang="en-US" sz="1600" b="1" dirty="0">
+              <a:rPr lang="en-US" sz="2000" b="1">
                 <a:solidFill>
                   <a:srgbClr val="5F6F0F"/>
                 </a:solidFill>
                 <a:latin typeface="Aptos Light" panose="020B0004020202020204" pitchFamily="34" charset="0"/>
               </a:rPr>
-              <a:t>Sequential Steps:</a:t>
-            </a:r>
-            <a:endParaRPr lang="en-US" sz="1600" dirty="0">
+              <a:t>Microsoft Sentinel SIEM/SOAR Integration:</a:t>
+            </a:r>
+            <a:endParaRPr lang="en-US" sz="2000">
               <a:solidFill>
                 <a:srgbClr val="5F6F0F"/>
               </a:solidFill>
@@ -8447,452 +6806,282 @@
             </a:endParaRPr>
           </a:p>
           <a:p>
-            <a:pPr marL="342900" indent="-342900">
-              <a:buFont typeface="+mj-lt"/>
-              <a:buAutoNum type="arabicPeriod"/>
+            <a:pPr marL="285750" indent="-285750">
+              <a:buFont typeface="Arial" panose="020B0604020202020204" pitchFamily="34" charset="0"/>
+              <a:buChar char="•"/>
             </a:pPr>
             <a:r>
-              <a:rPr lang="en-US" sz="1600" b="1" dirty="0">
-                <a:solidFill>
-                  <a:schemeClr val="accent6">
-                    <a:lumMod val="50000"/>
-                  </a:schemeClr>
-                </a:solidFill>
-                <a:latin typeface="Aptos Light" panose="020B0004020202020204" pitchFamily="34" charset="0"/>
-              </a:rPr>
-              <a:t>Validate Order</a:t>
-            </a:r>
-            <a:r>
-              <a:rPr lang="en-US" sz="1600" dirty="0">
-                <a:solidFill>
-                  <a:schemeClr val="accent6">
-                    <a:lumMod val="50000"/>
-                  </a:schemeClr>
-                </a:solidFill>
-                <a:latin typeface="Aptos Light" panose="020B0004020202020204" pitchFamily="34" charset="0"/>
-              </a:rPr>
-              <a:t> - Check inventory, customer details</a:t>
-            </a:r>
-          </a:p>
-          <a:p>
-            <a:pPr marL="342900" indent="-342900">
-              <a:buFont typeface="+mj-lt"/>
-              <a:buAutoNum type="arabicPeriod"/>
+              <a:rPr lang="en-US" sz="1600" b="1">
+                <a:solidFill>
+                  <a:schemeClr val="accent6">
+                    <a:lumMod val="50000"/>
+                  </a:schemeClr>
+                </a:solidFill>
+                <a:latin typeface="Aptos Light" panose="020B0004020202020204" pitchFamily="34" charset="0"/>
+              </a:rPr>
+              <a:t>ML-Powered Detection:</a:t>
+            </a:r>
+            <a:r>
+              <a:rPr lang="en-US" sz="1600">
+                <a:solidFill>
+                  <a:schemeClr val="accent6">
+                    <a:lumMod val="50000"/>
+                  </a:schemeClr>
+                </a:solidFill>
+                <a:latin typeface="Aptos Light" panose="020B0004020202020204" pitchFamily="34" charset="0"/>
+              </a:rPr>
+              <a:t> Behavioral analytics and anomaly detection</a:t>
+            </a:r>
+          </a:p>
+          <a:p>
+            <a:pPr marL="285750" indent="-285750">
+              <a:buFont typeface="Arial" panose="020B0604020202020204" pitchFamily="34" charset="0"/>
+              <a:buChar char="•"/>
             </a:pPr>
             <a:r>
-              <a:rPr lang="en-US" sz="1600" b="1" dirty="0">
-                <a:solidFill>
-                  <a:schemeClr val="accent6">
-                    <a:lumMod val="50000"/>
-                  </a:schemeClr>
-                </a:solidFill>
-                <a:latin typeface="Aptos Light" panose="020B0004020202020204" pitchFamily="34" charset="0"/>
-              </a:rPr>
-              <a:t>Process Payment</a:t>
-            </a:r>
-            <a:r>
-              <a:rPr lang="en-US" sz="1600" dirty="0">
-                <a:solidFill>
-                  <a:schemeClr val="accent6">
-                    <a:lumMod val="50000"/>
-                  </a:schemeClr>
-                </a:solidFill>
-                <a:latin typeface="Aptos Light" panose="020B0004020202020204" pitchFamily="34" charset="0"/>
-              </a:rPr>
-              <a:t> - Handle payment processing</a:t>
-            </a:r>
-          </a:p>
-          <a:p>
-            <a:pPr marL="342900" indent="-342900">
-              <a:buFont typeface="+mj-lt"/>
-              <a:buAutoNum type="arabicPeriod"/>
+              <a:rPr lang="en-US" sz="1600" b="1">
+                <a:solidFill>
+                  <a:schemeClr val="accent6">
+                    <a:lumMod val="50000"/>
+                  </a:schemeClr>
+                </a:solidFill>
+                <a:latin typeface="Aptos Light" panose="020B0004020202020204" pitchFamily="34" charset="0"/>
+              </a:rPr>
+              <a:t>KQL Analytics:</a:t>
+            </a:r>
+            <a:r>
+              <a:rPr lang="en-US" sz="1600">
+                <a:solidFill>
+                  <a:schemeClr val="accent6">
+                    <a:lumMod val="50000"/>
+                  </a:schemeClr>
+                </a:solidFill>
+                <a:latin typeface="Aptos Light" panose="020B0004020202020204" pitchFamily="34" charset="0"/>
+              </a:rPr>
+              <a:t> Custom queries for threat hunting and investigation</a:t>
+            </a:r>
+          </a:p>
+          <a:p>
+            <a:pPr marL="285750" indent="-285750">
+              <a:buFont typeface="Arial" panose="020B0604020202020204" pitchFamily="34" charset="0"/>
+              <a:buChar char="•"/>
             </a:pPr>
             <a:r>
-              <a:rPr lang="en-US" sz="1600" b="1" dirty="0">
-                <a:solidFill>
-                  <a:schemeClr val="accent6">
-                    <a:lumMod val="50000"/>
-                  </a:schemeClr>
-                </a:solidFill>
-                <a:latin typeface="Aptos Light" panose="020B0004020202020204" pitchFamily="34" charset="0"/>
-              </a:rPr>
-              <a:t>Generate AI Content</a:t>
-            </a:r>
-            <a:r>
-              <a:rPr lang="en-US" sz="1600" dirty="0">
-                <a:solidFill>
-                  <a:schemeClr val="accent6">
-                    <a:lumMod val="50000"/>
-                  </a:schemeClr>
-                </a:solidFill>
-                <a:latin typeface="Aptos Light" panose="020B0004020202020204" pitchFamily="34" charset="0"/>
-              </a:rPr>
-              <a:t> - Create product descriptions (if needed)</a:t>
-            </a:r>
-          </a:p>
-          <a:p>
-            <a:pPr marL="342900" indent="-342900">
-              <a:buFont typeface="+mj-lt"/>
-              <a:buAutoNum type="arabicPeriod"/>
+              <a:rPr lang="en-US" sz="1600" b="1">
+                <a:solidFill>
+                  <a:schemeClr val="accent6">
+                    <a:lumMod val="50000"/>
+                  </a:schemeClr>
+                </a:solidFill>
+                <a:latin typeface="Aptos Light" panose="020B0004020202020204" pitchFamily="34" charset="0"/>
+              </a:rPr>
+              <a:t>Automated Playbooks:</a:t>
+            </a:r>
+            <a:r>
+              <a:rPr lang="en-US" sz="1600">
+                <a:solidFill>
+                  <a:schemeClr val="accent6">
+                    <a:lumMod val="50000"/>
+                  </a:schemeClr>
+                </a:solidFill>
+                <a:latin typeface="Aptos Light" panose="020B0004020202020204" pitchFamily="34" charset="0"/>
+              </a:rPr>
+              <a:t> Immediate response to confirmed threats</a:t>
+            </a:r>
+          </a:p>
+          <a:p>
+            <a:r>
+              <a:rPr lang="en-US" sz="2000" b="1">
+                <a:solidFill>
+                  <a:srgbClr val="5F6F0F"/>
+                </a:solidFill>
+                <a:latin typeface="Aptos Light" panose="020B0004020202020204" pitchFamily="34" charset="0"/>
+              </a:rPr>
+              <a:t>Alert Classification &amp; Response:</a:t>
+            </a:r>
+            <a:endParaRPr lang="en-US" sz="2000">
+              <a:solidFill>
+                <a:srgbClr val="5F6F0F"/>
+              </a:solidFill>
+              <a:latin typeface="Aptos Light" panose="020B0004020202020204" pitchFamily="34" charset="0"/>
+            </a:endParaRPr>
+          </a:p>
+          <a:p>
+            <a:pPr marL="285750" indent="-285750">
+              <a:buFont typeface="Arial" panose="020B0604020202020204" pitchFamily="34" charset="0"/>
+              <a:buChar char="•"/>
             </a:pPr>
             <a:r>
-              <a:rPr lang="en-US" sz="1600" b="1" dirty="0">
-                <a:solidFill>
-                  <a:schemeClr val="accent6">
-                    <a:lumMod val="50000"/>
-                  </a:schemeClr>
-                </a:solidFill>
-                <a:latin typeface="Aptos Light" panose="020B0004020202020204" pitchFamily="34" charset="0"/>
-              </a:rPr>
-              <a:t>Update Inventory</a:t>
-            </a:r>
-            <a:r>
-              <a:rPr lang="en-US" sz="1600" dirty="0">
-                <a:solidFill>
-                  <a:schemeClr val="accent6">
-                    <a:lumMod val="50000"/>
-                  </a:schemeClr>
-                </a:solidFill>
-                <a:latin typeface="Aptos Light" panose="020B0004020202020204" pitchFamily="34" charset="0"/>
-              </a:rPr>
-              <a:t> - Decrement stock levels</a:t>
-            </a:r>
-          </a:p>
-          <a:p>
-            <a:pPr marL="342900" indent="-342900">
-              <a:buFont typeface="+mj-lt"/>
-              <a:buAutoNum type="arabicPeriod"/>
+              <a:rPr lang="en-US" sz="1600" b="1">
+                <a:solidFill>
+                  <a:schemeClr val="accent6">
+                    <a:lumMod val="50000"/>
+                  </a:schemeClr>
+                </a:solidFill>
+                <a:latin typeface="Aptos Light" panose="020B0004020202020204" pitchFamily="34" charset="0"/>
+              </a:rPr>
+              <a:t>HIGH Priority:</a:t>
+            </a:r>
+            <a:r>
+              <a:rPr lang="en-US" sz="1600">
+                <a:solidFill>
+                  <a:schemeClr val="accent6">
+                    <a:lumMod val="50000"/>
+                  </a:schemeClr>
+                </a:solidFill>
+                <a:latin typeface="Aptos Light" panose="020B0004020202020204" pitchFamily="34" charset="0"/>
+              </a:rPr>
+              <a:t> Immediate automated response (IP blocking, account suspension)</a:t>
+            </a:r>
+          </a:p>
+          <a:p>
+            <a:pPr marL="285750" indent="-285750">
+              <a:buFont typeface="Arial" panose="020B0604020202020204" pitchFamily="34" charset="0"/>
+              <a:buChar char="•"/>
             </a:pPr>
             <a:r>
-              <a:rPr lang="en-US" sz="1600" b="1" dirty="0">
-                <a:solidFill>
-                  <a:schemeClr val="accent6">
-                    <a:lumMod val="50000"/>
-                  </a:schemeClr>
-                </a:solidFill>
-                <a:latin typeface="Aptos Light" panose="020B0004020202020204" pitchFamily="34" charset="0"/>
-              </a:rPr>
-              <a:t>Send Notifications</a:t>
-            </a:r>
-            <a:r>
-              <a:rPr lang="en-US" sz="1600" dirty="0">
-                <a:solidFill>
-                  <a:schemeClr val="accent6">
-                    <a:lumMod val="50000"/>
-                  </a:schemeClr>
-                </a:solidFill>
-                <a:latin typeface="Aptos Light" panose="020B0004020202020204" pitchFamily="34" charset="0"/>
-              </a:rPr>
-              <a:t> - Confirm order to customer and staff</a:t>
-            </a:r>
-          </a:p>
-          <a:p>
-            <a:r>
-              <a:rPr lang="en-US" sz="1600" b="1" dirty="0">
+              <a:rPr lang="en-US" sz="1600" b="1">
+                <a:solidFill>
+                  <a:schemeClr val="accent6">
+                    <a:lumMod val="50000"/>
+                  </a:schemeClr>
+                </a:solidFill>
+                <a:latin typeface="Aptos Light" panose="020B0004020202020204" pitchFamily="34" charset="0"/>
+              </a:rPr>
+              <a:t>MEDIUM Priority:</a:t>
+            </a:r>
+            <a:r>
+              <a:rPr lang="en-US" sz="1600">
+                <a:solidFill>
+                  <a:schemeClr val="accent6">
+                    <a:lumMod val="50000"/>
+                  </a:schemeClr>
+                </a:solidFill>
+                <a:latin typeface="Aptos Light" panose="020B0004020202020204" pitchFamily="34" charset="0"/>
+              </a:rPr>
+              <a:t> Security team notification within 1 hour</a:t>
+            </a:r>
+          </a:p>
+          <a:p>
+            <a:pPr marL="285750" indent="-285750">
+              <a:buFont typeface="Arial" panose="020B0604020202020204" pitchFamily="34" charset="0"/>
+              <a:buChar char="•"/>
+            </a:pPr>
+            <a:r>
+              <a:rPr lang="en-US" sz="1600" b="1">
+                <a:solidFill>
+                  <a:schemeClr val="accent6">
+                    <a:lumMod val="50000"/>
+                  </a:schemeClr>
+                </a:solidFill>
+                <a:latin typeface="Aptos Light" panose="020B0004020202020204" pitchFamily="34" charset="0"/>
+              </a:rPr>
+              <a:t>LOW Priority:</a:t>
+            </a:r>
+            <a:r>
+              <a:rPr lang="en-US" sz="1600">
+                <a:solidFill>
+                  <a:schemeClr val="accent6">
+                    <a:lumMod val="50000"/>
+                  </a:schemeClr>
+                </a:solidFill>
+                <a:latin typeface="Aptos Light" panose="020B0004020202020204" pitchFamily="34" charset="0"/>
+              </a:rPr>
+              <a:t> Daily review and trend analysis</a:t>
+            </a:r>
+          </a:p>
+          <a:p>
+            <a:r>
+              <a:rPr lang="en-US" sz="2000" b="1">
                 <a:solidFill>
                   <a:srgbClr val="5F6F0F"/>
                 </a:solidFill>
                 <a:latin typeface="Aptos Light" panose="020B0004020202020204" pitchFamily="34" charset="0"/>
               </a:rPr>
-              <a:t>Key Advantages of Orchestration</a:t>
-            </a:r>
-          </a:p>
-          <a:p>
-            <a:pPr marL="342900" indent="-342900">
-              <a:buFont typeface="+mj-lt"/>
-              <a:buAutoNum type="arabicPeriod"/>
+              <a:t>Example Detection Rules:</a:t>
+            </a:r>
+            <a:endParaRPr lang="en-US" sz="2000">
+              <a:solidFill>
+                <a:srgbClr val="5F6F0F"/>
+              </a:solidFill>
+              <a:latin typeface="Aptos Light" panose="020B0004020202020204" pitchFamily="34" charset="0"/>
+            </a:endParaRPr>
+          </a:p>
+          <a:p>
+            <a:pPr marL="285750" indent="-285750">
+              <a:buFont typeface="Arial" panose="020B0604020202020204" pitchFamily="34" charset="0"/>
+              <a:buChar char="•"/>
             </a:pPr>
             <a:r>
-              <a:rPr lang="en-US" sz="1600" b="1" dirty="0">
-                <a:solidFill>
-                  <a:schemeClr val="accent6">
-                    <a:lumMod val="50000"/>
-                  </a:schemeClr>
-                </a:solidFill>
-                <a:latin typeface="Aptos Light" panose="020B0004020202020204" pitchFamily="34" charset="0"/>
-              </a:rPr>
-              <a:t>Reliability</a:t>
-            </a:r>
-            <a:r>
-              <a:rPr lang="en-US" sz="1600" dirty="0">
-                <a:solidFill>
-                  <a:schemeClr val="accent6">
-                    <a:lumMod val="50000"/>
-                  </a:schemeClr>
-                </a:solidFill>
-                <a:latin typeface="Aptos Light" panose="020B0004020202020204" pitchFamily="34" charset="0"/>
-              </a:rPr>
-              <a:t> - Each step can retry independently</a:t>
-            </a:r>
-          </a:p>
-          <a:p>
-            <a:pPr marL="342900" indent="-342900">
-              <a:buFont typeface="+mj-lt"/>
-              <a:buAutoNum type="arabicPeriod"/>
+              <a:rPr lang="en-US" sz="1600">
+                <a:solidFill>
+                  <a:schemeClr val="accent6">
+                    <a:lumMod val="50000"/>
+                  </a:schemeClr>
+                </a:solidFill>
+                <a:latin typeface="Aptos Light" panose="020B0004020202020204" pitchFamily="34" charset="0"/>
+              </a:rPr>
+              <a:t>5+ failed authentication attempts from single IP within 5 minutes</a:t>
+            </a:r>
+          </a:p>
+          <a:p>
+            <a:pPr marL="285750" indent="-285750">
+              <a:buFont typeface="Arial" panose="020B0604020202020204" pitchFamily="34" charset="0"/>
+              <a:buChar char="•"/>
             </a:pPr>
             <a:r>
-              <a:rPr lang="en-US" sz="1600" b="1" dirty="0">
-                <a:solidFill>
-                  <a:schemeClr val="accent6">
-                    <a:lumMod val="50000"/>
-                  </a:schemeClr>
-                </a:solidFill>
-                <a:latin typeface="Aptos Light" panose="020B0004020202020204" pitchFamily="34" charset="0"/>
-              </a:rPr>
-              <a:t>Visibility</a:t>
-            </a:r>
-            <a:r>
-              <a:rPr lang="en-US" sz="1600" dirty="0">
-                <a:solidFill>
-                  <a:schemeClr val="accent6">
-                    <a:lumMod val="50000"/>
-                  </a:schemeClr>
-                </a:solidFill>
-                <a:latin typeface="Aptos Light" panose="020B0004020202020204" pitchFamily="34" charset="0"/>
-              </a:rPr>
-              <a:t> - Track progress of each order through pipeline</a:t>
-            </a:r>
-          </a:p>
-          <a:p>
-            <a:pPr marL="342900" indent="-342900">
-              <a:buFont typeface="+mj-lt"/>
-              <a:buAutoNum type="arabicPeriod"/>
+              <a:rPr lang="en-US" sz="1600">
+                <a:solidFill>
+                  <a:schemeClr val="accent6">
+                    <a:lumMod val="50000"/>
+                  </a:schemeClr>
+                </a:solidFill>
+                <a:latin typeface="Aptos Light" panose="020B0004020202020204" pitchFamily="34" charset="0"/>
+              </a:rPr>
+              <a:t>Administrative privilege elevation outside business hours</a:t>
+            </a:r>
+          </a:p>
+          <a:p>
+            <a:pPr marL="285750" indent="-285750">
+              <a:buFont typeface="Arial" panose="020B0604020202020204" pitchFamily="34" charset="0"/>
+              <a:buChar char="•"/>
             </a:pPr>
             <a:r>
-              <a:rPr lang="en-US" sz="1600" b="1" dirty="0">
-                <a:solidFill>
-                  <a:schemeClr val="accent6">
-                    <a:lumMod val="50000"/>
-                  </a:schemeClr>
-                </a:solidFill>
-                <a:latin typeface="Aptos Light" panose="020B0004020202020204" pitchFamily="34" charset="0"/>
-              </a:rPr>
-              <a:t>Scalability</a:t>
-            </a:r>
-            <a:r>
-              <a:rPr lang="en-US" sz="1600" dirty="0">
-                <a:solidFill>
-                  <a:schemeClr val="accent6">
-                    <a:lumMod val="50000"/>
-                  </a:schemeClr>
-                </a:solidFill>
-                <a:latin typeface="Aptos Light" panose="020B0004020202020204" pitchFamily="34" charset="0"/>
-              </a:rPr>
-              <a:t> - Each step scales based on its own demands</a:t>
-            </a:r>
-          </a:p>
-          <a:p>
-            <a:pPr marL="342900" indent="-342900">
-              <a:buFont typeface="+mj-lt"/>
-              <a:buAutoNum type="arabicPeriod"/>
+              <a:rPr lang="en-US" sz="1600">
+                <a:solidFill>
+                  <a:schemeClr val="accent6">
+                    <a:lumMod val="50000"/>
+                  </a:schemeClr>
+                </a:solidFill>
+                <a:latin typeface="Aptos Light" panose="020B0004020202020204" pitchFamily="34" charset="0"/>
+              </a:rPr>
+              <a:t>Data access patterns indicating potential exfiltration</a:t>
+            </a:r>
+          </a:p>
+          <a:p>
+            <a:pPr marL="285750" indent="-285750">
+              <a:buFont typeface="Arial" panose="020B0604020202020204" pitchFamily="34" charset="0"/>
+              <a:buChar char="•"/>
             </a:pPr>
             <a:r>
-              <a:rPr lang="en-US" sz="1600" b="1" dirty="0">
-                <a:solidFill>
-                  <a:schemeClr val="accent6">
-                    <a:lumMod val="50000"/>
-                  </a:schemeClr>
-                </a:solidFill>
-                <a:latin typeface="Aptos Light" panose="020B0004020202020204" pitchFamily="34" charset="0"/>
-              </a:rPr>
-              <a:t>Maintainability</a:t>
-            </a:r>
-            <a:r>
-              <a:rPr lang="en-US" sz="1600" dirty="0">
-                <a:solidFill>
-                  <a:schemeClr val="accent6">
-                    <a:lumMod val="50000"/>
-                  </a:schemeClr>
-                </a:solidFill>
-                <a:latin typeface="Aptos Light" panose="020B0004020202020204" pitchFamily="34" charset="0"/>
-              </a:rPr>
-              <a:t> - Clear separation of business logic</a:t>
-            </a:r>
-          </a:p>
-          <a:p>
-            <a:r>
-              <a:rPr lang="en-US" sz="1600" b="1" dirty="0">
-                <a:solidFill>
-                  <a:srgbClr val="5F6F0F"/>
-                </a:solidFill>
-                <a:latin typeface="Aptos Light" panose="020B0004020202020204" pitchFamily="34" charset="0"/>
-              </a:rPr>
-              <a:t>Error Handling Strategy</a:t>
-            </a:r>
-          </a:p>
-          <a:p>
-            <a:pPr marL="342900" indent="-342900">
-              <a:buFont typeface="+mj-lt"/>
-              <a:buAutoNum type="arabicPeriod"/>
-            </a:pPr>
-            <a:r>
-              <a:rPr lang="en-US" sz="1600" b="1" dirty="0">
-                <a:solidFill>
-                  <a:schemeClr val="accent6">
-                    <a:lumMod val="50000"/>
-                  </a:schemeClr>
-                </a:solidFill>
-                <a:latin typeface="Aptos Light" panose="020B0004020202020204" pitchFamily="34" charset="0"/>
-              </a:rPr>
-              <a:t>Automatic Retries</a:t>
-            </a:r>
-            <a:r>
-              <a:rPr lang="en-US" sz="1600" dirty="0">
-                <a:solidFill>
-                  <a:schemeClr val="accent6">
-                    <a:lumMod val="50000"/>
-                  </a:schemeClr>
-                </a:solidFill>
-                <a:latin typeface="Aptos Light" panose="020B0004020202020204" pitchFamily="34" charset="0"/>
-              </a:rPr>
-              <a:t> with exponential backoff</a:t>
-            </a:r>
-          </a:p>
-          <a:p>
-            <a:pPr marL="342900" indent="-342900">
-              <a:buFont typeface="+mj-lt"/>
-              <a:buAutoNum type="arabicPeriod"/>
-            </a:pPr>
-            <a:r>
-              <a:rPr lang="en-US" sz="1600" b="1" dirty="0">
-                <a:solidFill>
-                  <a:schemeClr val="accent6">
-                    <a:lumMod val="50000"/>
-                  </a:schemeClr>
-                </a:solidFill>
-                <a:latin typeface="Aptos Light" panose="020B0004020202020204" pitchFamily="34" charset="0"/>
-              </a:rPr>
-              <a:t>Compensation Actions</a:t>
-            </a:r>
-            <a:r>
-              <a:rPr lang="en-US" sz="1600" dirty="0">
-                <a:solidFill>
-                  <a:schemeClr val="accent6">
-                    <a:lumMod val="50000"/>
-                  </a:schemeClr>
-                </a:solidFill>
-                <a:latin typeface="Aptos Light" panose="020B0004020202020204" pitchFamily="34" charset="0"/>
-              </a:rPr>
-              <a:t> to rollback on failures</a:t>
-            </a:r>
-          </a:p>
-          <a:p>
-            <a:pPr marL="342900" indent="-342900">
-              <a:buFont typeface="+mj-lt"/>
-              <a:buAutoNum type="arabicPeriod"/>
-            </a:pPr>
-            <a:r>
-              <a:rPr lang="en-US" sz="1600" b="1" dirty="0">
-                <a:solidFill>
-                  <a:schemeClr val="accent6">
-                    <a:lumMod val="50000"/>
-                  </a:schemeClr>
-                </a:solidFill>
-                <a:latin typeface="Aptos Light" panose="020B0004020202020204" pitchFamily="34" charset="0"/>
-              </a:rPr>
-              <a:t>Dead Letter Queues</a:t>
-            </a:r>
-            <a:r>
-              <a:rPr lang="en-US" sz="1600" dirty="0">
-                <a:solidFill>
-                  <a:schemeClr val="accent6">
-                    <a:lumMod val="50000"/>
-                  </a:schemeClr>
-                </a:solidFill>
-                <a:latin typeface="Aptos Light" panose="020B0004020202020204" pitchFamily="34" charset="0"/>
-              </a:rPr>
-              <a:t> for manual intervention</a:t>
-            </a:r>
-          </a:p>
-          <a:p>
-            <a:pPr marL="342900" indent="-342900">
-              <a:buFont typeface="+mj-lt"/>
-              <a:buAutoNum type="arabicPeriod"/>
-            </a:pPr>
-            <a:r>
-              <a:rPr lang="en-US" sz="1600" b="1" dirty="0">
-                <a:solidFill>
-                  <a:schemeClr val="accent6">
-                    <a:lumMod val="50000"/>
-                  </a:schemeClr>
-                </a:solidFill>
-                <a:latin typeface="Aptos Light" panose="020B0004020202020204" pitchFamily="34" charset="0"/>
-              </a:rPr>
-              <a:t>Monitoring Alerts</a:t>
-            </a:r>
-            <a:r>
-              <a:rPr lang="en-US" sz="1600" dirty="0">
-                <a:solidFill>
-                  <a:schemeClr val="accent6">
-                    <a:lumMod val="50000"/>
-                  </a:schemeClr>
-                </a:solidFill>
-                <a:latin typeface="Aptos Light" panose="020B0004020202020204" pitchFamily="34" charset="0"/>
-              </a:rPr>
-              <a:t> for failed workflows</a:t>
-            </a:r>
-          </a:p>
-          <a:p>
-            <a:r>
-              <a:rPr lang="en-US" sz="1600" b="1" dirty="0">
-                <a:solidFill>
-                  <a:srgbClr val="5F6F0F"/>
-                </a:solidFill>
-                <a:latin typeface="Aptos Light" panose="020B0004020202020204" pitchFamily="34" charset="0"/>
-              </a:rPr>
-              <a:t>Fan-out/Fan-in Pattern for Bulk Operations</a:t>
-            </a:r>
-          </a:p>
-          <a:p>
-            <a:pPr marL="342900" indent="-342900">
-              <a:buFont typeface="+mj-lt"/>
-              <a:buAutoNum type="arabicPeriod"/>
-            </a:pPr>
-            <a:r>
-              <a:rPr lang="en-US" sz="1600" dirty="0">
-                <a:solidFill>
-                  <a:schemeClr val="accent6">
-                    <a:lumMod val="50000"/>
-                  </a:schemeClr>
-                </a:solidFill>
-                <a:latin typeface="Aptos Light" panose="020B0004020202020204" pitchFamily="34" charset="0"/>
-              </a:rPr>
-              <a:t>Process multiple orders simultaneously during peak times</a:t>
-            </a:r>
-          </a:p>
-          <a:p>
-            <a:pPr marL="342900" indent="-342900">
-              <a:buFont typeface="+mj-lt"/>
-              <a:buAutoNum type="arabicPeriod"/>
-            </a:pPr>
-            <a:r>
-              <a:rPr lang="en-US" sz="1600" dirty="0">
-                <a:solidFill>
-                  <a:schemeClr val="accent6">
-                    <a:lumMod val="50000"/>
-                  </a:schemeClr>
-                </a:solidFill>
-                <a:latin typeface="Aptos Light" panose="020B0004020202020204" pitchFamily="34" charset="0"/>
-              </a:rPr>
-              <a:t>Generate AI content for multiple products in parallel</a:t>
-            </a:r>
-          </a:p>
-          <a:p>
-            <a:pPr marL="342900" indent="-342900">
-              <a:buFont typeface="+mj-lt"/>
-              <a:buAutoNum type="arabicPeriod"/>
-            </a:pPr>
-            <a:r>
-              <a:rPr lang="en-US" sz="1600" dirty="0">
-                <a:solidFill>
-                  <a:schemeClr val="accent6">
-                    <a:lumMod val="50000"/>
-                  </a:schemeClr>
-                </a:solidFill>
-                <a:latin typeface="Aptos Light" panose="020B0004020202020204" pitchFamily="34" charset="0"/>
-              </a:rPr>
-              <a:t>Aggregate results for reporting and analytics</a:t>
-            </a:r>
+              <a:rPr lang="en-US" sz="1600">
+                <a:solidFill>
+                  <a:schemeClr val="accent6">
+                    <a:lumMod val="50000"/>
+                  </a:schemeClr>
+                </a:solidFill>
+                <a:latin typeface="Aptos Light" panose="020B0004020202020204" pitchFamily="34" charset="0"/>
+              </a:rPr>
+              <a:t>Geographic anomalies in user authentication patterns</a:t>
+            </a:r>
+            <a:endParaRPr lang="en-US" sz="1600" dirty="0">
+              <a:solidFill>
+                <a:schemeClr val="accent6">
+                  <a:lumMod val="50000"/>
+                </a:schemeClr>
+              </a:solidFill>
+              <a:latin typeface="Aptos Light" panose="020B0004020202020204" pitchFamily="34" charset="0"/>
+            </a:endParaRPr>
           </a:p>
         </p:txBody>
       </p:sp>
@@ -8925,7 +7114,7 @@
           <a:lstStyle/>
           <a:p>
             <a:r>
-              <a:rPr lang="en-US" sz="2000" b="1" dirty="0">
+              <a:rPr lang="en-US" sz="2000" b="1">
                 <a:solidFill>
                   <a:schemeClr val="accent6">
                     <a:lumMod val="75000"/>
@@ -8933,7 +7122,7 @@
                 </a:solidFill>
                 <a:latin typeface="Aptos Light" panose="020F0502020204030204" pitchFamily="34" charset="0"/>
               </a:rPr>
-              <a:t>Durable Functions for Complex Workflows</a:t>
+              <a:t>THREAT DETECTION IN AUDIT LOGS</a:t>
             </a:r>
             <a:endParaRPr lang="en-US" sz="2000" dirty="0"/>
           </a:p>
@@ -8941,10 +7130,10 @@
       </p:sp>
       <p:pic>
         <p:nvPicPr>
-          <p:cNvPr id="4" name="Picture 3" descr="A screenshot of a computer&#10;&#10;AI-generated content may be incorrect.">
+          <p:cNvPr id="5" name="Picture 4" descr="A diagram of a system&#10;&#10;AI-generated content may be incorrect.">
             <a:extLst>
               <a:ext uri="{FF2B5EF4-FFF2-40B4-BE49-F238E27FC236}">
-                <a16:creationId xmlns:a16="http://schemas.microsoft.com/office/drawing/2014/main" id="{DEE6D80E-0007-0C5F-A026-A9BC4CCB2E73}"/>
+                <a16:creationId xmlns:a16="http://schemas.microsoft.com/office/drawing/2014/main" id="{239F9E62-F2DE-D574-2E6C-50D42C9430D5}"/>
               </a:ext>
             </a:extLst>
           </p:cNvPr>
@@ -8954,7 +7143,7 @@
           <p:nvPr/>
         </p:nvPicPr>
         <p:blipFill>
-          <a:blip r:embed="rId2">
+          <a:blip r:embed="rId2" cstate="print">
             <a:extLst>
               <a:ext uri="{28A0092B-C50C-407E-A947-70E740481C1C}">
                 <a14:useLocalDpi xmlns:a14="http://schemas.microsoft.com/office/drawing/2010/main" val="0"/>
@@ -8967,8 +7156,8 @@
         </p:blipFill>
         <p:spPr>
           <a:xfrm>
-            <a:off x="0" y="6734"/>
-            <a:ext cx="6106928" cy="6858000"/>
+            <a:off x="261764" y="116632"/>
+            <a:ext cx="5112568" cy="6649008"/>
           </a:xfrm>
           <a:prstGeom prst="rect">
             <a:avLst/>
@@ -8985,13 +7174,13 @@
   <p:clrMapOvr>
     <a:masterClrMapping/>
   </p:clrMapOvr>
-  <mc:AlternateContent xmlns:mc="http://schemas.openxmlformats.org/markup-compatibility/2006">
-    <mc:Choice xmlns:p14="http://schemas.microsoft.com/office/powerpoint/2010/main" Requires="p14">
+  <mc:AlternateContent xmlns:mc="http://schemas.openxmlformats.org/markup-compatibility/2006" xmlns:p14="http://schemas.microsoft.com/office/powerpoint/2010/main">
+    <mc:Choice Requires="p14">
       <p:transition spd="med" p14:dur="700">
         <p:fade/>
       </p:transition>
     </mc:Choice>
-    <mc:Fallback>
+    <mc:Fallback xmlns="">
       <p:transition spd="med">
         <p:fade/>
       </p:transition>
@@ -9035,241 +7224,6 @@
       </p:grpSpPr>
       <p:sp>
         <p:nvSpPr>
-          <p:cNvPr id="7" name="TextBox 6">
-            <a:extLst>
-              <a:ext uri="{FF2B5EF4-FFF2-40B4-BE49-F238E27FC236}">
-                <a16:creationId xmlns:a16="http://schemas.microsoft.com/office/drawing/2014/main" id="{3F68953D-0AED-06BF-9B5D-5FB8F297A57D}"/>
-              </a:ext>
-            </a:extLst>
-          </p:cNvPr>
-          <p:cNvSpPr txBox="1"/>
-          <p:nvPr/>
-        </p:nvSpPr>
-        <p:spPr>
-          <a:xfrm>
-            <a:off x="909836" y="1412776"/>
-            <a:ext cx="5184576" cy="2769989"/>
-          </a:xfrm>
-          <a:prstGeom prst="rect">
-            <a:avLst/>
-          </a:prstGeom>
-          <a:noFill/>
-        </p:spPr>
-        <p:txBody>
-          <a:bodyPr wrap="square">
-            <a:spAutoFit/>
-          </a:bodyPr>
-          <a:lstStyle/>
-          <a:p>
-            <a:r>
-              <a:rPr lang="en-US" b="1" dirty="0">
-                <a:solidFill>
-                  <a:srgbClr val="7030A0"/>
-                </a:solidFill>
-              </a:rPr>
-              <a:t>Challenge: AI Content Generation</a:t>
-            </a:r>
-          </a:p>
-          <a:p>
-            <a:r>
-              <a:rPr lang="en-US" sz="1800" b="1" dirty="0">
-                <a:solidFill>
-                  <a:srgbClr val="5F6F0F"/>
-                </a:solidFill>
-              </a:rPr>
-              <a:t>Current Problem:</a:t>
-            </a:r>
-            <a:endParaRPr lang="en-US" sz="1800" dirty="0">
-              <a:solidFill>
-                <a:srgbClr val="5F6F0F"/>
-              </a:solidFill>
-            </a:endParaRPr>
-          </a:p>
-          <a:p>
-            <a:pPr marL="285750" indent="-285750">
-              <a:buFont typeface="Arial" panose="020B0604020202020204" pitchFamily="34" charset="0"/>
-              <a:buChar char="•"/>
-            </a:pPr>
-            <a:r>
-              <a:rPr lang="en-US" sz="1400" dirty="0">
-                <a:solidFill>
-                  <a:schemeClr val="accent6">
-                    <a:lumMod val="50000"/>
-                  </a:schemeClr>
-                </a:solidFill>
-              </a:rPr>
-              <a:t>OpenAI API calls can take 30+ seconds</a:t>
-            </a:r>
-          </a:p>
-          <a:p>
-            <a:pPr marL="285750" indent="-285750">
-              <a:buFont typeface="Arial" panose="020B0604020202020204" pitchFamily="34" charset="0"/>
-              <a:buChar char="•"/>
-            </a:pPr>
-            <a:r>
-              <a:rPr lang="en-US" sz="1400" dirty="0">
-                <a:solidFill>
-                  <a:schemeClr val="accent6">
-                    <a:lumMod val="50000"/>
-                  </a:schemeClr>
-                </a:solidFill>
-              </a:rPr>
-              <a:t>Blocking other operations</a:t>
-            </a:r>
-          </a:p>
-          <a:p>
-            <a:pPr marL="285750" indent="-285750">
-              <a:buFont typeface="Arial" panose="020B0604020202020204" pitchFamily="34" charset="0"/>
-              <a:buChar char="•"/>
-            </a:pPr>
-            <a:r>
-              <a:rPr lang="en-US" sz="1400" dirty="0">
-                <a:solidFill>
-                  <a:schemeClr val="accent6">
-                    <a:lumMod val="50000"/>
-                  </a:schemeClr>
-                </a:solidFill>
-              </a:rPr>
-              <a:t>Risk of timeouts and lost requests</a:t>
-            </a:r>
-          </a:p>
-          <a:p>
-            <a:r>
-              <a:rPr lang="en-US" sz="1800" b="1" dirty="0">
-                <a:solidFill>
-                  <a:srgbClr val="5F6F0F"/>
-                </a:solidFill>
-              </a:rPr>
-              <a:t>Serverless Solution:</a:t>
-            </a:r>
-            <a:endParaRPr lang="en-US" sz="1800" dirty="0">
-              <a:solidFill>
-                <a:srgbClr val="5F6F0F"/>
-              </a:solidFill>
-            </a:endParaRPr>
-          </a:p>
-          <a:p>
-            <a:pPr marL="285750" indent="-285750">
-              <a:buFont typeface="Arial" panose="020B0604020202020204" pitchFamily="34" charset="0"/>
-              <a:buChar char="•"/>
-            </a:pPr>
-            <a:r>
-              <a:rPr lang="en-US" sz="1400" b="1" dirty="0">
-                <a:solidFill>
-                  <a:schemeClr val="accent6">
-                    <a:lumMod val="50000"/>
-                  </a:schemeClr>
-                </a:solidFill>
-              </a:rPr>
-              <a:t>Asynchronous Processing</a:t>
-            </a:r>
-            <a:r>
-              <a:rPr lang="en-US" sz="1400" dirty="0">
-                <a:solidFill>
-                  <a:schemeClr val="accent6">
-                    <a:lumMod val="50000"/>
-                  </a:schemeClr>
-                </a:solidFill>
-              </a:rPr>
-              <a:t> - Decouple from user requests</a:t>
-            </a:r>
-          </a:p>
-          <a:p>
-            <a:pPr marL="285750" indent="-285750">
-              <a:buFont typeface="Arial" panose="020B0604020202020204" pitchFamily="34" charset="0"/>
-              <a:buChar char="•"/>
-            </a:pPr>
-            <a:r>
-              <a:rPr lang="en-US" sz="1400" b="1" dirty="0">
-                <a:solidFill>
-                  <a:schemeClr val="accent6">
-                    <a:lumMod val="50000"/>
-                  </a:schemeClr>
-                </a:solidFill>
-              </a:rPr>
-              <a:t>Durable Functions</a:t>
-            </a:r>
-            <a:r>
-              <a:rPr lang="en-US" sz="1400" dirty="0">
-                <a:solidFill>
-                  <a:schemeClr val="accent6">
-                    <a:lumMod val="50000"/>
-                  </a:schemeClr>
-                </a:solidFill>
-              </a:rPr>
-              <a:t> - Handle long-running operations reliably</a:t>
-            </a:r>
-          </a:p>
-          <a:p>
-            <a:pPr marL="285750" indent="-285750">
-              <a:buFont typeface="Arial" panose="020B0604020202020204" pitchFamily="34" charset="0"/>
-              <a:buChar char="•"/>
-            </a:pPr>
-            <a:r>
-              <a:rPr lang="en-US" sz="1400" b="1" dirty="0">
-                <a:solidFill>
-                  <a:schemeClr val="accent6">
-                    <a:lumMod val="50000"/>
-                  </a:schemeClr>
-                </a:solidFill>
-              </a:rPr>
-              <a:t>Progress Tracking</a:t>
-            </a:r>
-            <a:r>
-              <a:rPr lang="en-US" sz="1400" dirty="0">
-                <a:solidFill>
-                  <a:schemeClr val="accent6">
-                    <a:lumMod val="50000"/>
-                  </a:schemeClr>
-                </a:solidFill>
-              </a:rPr>
-              <a:t> - Monitor generation status</a:t>
-            </a:r>
-          </a:p>
-          <a:p>
-            <a:pPr marL="285750" indent="-285750">
-              <a:buFont typeface="Arial" panose="020B0604020202020204" pitchFamily="34" charset="0"/>
-              <a:buChar char="•"/>
-            </a:pPr>
-            <a:r>
-              <a:rPr lang="en-US" sz="1400" b="1" dirty="0">
-                <a:solidFill>
-                  <a:schemeClr val="accent6">
-                    <a:lumMod val="50000"/>
-                  </a:schemeClr>
-                </a:solidFill>
-              </a:rPr>
-              <a:t>Automatic Retries</a:t>
-            </a:r>
-            <a:r>
-              <a:rPr lang="en-US" sz="1400" dirty="0">
-                <a:solidFill>
-                  <a:schemeClr val="accent6">
-                    <a:lumMod val="50000"/>
-                  </a:schemeClr>
-                </a:solidFill>
-              </a:rPr>
-              <a:t> - Handle API rate limits and failures</a:t>
-            </a:r>
-          </a:p>
-          <a:p>
-            <a:pPr marL="342900" indent="-342900">
-              <a:buFont typeface="+mj-lt"/>
-              <a:buAutoNum type="arabicPeriod"/>
-            </a:pPr>
-            <a:endParaRPr lang="en-US" sz="1600" dirty="0">
-              <a:solidFill>
-                <a:schemeClr val="accent6">
-                  <a:lumMod val="50000"/>
-                </a:schemeClr>
-              </a:solidFill>
-              <a:latin typeface="Aptos Light" panose="020B0004020202020204" pitchFamily="34" charset="0"/>
-            </a:endParaRPr>
-          </a:p>
-        </p:txBody>
-      </p:sp>
-      <p:sp>
-        <p:nvSpPr>
           <p:cNvPr id="3" name="TextBox 2">
             <a:extLst>
               <a:ext uri="{FF2B5EF4-FFF2-40B4-BE49-F238E27FC236}">
@@ -9282,8 +7236,8 @@
         </p:nvSpPr>
         <p:spPr>
           <a:xfrm>
-            <a:off x="2205980" y="188640"/>
-            <a:ext cx="8712968" cy="707886"/>
+            <a:off x="5014292" y="188640"/>
+            <a:ext cx="6408712" cy="584775"/>
           </a:xfrm>
           <a:prstGeom prst="rect">
             <a:avLst/>
@@ -9297,7 +7251,7 @@
           <a:lstStyle/>
           <a:p>
             <a:r>
-              <a:rPr lang="en-US" sz="4000" b="1" dirty="0">
+              <a:rPr lang="en-US" sz="3200" b="1" dirty="0">
                 <a:solidFill>
                   <a:schemeClr val="accent6">
                     <a:lumMod val="75000"/>
@@ -9305,9 +7259,9 @@
                 </a:solidFill>
                 <a:latin typeface="Aptos Light" panose="020F0502020204030204" pitchFamily="34" charset="0"/>
               </a:rPr>
-              <a:t>Long-Running Process Management</a:t>
-            </a:r>
-            <a:endParaRPr lang="en-US" sz="4000" dirty="0"/>
+              <a:t>CLOUD-NATIVE SECURITY TOOLS</a:t>
+            </a:r>
+            <a:endParaRPr lang="en-US" sz="3200" dirty="0"/>
           </a:p>
         </p:txBody>
       </p:sp>
@@ -9325,8 +7279,8 @@
         </p:nvSpPr>
         <p:spPr>
           <a:xfrm>
-            <a:off x="6022404" y="1412776"/>
-            <a:ext cx="5616624" cy="4062651"/>
+            <a:off x="4870276" y="1412776"/>
+            <a:ext cx="7128792" cy="3477875"/>
           </a:xfrm>
           <a:prstGeom prst="rect">
             <a:avLst/>
@@ -9340,32 +7294,19 @@
           <a:lstStyle/>
           <a:p>
             <a:r>
-              <a:rPr lang="en-US" b="1" dirty="0">
-                <a:solidFill>
-                  <a:srgbClr val="7030A0"/>
-                </a:solidFill>
-              </a:rPr>
-              <a:t>Challenge: Batch Order Processing</a:t>
-            </a:r>
-            <a:br>
-              <a:rPr lang="ru-RU" b="1" dirty="0">
-                <a:solidFill>
-                  <a:srgbClr val="7030A0"/>
-                </a:solidFill>
-              </a:rPr>
-            </a:br>
-            <a:r>
-              <a:rPr lang="en-US" sz="1800" b="1" dirty="0">
+              <a:rPr lang="en-US" sz="2000" b="1" dirty="0">
                 <a:solidFill>
                   <a:srgbClr val="5F6F0F"/>
                 </a:solidFill>
-              </a:rPr>
-              <a:t>Peak Traffic Scenarios:</a:t>
-            </a:r>
-            <a:endParaRPr lang="ru-RU" sz="1800" b="1" dirty="0">
+                <a:latin typeface="Aptos Light" panose="020B0004020202020204" pitchFamily="34" charset="0"/>
+              </a:rPr>
+              <a:t>Microsoft Defender for Cloud (CNAPP Platform):</a:t>
+            </a:r>
+            <a:endParaRPr lang="en-US" sz="2000" dirty="0">
               <a:solidFill>
                 <a:srgbClr val="5F6F0F"/>
               </a:solidFill>
+              <a:latin typeface="Aptos Light" panose="020B0004020202020204" pitchFamily="34" charset="0"/>
             </a:endParaRPr>
           </a:p>
           <a:p>
@@ -9374,14 +7315,37 @@
               <a:buChar char="•"/>
             </a:pPr>
             <a:r>
-              <a:rPr lang="en-US" sz="1400" dirty="0">
-                <a:solidFill>
-                  <a:schemeClr val="accent6">
-                    <a:lumMod val="50000"/>
-                  </a:schemeClr>
-                </a:solidFill>
-              </a:rPr>
-              <a:t>Black Friday sales spikes</a:t>
+              <a:rPr lang="en-US" sz="1600" b="1" dirty="0" err="1">
+                <a:solidFill>
+                  <a:schemeClr val="accent6">
+                    <a:lumMod val="50000"/>
+                  </a:schemeClr>
+                </a:solidFill>
+                <a:latin typeface="Aptos Light" panose="020B0004020202020204" pitchFamily="34" charset="0"/>
+              </a:rPr>
+              <a:t>DevSecOps</a:t>
+            </a:r>
+            <a:r>
+              <a:rPr lang="en-US" sz="1600" b="1" dirty="0">
+                <a:solidFill>
+                  <a:schemeClr val="accent6">
+                    <a:lumMod val="50000"/>
+                  </a:schemeClr>
+                </a:solidFill>
+                <a:latin typeface="Aptos Light" panose="020B0004020202020204" pitchFamily="34" charset="0"/>
+              </a:rPr>
+              <a:t>:</a:t>
+            </a:r>
+            <a:r>
+              <a:rPr lang="en-US" sz="1600" dirty="0">
+                <a:solidFill>
+                  <a:schemeClr val="accent6">
+                    <a:lumMod val="50000"/>
+                  </a:schemeClr>
+                </a:solidFill>
+                <a:latin typeface="Aptos Light" panose="020B0004020202020204" pitchFamily="34" charset="0"/>
+              </a:rPr>
+              <a:t> Container image scanning and Infrastructure as Code security</a:t>
             </a:r>
           </a:p>
           <a:p>
@@ -9390,14 +7354,26 @@
               <a:buChar char="•"/>
             </a:pPr>
             <a:r>
-              <a:rPr lang="en-US" sz="1400" dirty="0">
-                <a:solidFill>
-                  <a:schemeClr val="accent6">
-                    <a:lumMod val="50000"/>
-                  </a:schemeClr>
-                </a:solidFill>
-              </a:rPr>
-              <a:t>Flash sales and promotions</a:t>
+              <a:rPr lang="en-US" sz="1600" b="1" dirty="0">
+                <a:solidFill>
+                  <a:schemeClr val="accent6">
+                    <a:lumMod val="50000"/>
+                  </a:schemeClr>
+                </a:solidFill>
+                <a:latin typeface="Aptos Light" panose="020B0004020202020204" pitchFamily="34" charset="0"/>
+              </a:rPr>
+              <a:t>CSPM:</a:t>
+            </a:r>
+            <a:r>
+              <a:rPr lang="en-US" sz="1600" dirty="0">
+                <a:solidFill>
+                  <a:schemeClr val="accent6">
+                    <a:lumMod val="50000"/>
+                  </a:schemeClr>
+                </a:solidFill>
+                <a:latin typeface="Aptos Light" panose="020B0004020202020204" pitchFamily="34" charset="0"/>
+              </a:rPr>
+              <a:t> Cloud Security Posture Management for continuous compliance</a:t>
             </a:r>
           </a:p>
           <a:p>
@@ -9406,29 +7382,43 @@
               <a:buChar char="•"/>
             </a:pPr>
             <a:r>
-              <a:rPr lang="en-US" sz="1400" dirty="0">
-                <a:solidFill>
-                  <a:schemeClr val="accent6">
-                    <a:lumMod val="50000"/>
-                  </a:schemeClr>
-                </a:solidFill>
-              </a:rPr>
-              <a:t>End-of-day processing batches</a:t>
-            </a:r>
-          </a:p>
-          <a:p>
-            <a:r>
               <a:rPr lang="en-US" sz="1600" b="1" dirty="0">
                 <a:solidFill>
+                  <a:schemeClr val="accent6">
+                    <a:lumMod val="50000"/>
+                  </a:schemeClr>
+                </a:solidFill>
+                <a:latin typeface="Aptos Light" panose="020B0004020202020204" pitchFamily="34" charset="0"/>
+              </a:rPr>
+              <a:t>CWPP:</a:t>
+            </a:r>
+            <a:r>
+              <a:rPr lang="en-US" sz="1600" dirty="0">
+                <a:solidFill>
+                  <a:schemeClr val="accent6">
+                    <a:lumMod val="50000"/>
+                  </a:schemeClr>
+                </a:solidFill>
+                <a:latin typeface="Aptos Light" panose="020B0004020202020204" pitchFamily="34" charset="0"/>
+              </a:rPr>
+              <a:t> Cloud Workload Protection Platform for runtime security</a:t>
+            </a:r>
+          </a:p>
+          <a:p>
+            <a:r>
+              <a:rPr lang="en-US" sz="2000" b="1" dirty="0">
+                <a:solidFill>
                   <a:srgbClr val="5F6F0F"/>
                 </a:solidFill>
-              </a:rPr>
-              <a:t>Serverless Solution:</a:t>
-            </a:r>
-            <a:endParaRPr lang="en-US" sz="1600" dirty="0">
+                <a:latin typeface="Aptos Light" panose="020B0004020202020204" pitchFamily="34" charset="0"/>
+              </a:rPr>
+              <a:t>Implementation Phases:</a:t>
+            </a:r>
+            <a:endParaRPr lang="en-US" sz="2000" dirty="0">
               <a:solidFill>
                 <a:srgbClr val="5F6F0F"/>
               </a:solidFill>
+              <a:latin typeface="Aptos Light" panose="020B0004020202020204" pitchFamily="34" charset="0"/>
             </a:endParaRPr>
           </a:p>
           <a:p>
@@ -9437,24 +7427,26 @@
               <a:buChar char="•"/>
             </a:pPr>
             <a:r>
-              <a:rPr lang="en-US" sz="1400" b="1" dirty="0">
-                <a:solidFill>
-                  <a:schemeClr val="accent6">
-                    <a:lumMod val="50000"/>
-                  </a:schemeClr>
-                </a:solidFill>
-              </a:rPr>
-              <a:t>Parallel Processing</a:t>
-            </a:r>
-            <a:r>
-              <a:rPr lang="en-US" sz="1400" dirty="0">
-                <a:solidFill>
-                  <a:schemeClr val="accent6">
-                    <a:lumMod val="50000"/>
-                  </a:schemeClr>
-                </a:solidFill>
-              </a:rPr>
-              <a:t> - Handle multiple orders simultaneously</a:t>
+              <a:rPr lang="en-US" sz="1600" b="1" dirty="0">
+                <a:solidFill>
+                  <a:schemeClr val="accent6">
+                    <a:lumMod val="50000"/>
+                  </a:schemeClr>
+                </a:solidFill>
+                <a:latin typeface="Aptos Light" panose="020B0004020202020204" pitchFamily="34" charset="0"/>
+              </a:rPr>
+              <a:t>Phase 1:</a:t>
+            </a:r>
+            <a:r>
+              <a:rPr lang="en-US" sz="1600" dirty="0">
+                <a:solidFill>
+                  <a:schemeClr val="accent6">
+                    <a:lumMod val="50000"/>
+                  </a:schemeClr>
+                </a:solidFill>
+                <a:latin typeface="Aptos Light" panose="020B0004020202020204" pitchFamily="34" charset="0"/>
+              </a:rPr>
+              <a:t> Microsoft Entra ID, Azure Key Vault, Defender for Cloud</a:t>
             </a:r>
           </a:p>
           <a:p>
@@ -9463,24 +7455,26 @@
               <a:buChar char="•"/>
             </a:pPr>
             <a:r>
-              <a:rPr lang="en-US" sz="1400" b="1" dirty="0">
-                <a:solidFill>
-                  <a:schemeClr val="accent6">
-                    <a:lumMod val="50000"/>
-                  </a:schemeClr>
-                </a:solidFill>
-              </a:rPr>
-              <a:t>Auto-scaling</a:t>
-            </a:r>
-            <a:r>
-              <a:rPr lang="en-US" sz="1400" dirty="0">
-                <a:solidFill>
-                  <a:schemeClr val="accent6">
-                    <a:lumMod val="50000"/>
-                  </a:schemeClr>
-                </a:solidFill>
-              </a:rPr>
-              <a:t> - Functions scale automatically with demand</a:t>
+              <a:rPr lang="en-US" sz="1600" b="1" dirty="0">
+                <a:solidFill>
+                  <a:schemeClr val="accent6">
+                    <a:lumMod val="50000"/>
+                  </a:schemeClr>
+                </a:solidFill>
+                <a:latin typeface="Aptos Light" panose="020B0004020202020204" pitchFamily="34" charset="0"/>
+              </a:rPr>
+              <a:t>Phase 2:</a:t>
+            </a:r>
+            <a:r>
+              <a:rPr lang="en-US" sz="1600" dirty="0">
+                <a:solidFill>
+                  <a:schemeClr val="accent6">
+                    <a:lumMod val="50000"/>
+                  </a:schemeClr>
+                </a:solidFill>
+                <a:latin typeface="Aptos Light" panose="020B0004020202020204" pitchFamily="34" charset="0"/>
+              </a:rPr>
+              <a:t> Microsoft Sentinel, Azure Policy, container security scanning</a:t>
             </a:r>
           </a:p>
           <a:p>
@@ -9489,25 +7483,44 @@
               <a:buChar char="•"/>
             </a:pPr>
             <a:r>
-              <a:rPr lang="en-US" sz="1400" b="1" dirty="0">
-                <a:solidFill>
-                  <a:schemeClr val="accent6">
-                    <a:lumMod val="50000"/>
-                  </a:schemeClr>
-                </a:solidFill>
-              </a:rPr>
-              <a:t>Cost Efficiency</a:t>
-            </a:r>
-            <a:r>
-              <a:rPr lang="en-US" sz="1400" dirty="0">
-                <a:solidFill>
-                  <a:schemeClr val="accent6">
-                    <a:lumMod val="50000"/>
-                  </a:schemeClr>
-                </a:solidFill>
-              </a:rPr>
-              <a:t> - Pay only for actual processing time</a:t>
-            </a:r>
+              <a:rPr lang="en-US" sz="1600" b="1" dirty="0">
+                <a:solidFill>
+                  <a:schemeClr val="accent6">
+                    <a:lumMod val="50000"/>
+                  </a:schemeClr>
+                </a:solidFill>
+                <a:latin typeface="Aptos Light" panose="020B0004020202020204" pitchFamily="34" charset="0"/>
+              </a:rPr>
+              <a:t>Phase 3:</a:t>
+            </a:r>
+            <a:r>
+              <a:rPr lang="en-US" sz="1600" dirty="0">
+                <a:solidFill>
+                  <a:schemeClr val="accent6">
+                    <a:lumMod val="50000"/>
+                  </a:schemeClr>
+                </a:solidFill>
+                <a:latin typeface="Aptos Light" panose="020B0004020202020204" pitchFamily="34" charset="0"/>
+              </a:rPr>
+              <a:t> Advanced threat protection and automated response optimization</a:t>
+            </a:r>
+          </a:p>
+          <a:p>
+            <a:r>
+              <a:rPr lang="en-US" sz="2000" b="1" dirty="0">
+                <a:solidFill>
+                  <a:srgbClr val="5F6F0F"/>
+                </a:solidFill>
+                <a:latin typeface="Aptos Light" panose="020B0004020202020204" pitchFamily="34" charset="0"/>
+              </a:rPr>
+              <a:t>Integration Points:</a:t>
+            </a:r>
+            <a:endParaRPr lang="en-US" sz="2000" dirty="0">
+              <a:solidFill>
+                <a:srgbClr val="5F6F0F"/>
+              </a:solidFill>
+              <a:latin typeface="Aptos Light" panose="020B0004020202020204" pitchFamily="34" charset="0"/>
+            </a:endParaRPr>
           </a:p>
           <a:p>
             <a:pPr marL="285750" indent="-285750">
@@ -9515,48 +7528,27 @@
               <a:buChar char="•"/>
             </a:pPr>
             <a:r>
-              <a:rPr lang="en-US" sz="1400" b="1" dirty="0">
-                <a:solidFill>
-                  <a:schemeClr val="accent6">
-                    <a:lumMod val="50000"/>
-                  </a:schemeClr>
-                </a:solidFill>
-              </a:rPr>
-              <a:t>Failure Isolation</a:t>
-            </a:r>
-            <a:r>
-              <a:rPr lang="en-US" sz="1400" dirty="0">
-                <a:solidFill>
-                  <a:schemeClr val="accent6">
-                    <a:lumMod val="50000"/>
-                  </a:schemeClr>
-                </a:solidFill>
-              </a:rPr>
-              <a:t> - One failed order doesn't affect others</a:t>
-            </a:r>
-          </a:p>
-          <a:p>
-            <a:r>
               <a:rPr lang="en-US" sz="1600" b="1" dirty="0">
                 <a:solidFill>
-                  <a:srgbClr val="5F6F0F"/>
-                </a:solidFill>
-              </a:rPr>
-              <a:t>Timeout and Compensation Strategies</a:t>
-            </a:r>
-            <a:r>
-              <a:rPr lang="en-CA" sz="1600" b="1" dirty="0">
-                <a:solidFill>
-                  <a:srgbClr val="5F6F0F"/>
-                </a:solidFill>
-              </a:rPr>
-              <a:t>:</a:t>
-            </a:r>
-            <a:endParaRPr lang="en-US" sz="1600" b="1" dirty="0">
-              <a:solidFill>
-                <a:srgbClr val="5F6F0F"/>
-              </a:solidFill>
-            </a:endParaRPr>
+                  <a:schemeClr val="accent6">
+                    <a:lumMod val="50000"/>
+                  </a:schemeClr>
+                </a:solidFill>
+                <a:latin typeface="Aptos Light" panose="020B0004020202020204" pitchFamily="34" charset="0"/>
+              </a:rPr>
+              <a:t>Identity Protection:</a:t>
+            </a:r>
+            <a:r>
+              <a:rPr lang="en-US" sz="1600" dirty="0">
+                <a:solidFill>
+                  <a:schemeClr val="accent6">
+                    <a:lumMod val="50000"/>
+                  </a:schemeClr>
+                </a:solidFill>
+                <a:latin typeface="Aptos Light" panose="020B0004020202020204" pitchFamily="34" charset="0"/>
+              </a:rPr>
+              <a:t> Conditional access with risk-based authentication</a:t>
+            </a:r>
           </a:p>
           <a:p>
             <a:pPr marL="285750" indent="-285750">
@@ -9564,24 +7556,26 @@
               <a:buChar char="•"/>
             </a:pPr>
             <a:r>
-              <a:rPr lang="en-US" sz="1400" b="1" dirty="0">
-                <a:solidFill>
-                  <a:schemeClr val="accent6">
-                    <a:lumMod val="50000"/>
-                  </a:schemeClr>
-                </a:solidFill>
-              </a:rPr>
-              <a:t>Reasonable Timeouts</a:t>
-            </a:r>
-            <a:r>
-              <a:rPr lang="en-US" sz="1400" dirty="0">
-                <a:solidFill>
-                  <a:schemeClr val="accent6">
-                    <a:lumMod val="50000"/>
-                  </a:schemeClr>
-                </a:solidFill>
-              </a:rPr>
-              <a:t> - Set appropriate limits for each operation</a:t>
+              <a:rPr lang="en-US" sz="1600" b="1" dirty="0">
+                <a:solidFill>
+                  <a:schemeClr val="accent6">
+                    <a:lumMod val="50000"/>
+                  </a:schemeClr>
+                </a:solidFill>
+                <a:latin typeface="Aptos Light" panose="020B0004020202020204" pitchFamily="34" charset="0"/>
+              </a:rPr>
+              <a:t>Secrets Management:</a:t>
+            </a:r>
+            <a:r>
+              <a:rPr lang="en-US" sz="1600" dirty="0">
+                <a:solidFill>
+                  <a:schemeClr val="accent6">
+                    <a:lumMod val="50000"/>
+                  </a:schemeClr>
+                </a:solidFill>
+                <a:latin typeface="Aptos Light" panose="020B0004020202020204" pitchFamily="34" charset="0"/>
+              </a:rPr>
+              <a:t> Azure Key Vault with HSM-backed key storage</a:t>
             </a:r>
           </a:p>
           <a:p>
@@ -9590,76 +7584,26 @@
               <a:buChar char="•"/>
             </a:pPr>
             <a:r>
-              <a:rPr lang="en-US" sz="1400" b="1" dirty="0">
-                <a:solidFill>
-                  <a:schemeClr val="accent6">
-                    <a:lumMod val="50000"/>
-                  </a:schemeClr>
-                </a:solidFill>
-              </a:rPr>
-              <a:t>Compensation Logic</a:t>
-            </a:r>
-            <a:r>
-              <a:rPr lang="en-US" sz="1400" dirty="0">
-                <a:solidFill>
-                  <a:schemeClr val="accent6">
-                    <a:lumMod val="50000"/>
-                  </a:schemeClr>
-                </a:solidFill>
-              </a:rPr>
-              <a:t> - Undo operations when workflows fail</a:t>
-            </a:r>
-          </a:p>
-          <a:p>
-            <a:pPr marL="285750" indent="-285750">
-              <a:buFont typeface="Arial" panose="020B0604020202020204" pitchFamily="34" charset="0"/>
-              <a:buChar char="•"/>
-            </a:pPr>
-            <a:r>
-              <a:rPr lang="en-US" sz="1400" b="1" dirty="0">
-                <a:solidFill>
-                  <a:schemeClr val="accent6">
-                    <a:lumMod val="50000"/>
-                  </a:schemeClr>
-                </a:solidFill>
-              </a:rPr>
-              <a:t>Manual Intervention Queues</a:t>
-            </a:r>
-            <a:r>
-              <a:rPr lang="en-US" sz="1400" dirty="0">
-                <a:solidFill>
-                  <a:schemeClr val="accent6">
-                    <a:lumMod val="50000"/>
-                  </a:schemeClr>
-                </a:solidFill>
-              </a:rPr>
-              <a:t> - Handle edge cases requiring human review</a:t>
-            </a:r>
-          </a:p>
-          <a:p>
-            <a:pPr marL="285750" indent="-285750">
-              <a:buFont typeface="Arial" panose="020B0604020202020204" pitchFamily="34" charset="0"/>
-              <a:buChar char="•"/>
-            </a:pPr>
-            <a:r>
-              <a:rPr lang="en-US" sz="1400" b="1" dirty="0">
-                <a:solidFill>
-                  <a:schemeClr val="accent6">
-                    <a:lumMod val="50000"/>
-                  </a:schemeClr>
-                </a:solidFill>
-              </a:rPr>
-              <a:t>Monitoring and Alerting</a:t>
-            </a:r>
-            <a:r>
-              <a:rPr lang="en-US" sz="1400" dirty="0">
-                <a:solidFill>
-                  <a:schemeClr val="accent6">
-                    <a:lumMod val="50000"/>
-                  </a:schemeClr>
-                </a:solidFill>
-              </a:rPr>
-              <a:t> - Track workflow health and performance</a:t>
+              <a:rPr lang="en-US" sz="1600" b="1" dirty="0">
+                <a:solidFill>
+                  <a:schemeClr val="accent6">
+                    <a:lumMod val="50000"/>
+                  </a:schemeClr>
+                </a:solidFill>
+                <a:latin typeface="Aptos Light" panose="020B0004020202020204" pitchFamily="34" charset="0"/>
+              </a:rPr>
+              <a:t>Network Security:</a:t>
+            </a:r>
+            <a:r>
+              <a:rPr lang="en-US" sz="1600" dirty="0">
+                <a:solidFill>
+                  <a:schemeClr val="accent6">
+                    <a:lumMod val="50000"/>
+                  </a:schemeClr>
+                </a:solidFill>
+                <a:latin typeface="Aptos Light" panose="020B0004020202020204" pitchFamily="34" charset="0"/>
+              </a:rPr>
+              <a:t> Azure Firewall Premium with integrated WAF capabilities</a:t>
             </a:r>
           </a:p>
           <a:p>
@@ -9678,6 +7622,42 @@
           </a:p>
         </p:txBody>
       </p:sp>
+      <p:pic>
+        <p:nvPicPr>
+          <p:cNvPr id="5" name="Picture 4" descr="A screenshot of a computer&#10;&#10;AI-generated content may be incorrect.">
+            <a:extLst>
+              <a:ext uri="{FF2B5EF4-FFF2-40B4-BE49-F238E27FC236}">
+                <a16:creationId xmlns:a16="http://schemas.microsoft.com/office/drawing/2014/main" id="{5E588CFE-0A83-6C11-60AB-2018ABAA0371}"/>
+              </a:ext>
+            </a:extLst>
+          </p:cNvPr>
+          <p:cNvPicPr>
+            <a:picLocks noChangeAspect="1"/>
+          </p:cNvPicPr>
+          <p:nvPr/>
+        </p:nvPicPr>
+        <p:blipFill>
+          <a:blip r:embed="rId2" cstate="print">
+            <a:extLst>
+              <a:ext uri="{28A0092B-C50C-407E-A947-70E740481C1C}">
+                <a14:useLocalDpi xmlns:a14="http://schemas.microsoft.com/office/drawing/2010/main" val="0"/>
+              </a:ext>
+            </a:extLst>
+          </a:blip>
+          <a:stretch>
+            <a:fillRect/>
+          </a:stretch>
+        </p:blipFill>
+        <p:spPr>
+          <a:xfrm>
+            <a:off x="837828" y="188640"/>
+            <a:ext cx="3888432" cy="6486810"/>
+          </a:xfrm>
+          <a:prstGeom prst="rect">
+            <a:avLst/>
+          </a:prstGeom>
+        </p:spPr>
+      </p:pic>
     </p:spTree>
     <p:extLst>
       <p:ext uri="{BB962C8B-B14F-4D97-AF65-F5344CB8AC3E}">
@@ -9688,13 +7668,13 @@
   <p:clrMapOvr>
     <a:masterClrMapping/>
   </p:clrMapOvr>
-  <mc:AlternateContent xmlns:mc="http://schemas.openxmlformats.org/markup-compatibility/2006">
-    <mc:Choice xmlns:p14="http://schemas.microsoft.com/office/powerpoint/2010/main" Requires="p14">
+  <mc:AlternateContent xmlns:mc="http://schemas.openxmlformats.org/markup-compatibility/2006" xmlns:p14="http://schemas.microsoft.com/office/powerpoint/2010/main">
+    <mc:Choice Requires="p14">
       <p:transition spd="med" p14:dur="700">
         <p:fade/>
       </p:transition>
     </mc:Choice>
-    <mc:Fallback>
+    <mc:Fallback xmlns="">
       <p:transition spd="med">
         <p:fade/>
       </p:transition>
@@ -9750,8 +7730,8 @@
         </p:nvSpPr>
         <p:spPr>
           <a:xfrm>
-            <a:off x="6166420" y="1196752"/>
-            <a:ext cx="8496944" cy="5262979"/>
+            <a:off x="5014292" y="2204864"/>
+            <a:ext cx="6840760" cy="3724096"/>
           </a:xfrm>
           <a:prstGeom prst="rect">
             <a:avLst/>
@@ -9765,28 +7745,15 @@
           <a:lstStyle/>
           <a:p>
             <a:r>
-              <a:rPr lang="en-US" sz="1800" b="1" dirty="0">
-                <a:solidFill>
-                  <a:schemeClr val="accent3">
-                    <a:lumMod val="75000"/>
-                  </a:schemeClr>
-                </a:solidFill>
-                <a:latin typeface="Aptos Light" panose="020B0004020202020204" pitchFamily="34" charset="0"/>
-              </a:rPr>
-              <a:t>Order Processing Orchestration</a:t>
-            </a:r>
-          </a:p>
-          <a:p>
-            <a:r>
-              <a:rPr lang="en-US" sz="1600" b="1" dirty="0">
+              <a:rPr lang="en-US" sz="2000" b="1" dirty="0">
                 <a:solidFill>
                   <a:srgbClr val="5F6F0F"/>
                 </a:solidFill>
                 <a:latin typeface="Aptos Light" panose="020B0004020202020204" pitchFamily="34" charset="0"/>
               </a:rPr>
-              <a:t>Sequential Steps:</a:t>
-            </a:r>
-            <a:endParaRPr lang="en-US" sz="1600" dirty="0">
+              <a:t>Multi-Layer Policy Framework:</a:t>
+            </a:r>
+            <a:endParaRPr lang="en-US" sz="2000" dirty="0">
               <a:solidFill>
                 <a:srgbClr val="5F6F0F"/>
               </a:solidFill>
@@ -9794,452 +7761,299 @@
             </a:endParaRPr>
           </a:p>
           <a:p>
+            <a:pPr marL="285750" indent="-285750">
+              <a:buFont typeface="Arial" panose="020B0604020202020204" pitchFamily="34" charset="0"/>
+              <a:buChar char="•"/>
+            </a:pPr>
+            <a:r>
+              <a:rPr lang="en-US" sz="1600" b="1" dirty="0">
+                <a:solidFill>
+                  <a:schemeClr val="accent6">
+                    <a:lumMod val="50000"/>
+                  </a:schemeClr>
+                </a:solidFill>
+                <a:latin typeface="Aptos Light" panose="020B0004020202020204" pitchFamily="34" charset="0"/>
+              </a:rPr>
+              <a:t>Infrastructure Level:</a:t>
+            </a:r>
+            <a:r>
+              <a:rPr lang="en-US" sz="1600" dirty="0">
+                <a:solidFill>
+                  <a:schemeClr val="accent6">
+                    <a:lumMod val="50000"/>
+                  </a:schemeClr>
+                </a:solidFill>
+                <a:latin typeface="Aptos Light" panose="020B0004020202020204" pitchFamily="34" charset="0"/>
+              </a:rPr>
+              <a:t> Azure Policy for resource governance and compliance</a:t>
+            </a:r>
+          </a:p>
+          <a:p>
+            <a:pPr marL="285750" indent="-285750">
+              <a:buFont typeface="Arial" panose="020B0604020202020204" pitchFamily="34" charset="0"/>
+              <a:buChar char="•"/>
+            </a:pPr>
+            <a:r>
+              <a:rPr lang="en-US" sz="1600" b="1" dirty="0">
+                <a:solidFill>
+                  <a:schemeClr val="accent6">
+                    <a:lumMod val="50000"/>
+                  </a:schemeClr>
+                </a:solidFill>
+                <a:latin typeface="Aptos Light" panose="020B0004020202020204" pitchFamily="34" charset="0"/>
+              </a:rPr>
+              <a:t>Application Level:</a:t>
+            </a:r>
+            <a:r>
+              <a:rPr lang="en-US" sz="1600" dirty="0">
+                <a:solidFill>
+                  <a:schemeClr val="accent6">
+                    <a:lumMod val="50000"/>
+                  </a:schemeClr>
+                </a:solidFill>
+                <a:latin typeface="Aptos Light" panose="020B0004020202020204" pitchFamily="34" charset="0"/>
+              </a:rPr>
+              <a:t> API Gateway policies for rate limiting and access control</a:t>
+            </a:r>
+          </a:p>
+          <a:p>
+            <a:pPr marL="285750" indent="-285750">
+              <a:buFont typeface="Arial" panose="020B0604020202020204" pitchFamily="34" charset="0"/>
+              <a:buChar char="•"/>
+            </a:pPr>
+            <a:r>
+              <a:rPr lang="en-US" sz="1600" b="1" dirty="0">
+                <a:solidFill>
+                  <a:schemeClr val="accent6">
+                    <a:lumMod val="50000"/>
+                  </a:schemeClr>
+                </a:solidFill>
+                <a:latin typeface="Aptos Light" panose="020B0004020202020204" pitchFamily="34" charset="0"/>
+              </a:rPr>
+              <a:t>Kubernetes Level:</a:t>
+            </a:r>
+            <a:r>
+              <a:rPr lang="en-US" sz="1600" dirty="0">
+                <a:solidFill>
+                  <a:schemeClr val="accent6">
+                    <a:lumMod val="50000"/>
+                  </a:schemeClr>
+                </a:solidFill>
+                <a:latin typeface="Aptos Light" panose="020B0004020202020204" pitchFamily="34" charset="0"/>
+              </a:rPr>
+              <a:t> Open Policy Agent Gatekeeper for workload security</a:t>
+            </a:r>
+          </a:p>
+          <a:p>
+            <a:pPr marL="285750" indent="-285750">
+              <a:buFont typeface="Arial" panose="020B0604020202020204" pitchFamily="34" charset="0"/>
+              <a:buChar char="•"/>
+            </a:pPr>
+            <a:r>
+              <a:rPr lang="en-US" sz="1600" b="1" dirty="0">
+                <a:solidFill>
+                  <a:schemeClr val="accent6">
+                    <a:lumMod val="50000"/>
+                  </a:schemeClr>
+                </a:solidFill>
+                <a:latin typeface="Aptos Light" panose="020B0004020202020204" pitchFamily="34" charset="0"/>
+              </a:rPr>
+              <a:t>Data Level:</a:t>
+            </a:r>
+            <a:r>
+              <a:rPr lang="en-US" sz="1600" dirty="0">
+                <a:solidFill>
+                  <a:schemeClr val="accent6">
+                    <a:lumMod val="50000"/>
+                  </a:schemeClr>
+                </a:solidFill>
+                <a:latin typeface="Aptos Light" panose="020B0004020202020204" pitchFamily="34" charset="0"/>
+              </a:rPr>
+              <a:t> Information protection policies for PII and sensitive data</a:t>
+            </a:r>
+          </a:p>
+          <a:p>
+            <a:r>
+              <a:rPr lang="en-US" sz="2000" b="1" dirty="0">
+                <a:solidFill>
+                  <a:srgbClr val="5F6F0F"/>
+                </a:solidFill>
+                <a:latin typeface="Aptos Light" panose="020B0004020202020204" pitchFamily="34" charset="0"/>
+              </a:rPr>
+              <a:t>Automated Enforcement Examples:</a:t>
+            </a:r>
+            <a:endParaRPr lang="en-US" sz="2000" dirty="0">
+              <a:solidFill>
+                <a:srgbClr val="5F6F0F"/>
+              </a:solidFill>
+              <a:latin typeface="Aptos Light" panose="020B0004020202020204" pitchFamily="34" charset="0"/>
+            </a:endParaRPr>
+          </a:p>
+          <a:p>
+            <a:pPr marL="285750" indent="-285750">
+              <a:buFont typeface="Arial" panose="020B0604020202020204" pitchFamily="34" charset="0"/>
+              <a:buChar char="•"/>
+            </a:pPr>
+            <a:r>
+              <a:rPr lang="en-US" sz="1600" b="1" dirty="0">
+                <a:solidFill>
+                  <a:schemeClr val="accent6">
+                    <a:lumMod val="50000"/>
+                  </a:schemeClr>
+                </a:solidFill>
+                <a:latin typeface="Aptos Light" panose="020B0004020202020204" pitchFamily="34" charset="0"/>
+              </a:rPr>
+              <a:t>Security Policies:</a:t>
+            </a:r>
+            <a:r>
+              <a:rPr lang="en-US" sz="1600" dirty="0">
+                <a:solidFill>
+                  <a:schemeClr val="accent6">
+                    <a:lumMod val="50000"/>
+                  </a:schemeClr>
+                </a:solidFill>
+                <a:latin typeface="Aptos Light" panose="020B0004020202020204" pitchFamily="34" charset="0"/>
+              </a:rPr>
+              <a:t> Mandatory encryption at rest, no public IP addresses</a:t>
+            </a:r>
+          </a:p>
+          <a:p>
+            <a:pPr marL="285750" indent="-285750">
+              <a:buFont typeface="Arial" panose="020B0604020202020204" pitchFamily="34" charset="0"/>
+              <a:buChar char="•"/>
+            </a:pPr>
+            <a:r>
+              <a:rPr lang="en-US" sz="1600" b="1" dirty="0">
+                <a:solidFill>
+                  <a:schemeClr val="accent6">
+                    <a:lumMod val="50000"/>
+                  </a:schemeClr>
+                </a:solidFill>
+                <a:latin typeface="Aptos Light" panose="020B0004020202020204" pitchFamily="34" charset="0"/>
+              </a:rPr>
+              <a:t>Compliance Policies:</a:t>
+            </a:r>
+            <a:r>
+              <a:rPr lang="en-US" sz="1600" dirty="0">
+                <a:solidFill>
+                  <a:schemeClr val="accent6">
+                    <a:lumMod val="50000"/>
+                  </a:schemeClr>
+                </a:solidFill>
+                <a:latin typeface="Aptos Light" panose="020B0004020202020204" pitchFamily="34" charset="0"/>
+              </a:rPr>
+              <a:t> GDPR data residency, PCI DSS access controls</a:t>
+            </a:r>
+          </a:p>
+          <a:p>
+            <a:pPr marL="285750" indent="-285750">
+              <a:buFont typeface="Arial" panose="020B0604020202020204" pitchFamily="34" charset="0"/>
+              <a:buChar char="•"/>
+            </a:pPr>
+            <a:r>
+              <a:rPr lang="en-US" sz="1600" b="1" dirty="0">
+                <a:solidFill>
+                  <a:schemeClr val="accent6">
+                    <a:lumMod val="50000"/>
+                  </a:schemeClr>
+                </a:solidFill>
+                <a:latin typeface="Aptos Light" panose="020B0004020202020204" pitchFamily="34" charset="0"/>
+              </a:rPr>
+              <a:t>Operational Policies:</a:t>
+            </a:r>
+            <a:r>
+              <a:rPr lang="en-US" sz="1600" dirty="0">
+                <a:solidFill>
+                  <a:schemeClr val="accent6">
+                    <a:lumMod val="50000"/>
+                  </a:schemeClr>
+                </a:solidFill>
+                <a:latin typeface="Aptos Light" panose="020B0004020202020204" pitchFamily="34" charset="0"/>
+              </a:rPr>
+              <a:t> Resource tagging requirements, cost management</a:t>
+            </a:r>
+          </a:p>
+          <a:p>
+            <a:r>
+              <a:rPr lang="en-US" sz="2000" b="1" dirty="0">
+                <a:solidFill>
+                  <a:srgbClr val="5F6F0F"/>
+                </a:solidFill>
+                <a:latin typeface="Aptos Light" panose="020B0004020202020204" pitchFamily="34" charset="0"/>
+              </a:rPr>
+              <a:t>Business Rules Engine:</a:t>
+            </a:r>
+            <a:endParaRPr lang="en-US" sz="2000" dirty="0">
+              <a:solidFill>
+                <a:srgbClr val="5F6F0F"/>
+              </a:solidFill>
+              <a:latin typeface="Aptos Light" panose="020B0004020202020204" pitchFamily="34" charset="0"/>
+            </a:endParaRPr>
+          </a:p>
+          <a:p>
+            <a:pPr marL="285750" indent="-285750">
+              <a:buFont typeface="Arial" panose="020B0604020202020204" pitchFamily="34" charset="0"/>
+              <a:buChar char="•"/>
+            </a:pPr>
+            <a:r>
+              <a:rPr lang="en-US" sz="1600" dirty="0">
+                <a:solidFill>
+                  <a:schemeClr val="accent6">
+                    <a:lumMod val="50000"/>
+                  </a:schemeClr>
+                </a:solidFill>
+                <a:latin typeface="Aptos Light" panose="020B0004020202020204" pitchFamily="34" charset="0"/>
+              </a:rPr>
+              <a:t>Azure Logic Apps for complex workflow automation</a:t>
+            </a:r>
+          </a:p>
+          <a:p>
+            <a:pPr marL="285750" indent="-285750">
+              <a:buFont typeface="Arial" panose="020B0604020202020204" pitchFamily="34" charset="0"/>
+              <a:buChar char="•"/>
+            </a:pPr>
+            <a:r>
+              <a:rPr lang="en-US" sz="1600" dirty="0">
+                <a:solidFill>
+                  <a:schemeClr val="accent6">
+                    <a:lumMod val="50000"/>
+                  </a:schemeClr>
+                </a:solidFill>
+                <a:latin typeface="Aptos Light" panose="020B0004020202020204" pitchFamily="34" charset="0"/>
+              </a:rPr>
+              <a:t>Dynamic policy updates with gradual rollout capabilities</a:t>
+            </a:r>
+          </a:p>
+          <a:p>
+            <a:pPr marL="285750" indent="-285750">
+              <a:buFont typeface="Arial" panose="020B0604020202020204" pitchFamily="34" charset="0"/>
+              <a:buChar char="•"/>
+            </a:pPr>
+            <a:r>
+              <a:rPr lang="en-US" sz="1600" dirty="0">
+                <a:solidFill>
+                  <a:schemeClr val="accent6">
+                    <a:lumMod val="50000"/>
+                  </a:schemeClr>
+                </a:solidFill>
+                <a:latin typeface="Aptos Light" panose="020B0004020202020204" pitchFamily="34" charset="0"/>
+              </a:rPr>
+              <a:t>A/B testing for policy impact assessment</a:t>
+            </a:r>
+          </a:p>
+          <a:p>
             <a:pPr marL="342900" indent="-342900">
               <a:buFont typeface="+mj-lt"/>
               <a:buAutoNum type="arabicPeriod"/>
             </a:pPr>
-            <a:r>
-              <a:rPr lang="en-US" sz="1600" b="1" dirty="0">
-                <a:solidFill>
-                  <a:schemeClr val="accent6">
-                    <a:lumMod val="50000"/>
-                  </a:schemeClr>
-                </a:solidFill>
-                <a:latin typeface="Aptos Light" panose="020B0004020202020204" pitchFamily="34" charset="0"/>
-              </a:rPr>
-              <a:t>Validate Order</a:t>
-            </a:r>
-            <a:r>
-              <a:rPr lang="en-US" sz="1600" dirty="0">
-                <a:solidFill>
-                  <a:schemeClr val="accent6">
-                    <a:lumMod val="50000"/>
-                  </a:schemeClr>
-                </a:solidFill>
-                <a:latin typeface="Aptos Light" panose="020B0004020202020204" pitchFamily="34" charset="0"/>
-              </a:rPr>
-              <a:t> - Check inventory, customer details</a:t>
-            </a:r>
-          </a:p>
-          <a:p>
-            <a:pPr marL="342900" indent="-342900">
-              <a:buFont typeface="+mj-lt"/>
-              <a:buAutoNum type="arabicPeriod"/>
-            </a:pPr>
-            <a:r>
-              <a:rPr lang="en-US" sz="1600" b="1" dirty="0">
-                <a:solidFill>
-                  <a:schemeClr val="accent6">
-                    <a:lumMod val="50000"/>
-                  </a:schemeClr>
-                </a:solidFill>
-                <a:latin typeface="Aptos Light" panose="020B0004020202020204" pitchFamily="34" charset="0"/>
-              </a:rPr>
-              <a:t>Process Payment</a:t>
-            </a:r>
-            <a:r>
-              <a:rPr lang="en-US" sz="1600" dirty="0">
-                <a:solidFill>
-                  <a:schemeClr val="accent6">
-                    <a:lumMod val="50000"/>
-                  </a:schemeClr>
-                </a:solidFill>
-                <a:latin typeface="Aptos Light" panose="020B0004020202020204" pitchFamily="34" charset="0"/>
-              </a:rPr>
-              <a:t> - Handle payment processing</a:t>
-            </a:r>
-          </a:p>
-          <a:p>
-            <a:pPr marL="342900" indent="-342900">
-              <a:buFont typeface="+mj-lt"/>
-              <a:buAutoNum type="arabicPeriod"/>
-            </a:pPr>
-            <a:r>
-              <a:rPr lang="en-US" sz="1600" b="1" dirty="0">
-                <a:solidFill>
-                  <a:schemeClr val="accent6">
-                    <a:lumMod val="50000"/>
-                  </a:schemeClr>
-                </a:solidFill>
-                <a:latin typeface="Aptos Light" panose="020B0004020202020204" pitchFamily="34" charset="0"/>
-              </a:rPr>
-              <a:t>Generate AI Content</a:t>
-            </a:r>
-            <a:r>
-              <a:rPr lang="en-US" sz="1600" dirty="0">
-                <a:solidFill>
-                  <a:schemeClr val="accent6">
-                    <a:lumMod val="50000"/>
-                  </a:schemeClr>
-                </a:solidFill>
-                <a:latin typeface="Aptos Light" panose="020B0004020202020204" pitchFamily="34" charset="0"/>
-              </a:rPr>
-              <a:t> - Create product descriptions (if needed)</a:t>
-            </a:r>
-          </a:p>
-          <a:p>
-            <a:pPr marL="342900" indent="-342900">
-              <a:buFont typeface="+mj-lt"/>
-              <a:buAutoNum type="arabicPeriod"/>
-            </a:pPr>
-            <a:r>
-              <a:rPr lang="en-US" sz="1600" b="1" dirty="0">
-                <a:solidFill>
-                  <a:schemeClr val="accent6">
-                    <a:lumMod val="50000"/>
-                  </a:schemeClr>
-                </a:solidFill>
-                <a:latin typeface="Aptos Light" panose="020B0004020202020204" pitchFamily="34" charset="0"/>
-              </a:rPr>
-              <a:t>Update Inventory</a:t>
-            </a:r>
-            <a:r>
-              <a:rPr lang="en-US" sz="1600" dirty="0">
-                <a:solidFill>
-                  <a:schemeClr val="accent6">
-                    <a:lumMod val="50000"/>
-                  </a:schemeClr>
-                </a:solidFill>
-                <a:latin typeface="Aptos Light" panose="020B0004020202020204" pitchFamily="34" charset="0"/>
-              </a:rPr>
-              <a:t> - Decrement stock levels</a:t>
-            </a:r>
-          </a:p>
-          <a:p>
-            <a:pPr marL="342900" indent="-342900">
-              <a:buFont typeface="+mj-lt"/>
-              <a:buAutoNum type="arabicPeriod"/>
-            </a:pPr>
-            <a:r>
-              <a:rPr lang="en-US" sz="1600" b="1" dirty="0">
-                <a:solidFill>
-                  <a:schemeClr val="accent6">
-                    <a:lumMod val="50000"/>
-                  </a:schemeClr>
-                </a:solidFill>
-                <a:latin typeface="Aptos Light" panose="020B0004020202020204" pitchFamily="34" charset="0"/>
-              </a:rPr>
-              <a:t>Send Notifications</a:t>
-            </a:r>
-            <a:r>
-              <a:rPr lang="en-US" sz="1600" dirty="0">
-                <a:solidFill>
-                  <a:schemeClr val="accent6">
-                    <a:lumMod val="50000"/>
-                  </a:schemeClr>
-                </a:solidFill>
-                <a:latin typeface="Aptos Light" panose="020B0004020202020204" pitchFamily="34" charset="0"/>
-              </a:rPr>
-              <a:t> - Confirm order to customer and staff</a:t>
-            </a:r>
-          </a:p>
-          <a:p>
-            <a:r>
-              <a:rPr lang="en-US" sz="1600" b="1" dirty="0">
-                <a:solidFill>
-                  <a:srgbClr val="5F6F0F"/>
-                </a:solidFill>
-                <a:latin typeface="Aptos Light" panose="020B0004020202020204" pitchFamily="34" charset="0"/>
-              </a:rPr>
-              <a:t>Key Advantages of Orchestration</a:t>
-            </a:r>
-          </a:p>
-          <a:p>
-            <a:pPr marL="342900" indent="-342900">
-              <a:buFont typeface="+mj-lt"/>
-              <a:buAutoNum type="arabicPeriod"/>
-            </a:pPr>
-            <a:r>
-              <a:rPr lang="en-US" sz="1600" b="1" dirty="0">
-                <a:solidFill>
-                  <a:schemeClr val="accent6">
-                    <a:lumMod val="50000"/>
-                  </a:schemeClr>
-                </a:solidFill>
-                <a:latin typeface="Aptos Light" panose="020B0004020202020204" pitchFamily="34" charset="0"/>
-              </a:rPr>
-              <a:t>Reliability</a:t>
-            </a:r>
-            <a:r>
-              <a:rPr lang="en-US" sz="1600" dirty="0">
-                <a:solidFill>
-                  <a:schemeClr val="accent6">
-                    <a:lumMod val="50000"/>
-                  </a:schemeClr>
-                </a:solidFill>
-                <a:latin typeface="Aptos Light" panose="020B0004020202020204" pitchFamily="34" charset="0"/>
-              </a:rPr>
-              <a:t> - Each step can retry independently</a:t>
-            </a:r>
-          </a:p>
-          <a:p>
-            <a:pPr marL="342900" indent="-342900">
-              <a:buFont typeface="+mj-lt"/>
-              <a:buAutoNum type="arabicPeriod"/>
-            </a:pPr>
-            <a:r>
-              <a:rPr lang="en-US" sz="1600" b="1" dirty="0">
-                <a:solidFill>
-                  <a:schemeClr val="accent6">
-                    <a:lumMod val="50000"/>
-                  </a:schemeClr>
-                </a:solidFill>
-                <a:latin typeface="Aptos Light" panose="020B0004020202020204" pitchFamily="34" charset="0"/>
-              </a:rPr>
-              <a:t>Visibility</a:t>
-            </a:r>
-            <a:r>
-              <a:rPr lang="en-US" sz="1600" dirty="0">
-                <a:solidFill>
-                  <a:schemeClr val="accent6">
-                    <a:lumMod val="50000"/>
-                  </a:schemeClr>
-                </a:solidFill>
-                <a:latin typeface="Aptos Light" panose="020B0004020202020204" pitchFamily="34" charset="0"/>
-              </a:rPr>
-              <a:t> - Track progress of each order through pipeline</a:t>
-            </a:r>
-          </a:p>
-          <a:p>
-            <a:pPr marL="342900" indent="-342900">
-              <a:buFont typeface="+mj-lt"/>
-              <a:buAutoNum type="arabicPeriod"/>
-            </a:pPr>
-            <a:r>
-              <a:rPr lang="en-US" sz="1600" b="1" dirty="0">
-                <a:solidFill>
-                  <a:schemeClr val="accent6">
-                    <a:lumMod val="50000"/>
-                  </a:schemeClr>
-                </a:solidFill>
-                <a:latin typeface="Aptos Light" panose="020B0004020202020204" pitchFamily="34" charset="0"/>
-              </a:rPr>
-              <a:t>Scalability</a:t>
-            </a:r>
-            <a:r>
-              <a:rPr lang="en-US" sz="1600" dirty="0">
-                <a:solidFill>
-                  <a:schemeClr val="accent6">
-                    <a:lumMod val="50000"/>
-                  </a:schemeClr>
-                </a:solidFill>
-                <a:latin typeface="Aptos Light" panose="020B0004020202020204" pitchFamily="34" charset="0"/>
-              </a:rPr>
-              <a:t> - Each step scales based on its own demands</a:t>
-            </a:r>
-          </a:p>
-          <a:p>
-            <a:pPr marL="342900" indent="-342900">
-              <a:buFont typeface="+mj-lt"/>
-              <a:buAutoNum type="arabicPeriod"/>
-            </a:pPr>
-            <a:r>
-              <a:rPr lang="en-US" sz="1600" b="1" dirty="0">
-                <a:solidFill>
-                  <a:schemeClr val="accent6">
-                    <a:lumMod val="50000"/>
-                  </a:schemeClr>
-                </a:solidFill>
-                <a:latin typeface="Aptos Light" panose="020B0004020202020204" pitchFamily="34" charset="0"/>
-              </a:rPr>
-              <a:t>Maintainability</a:t>
-            </a:r>
-            <a:r>
-              <a:rPr lang="en-US" sz="1600" dirty="0">
-                <a:solidFill>
-                  <a:schemeClr val="accent6">
-                    <a:lumMod val="50000"/>
-                  </a:schemeClr>
-                </a:solidFill>
-                <a:latin typeface="Aptos Light" panose="020B0004020202020204" pitchFamily="34" charset="0"/>
-              </a:rPr>
-              <a:t> - Clear separation of business logic</a:t>
-            </a:r>
-          </a:p>
-          <a:p>
-            <a:r>
-              <a:rPr lang="en-US" sz="1600" b="1" dirty="0">
-                <a:solidFill>
-                  <a:srgbClr val="5F6F0F"/>
-                </a:solidFill>
-                <a:latin typeface="Aptos Light" panose="020B0004020202020204" pitchFamily="34" charset="0"/>
-              </a:rPr>
-              <a:t>Error Handling Strategy</a:t>
-            </a:r>
-          </a:p>
-          <a:p>
-            <a:pPr marL="342900" indent="-342900">
-              <a:buFont typeface="+mj-lt"/>
-              <a:buAutoNum type="arabicPeriod"/>
-            </a:pPr>
-            <a:r>
-              <a:rPr lang="en-US" sz="1600" b="1" dirty="0">
-                <a:solidFill>
-                  <a:schemeClr val="accent6">
-                    <a:lumMod val="50000"/>
-                  </a:schemeClr>
-                </a:solidFill>
-                <a:latin typeface="Aptos Light" panose="020B0004020202020204" pitchFamily="34" charset="0"/>
-              </a:rPr>
-              <a:t>Automatic Retries</a:t>
-            </a:r>
-            <a:r>
-              <a:rPr lang="en-US" sz="1600" dirty="0">
-                <a:solidFill>
-                  <a:schemeClr val="accent6">
-                    <a:lumMod val="50000"/>
-                  </a:schemeClr>
-                </a:solidFill>
-                <a:latin typeface="Aptos Light" panose="020B0004020202020204" pitchFamily="34" charset="0"/>
-              </a:rPr>
-              <a:t> with exponential backoff</a:t>
-            </a:r>
-          </a:p>
-          <a:p>
-            <a:pPr marL="342900" indent="-342900">
-              <a:buFont typeface="+mj-lt"/>
-              <a:buAutoNum type="arabicPeriod"/>
-            </a:pPr>
-            <a:r>
-              <a:rPr lang="en-US" sz="1600" b="1" dirty="0">
-                <a:solidFill>
-                  <a:schemeClr val="accent6">
-                    <a:lumMod val="50000"/>
-                  </a:schemeClr>
-                </a:solidFill>
-                <a:latin typeface="Aptos Light" panose="020B0004020202020204" pitchFamily="34" charset="0"/>
-              </a:rPr>
-              <a:t>Compensation Actions</a:t>
-            </a:r>
-            <a:r>
-              <a:rPr lang="en-US" sz="1600" dirty="0">
-                <a:solidFill>
-                  <a:schemeClr val="accent6">
-                    <a:lumMod val="50000"/>
-                  </a:schemeClr>
-                </a:solidFill>
-                <a:latin typeface="Aptos Light" panose="020B0004020202020204" pitchFamily="34" charset="0"/>
-              </a:rPr>
-              <a:t> to rollback on failures</a:t>
-            </a:r>
-          </a:p>
-          <a:p>
-            <a:pPr marL="342900" indent="-342900">
-              <a:buFont typeface="+mj-lt"/>
-              <a:buAutoNum type="arabicPeriod"/>
-            </a:pPr>
-            <a:r>
-              <a:rPr lang="en-US" sz="1600" b="1" dirty="0">
-                <a:solidFill>
-                  <a:schemeClr val="accent6">
-                    <a:lumMod val="50000"/>
-                  </a:schemeClr>
-                </a:solidFill>
-                <a:latin typeface="Aptos Light" panose="020B0004020202020204" pitchFamily="34" charset="0"/>
-              </a:rPr>
-              <a:t>Dead Letter Queues</a:t>
-            </a:r>
-            <a:r>
-              <a:rPr lang="en-US" sz="1600" dirty="0">
-                <a:solidFill>
-                  <a:schemeClr val="accent6">
-                    <a:lumMod val="50000"/>
-                  </a:schemeClr>
-                </a:solidFill>
-                <a:latin typeface="Aptos Light" panose="020B0004020202020204" pitchFamily="34" charset="0"/>
-              </a:rPr>
-              <a:t> for manual intervention</a:t>
-            </a:r>
-          </a:p>
-          <a:p>
-            <a:pPr marL="342900" indent="-342900">
-              <a:buFont typeface="+mj-lt"/>
-              <a:buAutoNum type="arabicPeriod"/>
-            </a:pPr>
-            <a:r>
-              <a:rPr lang="en-US" sz="1600" b="1" dirty="0">
-                <a:solidFill>
-                  <a:schemeClr val="accent6">
-                    <a:lumMod val="50000"/>
-                  </a:schemeClr>
-                </a:solidFill>
-                <a:latin typeface="Aptos Light" panose="020B0004020202020204" pitchFamily="34" charset="0"/>
-              </a:rPr>
-              <a:t>Monitoring Alerts</a:t>
-            </a:r>
-            <a:r>
-              <a:rPr lang="en-US" sz="1600" dirty="0">
-                <a:solidFill>
-                  <a:schemeClr val="accent6">
-                    <a:lumMod val="50000"/>
-                  </a:schemeClr>
-                </a:solidFill>
-                <a:latin typeface="Aptos Light" panose="020B0004020202020204" pitchFamily="34" charset="0"/>
-              </a:rPr>
-              <a:t> for failed workflows</a:t>
-            </a:r>
-          </a:p>
-          <a:p>
-            <a:r>
-              <a:rPr lang="en-US" sz="1600" b="1" dirty="0">
-                <a:solidFill>
-                  <a:srgbClr val="5F6F0F"/>
-                </a:solidFill>
-                <a:latin typeface="Aptos Light" panose="020B0004020202020204" pitchFamily="34" charset="0"/>
-              </a:rPr>
-              <a:t>Fan-out/Fan-in Pattern for Bulk Operations</a:t>
-            </a:r>
-          </a:p>
-          <a:p>
-            <a:pPr marL="342900" indent="-342900">
-              <a:buFont typeface="+mj-lt"/>
-              <a:buAutoNum type="arabicPeriod"/>
-            </a:pPr>
-            <a:r>
-              <a:rPr lang="en-US" sz="1600" dirty="0">
-                <a:solidFill>
-                  <a:schemeClr val="accent6">
-                    <a:lumMod val="50000"/>
-                  </a:schemeClr>
-                </a:solidFill>
-                <a:latin typeface="Aptos Light" panose="020B0004020202020204" pitchFamily="34" charset="0"/>
-              </a:rPr>
-              <a:t>Process multiple orders simultaneously during peak times</a:t>
-            </a:r>
-          </a:p>
-          <a:p>
-            <a:pPr marL="342900" indent="-342900">
-              <a:buFont typeface="+mj-lt"/>
-              <a:buAutoNum type="arabicPeriod"/>
-            </a:pPr>
-            <a:r>
-              <a:rPr lang="en-US" sz="1600" dirty="0">
-                <a:solidFill>
-                  <a:schemeClr val="accent6">
-                    <a:lumMod val="50000"/>
-                  </a:schemeClr>
-                </a:solidFill>
-                <a:latin typeface="Aptos Light" panose="020B0004020202020204" pitchFamily="34" charset="0"/>
-              </a:rPr>
-              <a:t>Generate AI content for multiple products in parallel</a:t>
-            </a:r>
-          </a:p>
-          <a:p>
-            <a:pPr marL="342900" indent="-342900">
-              <a:buFont typeface="+mj-lt"/>
-              <a:buAutoNum type="arabicPeriod"/>
-            </a:pPr>
-            <a:r>
-              <a:rPr lang="en-US" sz="1600" dirty="0">
-                <a:solidFill>
-                  <a:schemeClr val="accent6">
-                    <a:lumMod val="50000"/>
-                  </a:schemeClr>
-                </a:solidFill>
-                <a:latin typeface="Aptos Light" panose="020B0004020202020204" pitchFamily="34" charset="0"/>
-              </a:rPr>
-              <a:t>Aggregate results for reporting and analytics</a:t>
-            </a:r>
+            <a:endParaRPr lang="en-US" sz="1600" dirty="0">
+              <a:solidFill>
+                <a:schemeClr val="accent6">
+                  <a:lumMod val="50000"/>
+                </a:schemeClr>
+              </a:solidFill>
+              <a:latin typeface="Aptos Light" panose="020B0004020202020204" pitchFamily="34" charset="0"/>
+            </a:endParaRPr>
           </a:p>
         </p:txBody>
       </p:sp>
@@ -10257,8 +8071,8 @@
         </p:nvSpPr>
         <p:spPr>
           <a:xfrm>
-            <a:off x="6598468" y="260648"/>
-            <a:ext cx="5256584" cy="400110"/>
+            <a:off x="5590356" y="836712"/>
+            <a:ext cx="5976664" cy="461665"/>
           </a:xfrm>
           <a:prstGeom prst="rect">
             <a:avLst/>
@@ -10272,7 +8086,7 @@
           <a:lstStyle/>
           <a:p>
             <a:r>
-              <a:rPr lang="en-US" sz="2000" b="1" dirty="0">
+              <a:rPr lang="en-US" b="1" dirty="0">
                 <a:solidFill>
                   <a:schemeClr val="accent6">
                     <a:lumMod val="75000"/>
@@ -10280,18 +8094,18 @@
                 </a:solidFill>
                 <a:latin typeface="Aptos Light" panose="020F0502020204030204" pitchFamily="34" charset="0"/>
               </a:rPr>
-              <a:t>Durable Functions for Complex Workflows</a:t>
-            </a:r>
-            <a:endParaRPr lang="en-US" sz="2000" dirty="0"/>
+              <a:t>ORGANIZATIONAL POLICY ENFORCEMENT</a:t>
+            </a:r>
+            <a:endParaRPr lang="en-US" dirty="0"/>
           </a:p>
         </p:txBody>
       </p:sp>
       <p:pic>
         <p:nvPicPr>
-          <p:cNvPr id="4" name="Picture 3" descr="A screenshot of a web page&#10;&#10;AI-generated content may be incorrect.">
+          <p:cNvPr id="6" name="Picture 5" descr="A diagram of a company&#10;&#10;AI-generated content may be incorrect.">
             <a:extLst>
               <a:ext uri="{FF2B5EF4-FFF2-40B4-BE49-F238E27FC236}">
-                <a16:creationId xmlns:a16="http://schemas.microsoft.com/office/drawing/2014/main" id="{051F480A-0830-17E3-A108-6149B8B40C30}"/>
+                <a16:creationId xmlns:a16="http://schemas.microsoft.com/office/drawing/2014/main" id="{1503DF6B-0A5D-0F3B-9BFB-A67B51E203A7}"/>
               </a:ext>
             </a:extLst>
           </p:cNvPr>
@@ -10301,7 +8115,7 @@
           <p:nvPr/>
         </p:nvPicPr>
         <p:blipFill>
-          <a:blip r:embed="rId2">
+          <a:blip r:embed="rId2" cstate="print">
             <a:extLst>
               <a:ext uri="{28A0092B-C50C-407E-A947-70E740481C1C}">
                 <a14:useLocalDpi xmlns:a14="http://schemas.microsoft.com/office/drawing/2010/main" val="0"/>
@@ -10314,8 +8128,8 @@
         </p:blipFill>
         <p:spPr>
           <a:xfrm>
-            <a:off x="0" y="0"/>
-            <a:ext cx="5850731" cy="6858000"/>
+            <a:off x="621804" y="116632"/>
+            <a:ext cx="4420491" cy="6552728"/>
           </a:xfrm>
           <a:prstGeom prst="rect">
             <a:avLst/>
@@ -10332,13 +8146,13 @@
   <p:clrMapOvr>
     <a:masterClrMapping/>
   </p:clrMapOvr>
-  <mc:AlternateContent xmlns:mc="http://schemas.openxmlformats.org/markup-compatibility/2006">
-    <mc:Choice xmlns:p14="http://schemas.microsoft.com/office/powerpoint/2010/main" Requires="p14">
+  <mc:AlternateContent xmlns:mc="http://schemas.openxmlformats.org/markup-compatibility/2006" xmlns:p14="http://schemas.microsoft.com/office/powerpoint/2010/main">
+    <mc:Choice Requires="p14">
       <p:transition spd="med" p14:dur="700">
         <p:fade/>
       </p:transition>
     </mc:Choice>
-    <mc:Fallback>
+    <mc:Fallback xmlns="">
       <p:transition spd="med">
         <p:fade/>
       </p:transition>
@@ -10382,513 +8196,6 @@
       </p:grpSpPr>
       <p:sp>
         <p:nvSpPr>
-          <p:cNvPr id="7" name="TextBox 6">
-            <a:extLst>
-              <a:ext uri="{FF2B5EF4-FFF2-40B4-BE49-F238E27FC236}">
-                <a16:creationId xmlns:a16="http://schemas.microsoft.com/office/drawing/2014/main" id="{4C1AB50A-894D-FDED-F81D-B834EF04D8F9}"/>
-              </a:ext>
-            </a:extLst>
-          </p:cNvPr>
-          <p:cNvSpPr txBox="1"/>
-          <p:nvPr/>
-        </p:nvSpPr>
-        <p:spPr>
-          <a:xfrm>
-            <a:off x="6166420" y="1196752"/>
-            <a:ext cx="8496944" cy="5262979"/>
-          </a:xfrm>
-          <a:prstGeom prst="rect">
-            <a:avLst/>
-          </a:prstGeom>
-          <a:noFill/>
-        </p:spPr>
-        <p:txBody>
-          <a:bodyPr wrap="square">
-            <a:spAutoFit/>
-          </a:bodyPr>
-          <a:lstStyle/>
-          <a:p>
-            <a:r>
-              <a:rPr lang="en-US" sz="1800" b="1" dirty="0">
-                <a:solidFill>
-                  <a:schemeClr val="accent3">
-                    <a:lumMod val="75000"/>
-                  </a:schemeClr>
-                </a:solidFill>
-                <a:latin typeface="Aptos Light" panose="020B0004020202020204" pitchFamily="34" charset="0"/>
-              </a:rPr>
-              <a:t>Order Processing Orchestration</a:t>
-            </a:r>
-          </a:p>
-          <a:p>
-            <a:r>
-              <a:rPr lang="en-US" sz="1600" b="1" dirty="0">
-                <a:solidFill>
-                  <a:srgbClr val="5F6F0F"/>
-                </a:solidFill>
-                <a:latin typeface="Aptos Light" panose="020B0004020202020204" pitchFamily="34" charset="0"/>
-              </a:rPr>
-              <a:t>Sequential Steps:</a:t>
-            </a:r>
-            <a:endParaRPr lang="en-US" sz="1600" dirty="0">
-              <a:solidFill>
-                <a:srgbClr val="5F6F0F"/>
-              </a:solidFill>
-              <a:latin typeface="Aptos Light" panose="020B0004020202020204" pitchFamily="34" charset="0"/>
-            </a:endParaRPr>
-          </a:p>
-          <a:p>
-            <a:pPr marL="342900" indent="-342900">
-              <a:buFont typeface="+mj-lt"/>
-              <a:buAutoNum type="arabicPeriod"/>
-            </a:pPr>
-            <a:r>
-              <a:rPr lang="en-US" sz="1600" b="1" dirty="0">
-                <a:solidFill>
-                  <a:schemeClr val="accent6">
-                    <a:lumMod val="50000"/>
-                  </a:schemeClr>
-                </a:solidFill>
-                <a:latin typeface="Aptos Light" panose="020B0004020202020204" pitchFamily="34" charset="0"/>
-              </a:rPr>
-              <a:t>Validate Order</a:t>
-            </a:r>
-            <a:r>
-              <a:rPr lang="en-US" sz="1600" dirty="0">
-                <a:solidFill>
-                  <a:schemeClr val="accent6">
-                    <a:lumMod val="50000"/>
-                  </a:schemeClr>
-                </a:solidFill>
-                <a:latin typeface="Aptos Light" panose="020B0004020202020204" pitchFamily="34" charset="0"/>
-              </a:rPr>
-              <a:t> - Check inventory, customer details</a:t>
-            </a:r>
-          </a:p>
-          <a:p>
-            <a:pPr marL="342900" indent="-342900">
-              <a:buFont typeface="+mj-lt"/>
-              <a:buAutoNum type="arabicPeriod"/>
-            </a:pPr>
-            <a:r>
-              <a:rPr lang="en-US" sz="1600" b="1" dirty="0">
-                <a:solidFill>
-                  <a:schemeClr val="accent6">
-                    <a:lumMod val="50000"/>
-                  </a:schemeClr>
-                </a:solidFill>
-                <a:latin typeface="Aptos Light" panose="020B0004020202020204" pitchFamily="34" charset="0"/>
-              </a:rPr>
-              <a:t>Process Payment</a:t>
-            </a:r>
-            <a:r>
-              <a:rPr lang="en-US" sz="1600" dirty="0">
-                <a:solidFill>
-                  <a:schemeClr val="accent6">
-                    <a:lumMod val="50000"/>
-                  </a:schemeClr>
-                </a:solidFill>
-                <a:latin typeface="Aptos Light" panose="020B0004020202020204" pitchFamily="34" charset="0"/>
-              </a:rPr>
-              <a:t> - Handle payment processing</a:t>
-            </a:r>
-          </a:p>
-          <a:p>
-            <a:pPr marL="342900" indent="-342900">
-              <a:buFont typeface="+mj-lt"/>
-              <a:buAutoNum type="arabicPeriod"/>
-            </a:pPr>
-            <a:r>
-              <a:rPr lang="en-US" sz="1600" b="1" dirty="0">
-                <a:solidFill>
-                  <a:schemeClr val="accent6">
-                    <a:lumMod val="50000"/>
-                  </a:schemeClr>
-                </a:solidFill>
-                <a:latin typeface="Aptos Light" panose="020B0004020202020204" pitchFamily="34" charset="0"/>
-              </a:rPr>
-              <a:t>Generate AI Content</a:t>
-            </a:r>
-            <a:r>
-              <a:rPr lang="en-US" sz="1600" dirty="0">
-                <a:solidFill>
-                  <a:schemeClr val="accent6">
-                    <a:lumMod val="50000"/>
-                  </a:schemeClr>
-                </a:solidFill>
-                <a:latin typeface="Aptos Light" panose="020B0004020202020204" pitchFamily="34" charset="0"/>
-              </a:rPr>
-              <a:t> - Create product descriptions (if needed)</a:t>
-            </a:r>
-          </a:p>
-          <a:p>
-            <a:pPr marL="342900" indent="-342900">
-              <a:buFont typeface="+mj-lt"/>
-              <a:buAutoNum type="arabicPeriod"/>
-            </a:pPr>
-            <a:r>
-              <a:rPr lang="en-US" sz="1600" b="1" dirty="0">
-                <a:solidFill>
-                  <a:schemeClr val="accent6">
-                    <a:lumMod val="50000"/>
-                  </a:schemeClr>
-                </a:solidFill>
-                <a:latin typeface="Aptos Light" panose="020B0004020202020204" pitchFamily="34" charset="0"/>
-              </a:rPr>
-              <a:t>Update Inventory</a:t>
-            </a:r>
-            <a:r>
-              <a:rPr lang="en-US" sz="1600" dirty="0">
-                <a:solidFill>
-                  <a:schemeClr val="accent6">
-                    <a:lumMod val="50000"/>
-                  </a:schemeClr>
-                </a:solidFill>
-                <a:latin typeface="Aptos Light" panose="020B0004020202020204" pitchFamily="34" charset="0"/>
-              </a:rPr>
-              <a:t> - Decrement stock levels</a:t>
-            </a:r>
-          </a:p>
-          <a:p>
-            <a:pPr marL="342900" indent="-342900">
-              <a:buFont typeface="+mj-lt"/>
-              <a:buAutoNum type="arabicPeriod"/>
-            </a:pPr>
-            <a:r>
-              <a:rPr lang="en-US" sz="1600" b="1" dirty="0">
-                <a:solidFill>
-                  <a:schemeClr val="accent6">
-                    <a:lumMod val="50000"/>
-                  </a:schemeClr>
-                </a:solidFill>
-                <a:latin typeface="Aptos Light" panose="020B0004020202020204" pitchFamily="34" charset="0"/>
-              </a:rPr>
-              <a:t>Send Notifications</a:t>
-            </a:r>
-            <a:r>
-              <a:rPr lang="en-US" sz="1600" dirty="0">
-                <a:solidFill>
-                  <a:schemeClr val="accent6">
-                    <a:lumMod val="50000"/>
-                  </a:schemeClr>
-                </a:solidFill>
-                <a:latin typeface="Aptos Light" panose="020B0004020202020204" pitchFamily="34" charset="0"/>
-              </a:rPr>
-              <a:t> - Confirm order to customer and staff</a:t>
-            </a:r>
-          </a:p>
-          <a:p>
-            <a:r>
-              <a:rPr lang="en-US" sz="1600" b="1" dirty="0">
-                <a:solidFill>
-                  <a:srgbClr val="5F6F0F"/>
-                </a:solidFill>
-                <a:latin typeface="Aptos Light" panose="020B0004020202020204" pitchFamily="34" charset="0"/>
-              </a:rPr>
-              <a:t>Key Advantages of Orchestration</a:t>
-            </a:r>
-          </a:p>
-          <a:p>
-            <a:pPr marL="342900" indent="-342900">
-              <a:buFont typeface="+mj-lt"/>
-              <a:buAutoNum type="arabicPeriod"/>
-            </a:pPr>
-            <a:r>
-              <a:rPr lang="en-US" sz="1600" b="1" dirty="0">
-                <a:solidFill>
-                  <a:schemeClr val="accent6">
-                    <a:lumMod val="50000"/>
-                  </a:schemeClr>
-                </a:solidFill>
-                <a:latin typeface="Aptos Light" panose="020B0004020202020204" pitchFamily="34" charset="0"/>
-              </a:rPr>
-              <a:t>Reliability</a:t>
-            </a:r>
-            <a:r>
-              <a:rPr lang="en-US" sz="1600" dirty="0">
-                <a:solidFill>
-                  <a:schemeClr val="accent6">
-                    <a:lumMod val="50000"/>
-                  </a:schemeClr>
-                </a:solidFill>
-                <a:latin typeface="Aptos Light" panose="020B0004020202020204" pitchFamily="34" charset="0"/>
-              </a:rPr>
-              <a:t> - Each step can retry independently</a:t>
-            </a:r>
-          </a:p>
-          <a:p>
-            <a:pPr marL="342900" indent="-342900">
-              <a:buFont typeface="+mj-lt"/>
-              <a:buAutoNum type="arabicPeriod"/>
-            </a:pPr>
-            <a:r>
-              <a:rPr lang="en-US" sz="1600" b="1" dirty="0">
-                <a:solidFill>
-                  <a:schemeClr val="accent6">
-                    <a:lumMod val="50000"/>
-                  </a:schemeClr>
-                </a:solidFill>
-                <a:latin typeface="Aptos Light" panose="020B0004020202020204" pitchFamily="34" charset="0"/>
-              </a:rPr>
-              <a:t>Visibility</a:t>
-            </a:r>
-            <a:r>
-              <a:rPr lang="en-US" sz="1600" dirty="0">
-                <a:solidFill>
-                  <a:schemeClr val="accent6">
-                    <a:lumMod val="50000"/>
-                  </a:schemeClr>
-                </a:solidFill>
-                <a:latin typeface="Aptos Light" panose="020B0004020202020204" pitchFamily="34" charset="0"/>
-              </a:rPr>
-              <a:t> - Track progress of each order through pipeline</a:t>
-            </a:r>
-          </a:p>
-          <a:p>
-            <a:pPr marL="342900" indent="-342900">
-              <a:buFont typeface="+mj-lt"/>
-              <a:buAutoNum type="arabicPeriod"/>
-            </a:pPr>
-            <a:r>
-              <a:rPr lang="en-US" sz="1600" b="1" dirty="0">
-                <a:solidFill>
-                  <a:schemeClr val="accent6">
-                    <a:lumMod val="50000"/>
-                  </a:schemeClr>
-                </a:solidFill>
-                <a:latin typeface="Aptos Light" panose="020B0004020202020204" pitchFamily="34" charset="0"/>
-              </a:rPr>
-              <a:t>Scalability</a:t>
-            </a:r>
-            <a:r>
-              <a:rPr lang="en-US" sz="1600" dirty="0">
-                <a:solidFill>
-                  <a:schemeClr val="accent6">
-                    <a:lumMod val="50000"/>
-                  </a:schemeClr>
-                </a:solidFill>
-                <a:latin typeface="Aptos Light" panose="020B0004020202020204" pitchFamily="34" charset="0"/>
-              </a:rPr>
-              <a:t> - Each step scales based on its own demands</a:t>
-            </a:r>
-          </a:p>
-          <a:p>
-            <a:pPr marL="342900" indent="-342900">
-              <a:buFont typeface="+mj-lt"/>
-              <a:buAutoNum type="arabicPeriod"/>
-            </a:pPr>
-            <a:r>
-              <a:rPr lang="en-US" sz="1600" b="1" dirty="0">
-                <a:solidFill>
-                  <a:schemeClr val="accent6">
-                    <a:lumMod val="50000"/>
-                  </a:schemeClr>
-                </a:solidFill>
-                <a:latin typeface="Aptos Light" panose="020B0004020202020204" pitchFamily="34" charset="0"/>
-              </a:rPr>
-              <a:t>Maintainability</a:t>
-            </a:r>
-            <a:r>
-              <a:rPr lang="en-US" sz="1600" dirty="0">
-                <a:solidFill>
-                  <a:schemeClr val="accent6">
-                    <a:lumMod val="50000"/>
-                  </a:schemeClr>
-                </a:solidFill>
-                <a:latin typeface="Aptos Light" panose="020B0004020202020204" pitchFamily="34" charset="0"/>
-              </a:rPr>
-              <a:t> - Clear separation of business logic</a:t>
-            </a:r>
-          </a:p>
-          <a:p>
-            <a:r>
-              <a:rPr lang="en-US" sz="1600" b="1" dirty="0">
-                <a:solidFill>
-                  <a:srgbClr val="5F6F0F"/>
-                </a:solidFill>
-                <a:latin typeface="Aptos Light" panose="020B0004020202020204" pitchFamily="34" charset="0"/>
-              </a:rPr>
-              <a:t>Error Handling Strategy</a:t>
-            </a:r>
-          </a:p>
-          <a:p>
-            <a:pPr marL="342900" indent="-342900">
-              <a:buFont typeface="+mj-lt"/>
-              <a:buAutoNum type="arabicPeriod"/>
-            </a:pPr>
-            <a:r>
-              <a:rPr lang="en-US" sz="1600" b="1" dirty="0">
-                <a:solidFill>
-                  <a:schemeClr val="accent6">
-                    <a:lumMod val="50000"/>
-                  </a:schemeClr>
-                </a:solidFill>
-                <a:latin typeface="Aptos Light" panose="020B0004020202020204" pitchFamily="34" charset="0"/>
-              </a:rPr>
-              <a:t>Automatic Retries</a:t>
-            </a:r>
-            <a:r>
-              <a:rPr lang="en-US" sz="1600" dirty="0">
-                <a:solidFill>
-                  <a:schemeClr val="accent6">
-                    <a:lumMod val="50000"/>
-                  </a:schemeClr>
-                </a:solidFill>
-                <a:latin typeface="Aptos Light" panose="020B0004020202020204" pitchFamily="34" charset="0"/>
-              </a:rPr>
-              <a:t> with exponential backoff</a:t>
-            </a:r>
-          </a:p>
-          <a:p>
-            <a:pPr marL="342900" indent="-342900">
-              <a:buFont typeface="+mj-lt"/>
-              <a:buAutoNum type="arabicPeriod"/>
-            </a:pPr>
-            <a:r>
-              <a:rPr lang="en-US" sz="1600" b="1" dirty="0">
-                <a:solidFill>
-                  <a:schemeClr val="accent6">
-                    <a:lumMod val="50000"/>
-                  </a:schemeClr>
-                </a:solidFill>
-                <a:latin typeface="Aptos Light" panose="020B0004020202020204" pitchFamily="34" charset="0"/>
-              </a:rPr>
-              <a:t>Compensation Actions</a:t>
-            </a:r>
-            <a:r>
-              <a:rPr lang="en-US" sz="1600" dirty="0">
-                <a:solidFill>
-                  <a:schemeClr val="accent6">
-                    <a:lumMod val="50000"/>
-                  </a:schemeClr>
-                </a:solidFill>
-                <a:latin typeface="Aptos Light" panose="020B0004020202020204" pitchFamily="34" charset="0"/>
-              </a:rPr>
-              <a:t> to rollback on failures</a:t>
-            </a:r>
-          </a:p>
-          <a:p>
-            <a:pPr marL="342900" indent="-342900">
-              <a:buFont typeface="+mj-lt"/>
-              <a:buAutoNum type="arabicPeriod"/>
-            </a:pPr>
-            <a:r>
-              <a:rPr lang="en-US" sz="1600" b="1" dirty="0">
-                <a:solidFill>
-                  <a:schemeClr val="accent6">
-                    <a:lumMod val="50000"/>
-                  </a:schemeClr>
-                </a:solidFill>
-                <a:latin typeface="Aptos Light" panose="020B0004020202020204" pitchFamily="34" charset="0"/>
-              </a:rPr>
-              <a:t>Dead Letter Queues</a:t>
-            </a:r>
-            <a:r>
-              <a:rPr lang="en-US" sz="1600" dirty="0">
-                <a:solidFill>
-                  <a:schemeClr val="accent6">
-                    <a:lumMod val="50000"/>
-                  </a:schemeClr>
-                </a:solidFill>
-                <a:latin typeface="Aptos Light" panose="020B0004020202020204" pitchFamily="34" charset="0"/>
-              </a:rPr>
-              <a:t> for manual intervention</a:t>
-            </a:r>
-          </a:p>
-          <a:p>
-            <a:pPr marL="342900" indent="-342900">
-              <a:buFont typeface="+mj-lt"/>
-              <a:buAutoNum type="arabicPeriod"/>
-            </a:pPr>
-            <a:r>
-              <a:rPr lang="en-US" sz="1600" b="1" dirty="0">
-                <a:solidFill>
-                  <a:schemeClr val="accent6">
-                    <a:lumMod val="50000"/>
-                  </a:schemeClr>
-                </a:solidFill>
-                <a:latin typeface="Aptos Light" panose="020B0004020202020204" pitchFamily="34" charset="0"/>
-              </a:rPr>
-              <a:t>Monitoring Alerts</a:t>
-            </a:r>
-            <a:r>
-              <a:rPr lang="en-US" sz="1600" dirty="0">
-                <a:solidFill>
-                  <a:schemeClr val="accent6">
-                    <a:lumMod val="50000"/>
-                  </a:schemeClr>
-                </a:solidFill>
-                <a:latin typeface="Aptos Light" panose="020B0004020202020204" pitchFamily="34" charset="0"/>
-              </a:rPr>
-              <a:t> for failed workflows</a:t>
-            </a:r>
-          </a:p>
-          <a:p>
-            <a:r>
-              <a:rPr lang="en-US" sz="1600" b="1" dirty="0">
-                <a:solidFill>
-                  <a:srgbClr val="5F6F0F"/>
-                </a:solidFill>
-                <a:latin typeface="Aptos Light" panose="020B0004020202020204" pitchFamily="34" charset="0"/>
-              </a:rPr>
-              <a:t>Fan-out/Fan-in Pattern for Bulk Operations</a:t>
-            </a:r>
-          </a:p>
-          <a:p>
-            <a:pPr marL="342900" indent="-342900">
-              <a:buFont typeface="+mj-lt"/>
-              <a:buAutoNum type="arabicPeriod"/>
-            </a:pPr>
-            <a:r>
-              <a:rPr lang="en-US" sz="1600" dirty="0">
-                <a:solidFill>
-                  <a:schemeClr val="accent6">
-                    <a:lumMod val="50000"/>
-                  </a:schemeClr>
-                </a:solidFill>
-                <a:latin typeface="Aptos Light" panose="020B0004020202020204" pitchFamily="34" charset="0"/>
-              </a:rPr>
-              <a:t>Process multiple orders simultaneously during peak times</a:t>
-            </a:r>
-          </a:p>
-          <a:p>
-            <a:pPr marL="342900" indent="-342900">
-              <a:buFont typeface="+mj-lt"/>
-              <a:buAutoNum type="arabicPeriod"/>
-            </a:pPr>
-            <a:r>
-              <a:rPr lang="en-US" sz="1600" dirty="0">
-                <a:solidFill>
-                  <a:schemeClr val="accent6">
-                    <a:lumMod val="50000"/>
-                  </a:schemeClr>
-                </a:solidFill>
-                <a:latin typeface="Aptos Light" panose="020B0004020202020204" pitchFamily="34" charset="0"/>
-              </a:rPr>
-              <a:t>Generate AI content for multiple products in parallel</a:t>
-            </a:r>
-          </a:p>
-          <a:p>
-            <a:pPr marL="342900" indent="-342900">
-              <a:buFont typeface="+mj-lt"/>
-              <a:buAutoNum type="arabicPeriod"/>
-            </a:pPr>
-            <a:r>
-              <a:rPr lang="en-US" sz="1600" dirty="0">
-                <a:solidFill>
-                  <a:schemeClr val="accent6">
-                    <a:lumMod val="50000"/>
-                  </a:schemeClr>
-                </a:solidFill>
-                <a:latin typeface="Aptos Light" panose="020B0004020202020204" pitchFamily="34" charset="0"/>
-              </a:rPr>
-              <a:t>Aggregate results for reporting and analytics</a:t>
-            </a:r>
-          </a:p>
-        </p:txBody>
-      </p:sp>
-      <p:sp>
-        <p:nvSpPr>
           <p:cNvPr id="3" name="TextBox 2">
             <a:extLst>
               <a:ext uri="{FF2B5EF4-FFF2-40B4-BE49-F238E27FC236}">
@@ -10901,8 +8208,8 @@
         </p:nvSpPr>
         <p:spPr>
           <a:xfrm>
-            <a:off x="6598468" y="260648"/>
-            <a:ext cx="5256584" cy="400110"/>
+            <a:off x="5878388" y="260648"/>
+            <a:ext cx="4464496" cy="584775"/>
           </a:xfrm>
           <a:prstGeom prst="rect">
             <a:avLst/>
@@ -10916,7 +8223,7 @@
           <a:lstStyle/>
           <a:p>
             <a:r>
-              <a:rPr lang="en-US" sz="2000" b="1" dirty="0">
+              <a:rPr lang="en-US" sz="3200" b="1" dirty="0">
                 <a:solidFill>
                   <a:schemeClr val="accent6">
                     <a:lumMod val="75000"/>
@@ -10924,12 +8231,458 @@
                 </a:solidFill>
                 <a:latin typeface="Aptos Light" panose="020F0502020204030204" pitchFamily="34" charset="0"/>
               </a:rPr>
-              <a:t>Durable Functions for Complex Workflows</a:t>
-            </a:r>
-            <a:endParaRPr lang="en-US" sz="2000" dirty="0"/>
+              <a:t>SECURITY AUTOMATION</a:t>
+            </a:r>
+            <a:endParaRPr lang="en-US" sz="3200" dirty="0"/>
           </a:p>
         </p:txBody>
       </p:sp>
+      <p:sp>
+        <p:nvSpPr>
+          <p:cNvPr id="4" name="TextBox 3">
+            <a:extLst>
+              <a:ext uri="{FF2B5EF4-FFF2-40B4-BE49-F238E27FC236}">
+                <a16:creationId xmlns:a16="http://schemas.microsoft.com/office/drawing/2014/main" id="{EA2FB73F-07DC-4121-9C67-01B73279DF46}"/>
+              </a:ext>
+            </a:extLst>
+          </p:cNvPr>
+          <p:cNvSpPr txBox="1"/>
+          <p:nvPr/>
+        </p:nvSpPr>
+        <p:spPr>
+          <a:xfrm>
+            <a:off x="5518348" y="1196752"/>
+            <a:ext cx="6840760" cy="4462760"/>
+          </a:xfrm>
+          <a:prstGeom prst="rect">
+            <a:avLst/>
+          </a:prstGeom>
+          <a:noFill/>
+        </p:spPr>
+        <p:txBody>
+          <a:bodyPr wrap="square">
+            <a:spAutoFit/>
+          </a:bodyPr>
+          <a:lstStyle/>
+          <a:p>
+            <a:r>
+              <a:rPr lang="en-US" sz="2000" b="1" dirty="0">
+                <a:solidFill>
+                  <a:srgbClr val="5F6F0F"/>
+                </a:solidFill>
+                <a:latin typeface="Aptos Light" panose="020B0004020202020204" pitchFamily="34" charset="0"/>
+              </a:rPr>
+              <a:t>Content:</a:t>
+            </a:r>
+            <a:r>
+              <a:rPr lang="en-US" sz="2000" dirty="0">
+                <a:solidFill>
+                  <a:srgbClr val="5F6F0F"/>
+                </a:solidFill>
+                <a:latin typeface="Aptos Light" panose="020B0004020202020204" pitchFamily="34" charset="0"/>
+              </a:rPr>
+              <a:t> </a:t>
+            </a:r>
+            <a:r>
+              <a:rPr lang="en-US" sz="2000" b="1" dirty="0">
+                <a:solidFill>
+                  <a:srgbClr val="5F6F0F"/>
+                </a:solidFill>
+                <a:latin typeface="Aptos Light" panose="020B0004020202020204" pitchFamily="34" charset="0"/>
+              </a:rPr>
+              <a:t>Automated Security Workflows:</a:t>
+            </a:r>
+            <a:endParaRPr lang="en-US" sz="2000" dirty="0">
+              <a:solidFill>
+                <a:srgbClr val="5F6F0F"/>
+              </a:solidFill>
+              <a:latin typeface="Aptos Light" panose="020B0004020202020204" pitchFamily="34" charset="0"/>
+            </a:endParaRPr>
+          </a:p>
+          <a:p>
+            <a:pPr marL="285750" indent="-285750">
+              <a:buFont typeface="Arial" panose="020B0604020202020204" pitchFamily="34" charset="0"/>
+              <a:buChar char="•"/>
+            </a:pPr>
+            <a:r>
+              <a:rPr lang="en-US" sz="1600" b="1" dirty="0">
+                <a:solidFill>
+                  <a:schemeClr val="accent6">
+                    <a:lumMod val="50000"/>
+                  </a:schemeClr>
+                </a:solidFill>
+                <a:latin typeface="Aptos Light" panose="020B0004020202020204" pitchFamily="34" charset="0"/>
+              </a:rPr>
+              <a:t>Incident Response:</a:t>
+            </a:r>
+            <a:r>
+              <a:rPr lang="en-US" sz="1600" dirty="0">
+                <a:solidFill>
+                  <a:schemeClr val="accent6">
+                    <a:lumMod val="50000"/>
+                  </a:schemeClr>
+                </a:solidFill>
+                <a:latin typeface="Aptos Light" panose="020B0004020202020204" pitchFamily="34" charset="0"/>
+              </a:rPr>
+              <a:t> Automatic threat containment and escalation</a:t>
+            </a:r>
+          </a:p>
+          <a:p>
+            <a:pPr marL="285750" indent="-285750">
+              <a:buFont typeface="Arial" panose="020B0604020202020204" pitchFamily="34" charset="0"/>
+              <a:buChar char="•"/>
+            </a:pPr>
+            <a:r>
+              <a:rPr lang="en-US" sz="1600" b="1" dirty="0">
+                <a:solidFill>
+                  <a:schemeClr val="accent6">
+                    <a:lumMod val="50000"/>
+                  </a:schemeClr>
+                </a:solidFill>
+                <a:latin typeface="Aptos Light" panose="020B0004020202020204" pitchFamily="34" charset="0"/>
+              </a:rPr>
+              <a:t>Compliance Management:</a:t>
+            </a:r>
+            <a:r>
+              <a:rPr lang="en-US" sz="1600" dirty="0">
+                <a:solidFill>
+                  <a:schemeClr val="accent6">
+                    <a:lumMod val="50000"/>
+                  </a:schemeClr>
+                </a:solidFill>
+                <a:latin typeface="Aptos Light" panose="020B0004020202020204" pitchFamily="34" charset="0"/>
+              </a:rPr>
+              <a:t> Scheduled policy scans and remediation</a:t>
+            </a:r>
+          </a:p>
+          <a:p>
+            <a:pPr marL="285750" indent="-285750">
+              <a:buFont typeface="Arial" panose="020B0604020202020204" pitchFamily="34" charset="0"/>
+              <a:buChar char="•"/>
+            </a:pPr>
+            <a:r>
+              <a:rPr lang="en-US" sz="1600" b="1" dirty="0">
+                <a:solidFill>
+                  <a:schemeClr val="accent6">
+                    <a:lumMod val="50000"/>
+                  </a:schemeClr>
+                </a:solidFill>
+                <a:latin typeface="Aptos Light" panose="020B0004020202020204" pitchFamily="34" charset="0"/>
+              </a:rPr>
+              <a:t>Vulnerability Management:</a:t>
+            </a:r>
+            <a:r>
+              <a:rPr lang="en-US" sz="1600" dirty="0">
+                <a:solidFill>
+                  <a:schemeClr val="accent6">
+                    <a:lumMod val="50000"/>
+                  </a:schemeClr>
+                </a:solidFill>
+                <a:latin typeface="Aptos Light" panose="020B0004020202020204" pitchFamily="34" charset="0"/>
+              </a:rPr>
+              <a:t> Container scanning and patch deployment</a:t>
+            </a:r>
+          </a:p>
+          <a:p>
+            <a:pPr marL="285750" indent="-285750">
+              <a:buFont typeface="Arial" panose="020B0604020202020204" pitchFamily="34" charset="0"/>
+              <a:buChar char="•"/>
+            </a:pPr>
+            <a:r>
+              <a:rPr lang="en-US" sz="1600" b="1" dirty="0">
+                <a:solidFill>
+                  <a:schemeClr val="accent6">
+                    <a:lumMod val="50000"/>
+                  </a:schemeClr>
+                </a:solidFill>
+                <a:latin typeface="Aptos Light" panose="020B0004020202020204" pitchFamily="34" charset="0"/>
+              </a:rPr>
+              <a:t>Access Management:</a:t>
+            </a:r>
+            <a:r>
+              <a:rPr lang="en-US" sz="1600" dirty="0">
+                <a:solidFill>
+                  <a:schemeClr val="accent6">
+                    <a:lumMod val="50000"/>
+                  </a:schemeClr>
+                </a:solidFill>
+                <a:latin typeface="Aptos Light" panose="020B0004020202020204" pitchFamily="34" charset="0"/>
+              </a:rPr>
+              <a:t> User lifecycle automation and certificate rotation</a:t>
+            </a:r>
+          </a:p>
+          <a:p>
+            <a:r>
+              <a:rPr lang="en-US" sz="2000" b="1" dirty="0">
+                <a:solidFill>
+                  <a:srgbClr val="5F6F0F"/>
+                </a:solidFill>
+                <a:latin typeface="Aptos Light" panose="020B0004020202020204" pitchFamily="34" charset="0"/>
+              </a:rPr>
+              <a:t>Automation Platforms:</a:t>
+            </a:r>
+            <a:endParaRPr lang="en-US" sz="2000" dirty="0">
+              <a:solidFill>
+                <a:srgbClr val="5F6F0F"/>
+              </a:solidFill>
+              <a:latin typeface="Aptos Light" panose="020B0004020202020204" pitchFamily="34" charset="0"/>
+            </a:endParaRPr>
+          </a:p>
+          <a:p>
+            <a:pPr marL="285750" indent="-285750">
+              <a:buFont typeface="Arial" panose="020B0604020202020204" pitchFamily="34" charset="0"/>
+              <a:buChar char="•"/>
+            </a:pPr>
+            <a:r>
+              <a:rPr lang="en-US" sz="1600" b="1" dirty="0">
+                <a:solidFill>
+                  <a:schemeClr val="accent6">
+                    <a:lumMod val="50000"/>
+                  </a:schemeClr>
+                </a:solidFill>
+                <a:latin typeface="Aptos Light" panose="020B0004020202020204" pitchFamily="34" charset="0"/>
+              </a:rPr>
+              <a:t>Azure Logic Apps:</a:t>
+            </a:r>
+            <a:r>
+              <a:rPr lang="en-US" sz="1600" dirty="0">
+                <a:solidFill>
+                  <a:schemeClr val="accent6">
+                    <a:lumMod val="50000"/>
+                  </a:schemeClr>
+                </a:solidFill>
+                <a:latin typeface="Aptos Light" panose="020B0004020202020204" pitchFamily="34" charset="0"/>
+              </a:rPr>
+              <a:t> Primary workflow orchestration engine</a:t>
+            </a:r>
+          </a:p>
+          <a:p>
+            <a:pPr marL="285750" indent="-285750">
+              <a:buFont typeface="Arial" panose="020B0604020202020204" pitchFamily="34" charset="0"/>
+              <a:buChar char="•"/>
+            </a:pPr>
+            <a:r>
+              <a:rPr lang="en-US" sz="1600" b="1" dirty="0">
+                <a:solidFill>
+                  <a:schemeClr val="accent6">
+                    <a:lumMod val="50000"/>
+                  </a:schemeClr>
+                </a:solidFill>
+                <a:latin typeface="Aptos Light" panose="020B0004020202020204" pitchFamily="34" charset="0"/>
+              </a:rPr>
+              <a:t>GitHub Actions:</a:t>
+            </a:r>
+            <a:r>
+              <a:rPr lang="en-US" sz="1600" dirty="0">
+                <a:solidFill>
+                  <a:schemeClr val="accent6">
+                    <a:lumMod val="50000"/>
+                  </a:schemeClr>
+                </a:solidFill>
+                <a:latin typeface="Aptos Light" panose="020B0004020202020204" pitchFamily="34" charset="0"/>
+              </a:rPr>
+              <a:t> CI/CD security automation and scanning</a:t>
+            </a:r>
+          </a:p>
+          <a:p>
+            <a:pPr marL="285750" indent="-285750">
+              <a:buFont typeface="Arial" panose="020B0604020202020204" pitchFamily="34" charset="0"/>
+              <a:buChar char="•"/>
+            </a:pPr>
+            <a:r>
+              <a:rPr lang="en-US" sz="1600" b="1" dirty="0">
+                <a:solidFill>
+                  <a:schemeClr val="accent6">
+                    <a:lumMod val="50000"/>
+                  </a:schemeClr>
+                </a:solidFill>
+                <a:latin typeface="Aptos Light" panose="020B0004020202020204" pitchFamily="34" charset="0"/>
+              </a:rPr>
+              <a:t>Microsoft Sentinel:</a:t>
+            </a:r>
+            <a:r>
+              <a:rPr lang="en-US" sz="1600" dirty="0">
+                <a:solidFill>
+                  <a:schemeClr val="accent6">
+                    <a:lumMod val="50000"/>
+                  </a:schemeClr>
+                </a:solidFill>
+                <a:latin typeface="Aptos Light" panose="020B0004020202020204" pitchFamily="34" charset="0"/>
+              </a:rPr>
+              <a:t> SOAR capabilities for threat response</a:t>
+            </a:r>
+          </a:p>
+          <a:p>
+            <a:r>
+              <a:rPr lang="en-US" sz="2000" b="1" dirty="0">
+                <a:solidFill>
+                  <a:srgbClr val="5F6F0F"/>
+                </a:solidFill>
+                <a:latin typeface="Aptos Light" panose="020B0004020202020204" pitchFamily="34" charset="0"/>
+              </a:rPr>
+              <a:t>Example Workflow - Brute Force Attack Response:</a:t>
+            </a:r>
+            <a:endParaRPr lang="en-US" sz="2000" dirty="0">
+              <a:solidFill>
+                <a:srgbClr val="5F6F0F"/>
+              </a:solidFill>
+              <a:latin typeface="Aptos Light" panose="020B0004020202020204" pitchFamily="34" charset="0"/>
+            </a:endParaRPr>
+          </a:p>
+          <a:p>
+            <a:pPr marL="342900" indent="-342900">
+              <a:buFont typeface="+mj-lt"/>
+              <a:buAutoNum type="arabicPeriod"/>
+            </a:pPr>
+            <a:r>
+              <a:rPr lang="en-US" sz="1600" dirty="0">
+                <a:solidFill>
+                  <a:schemeClr val="accent6">
+                    <a:lumMod val="50000"/>
+                  </a:schemeClr>
+                </a:solidFill>
+                <a:latin typeface="Aptos Light" panose="020B0004020202020204" pitchFamily="34" charset="0"/>
+              </a:rPr>
+              <a:t>Detection: 5+ failed logins trigger Sentinel alert</a:t>
+            </a:r>
+          </a:p>
+          <a:p>
+            <a:pPr marL="342900" indent="-342900">
+              <a:buFont typeface="+mj-lt"/>
+              <a:buAutoNum type="arabicPeriod"/>
+            </a:pPr>
+            <a:r>
+              <a:rPr lang="en-US" sz="1600" dirty="0">
+                <a:solidFill>
+                  <a:schemeClr val="accent6">
+                    <a:lumMod val="50000"/>
+                  </a:schemeClr>
+                </a:solidFill>
+                <a:latin typeface="Aptos Light" panose="020B0004020202020204" pitchFamily="34" charset="0"/>
+              </a:rPr>
+              <a:t>Analysis: Threat intelligence validation and risk scoring</a:t>
+            </a:r>
+          </a:p>
+          <a:p>
+            <a:pPr marL="342900" indent="-342900">
+              <a:buFont typeface="+mj-lt"/>
+              <a:buAutoNum type="arabicPeriod"/>
+            </a:pPr>
+            <a:r>
+              <a:rPr lang="en-US" sz="1600" dirty="0">
+                <a:solidFill>
+                  <a:schemeClr val="accent6">
+                    <a:lumMod val="50000"/>
+                  </a:schemeClr>
+                </a:solidFill>
+                <a:latin typeface="Aptos Light" panose="020B0004020202020204" pitchFamily="34" charset="0"/>
+              </a:rPr>
+              <a:t>Response: Automatic IP blocking and account suspension</a:t>
+            </a:r>
+          </a:p>
+          <a:p>
+            <a:pPr marL="342900" indent="-342900">
+              <a:buFont typeface="+mj-lt"/>
+              <a:buAutoNum type="arabicPeriod"/>
+            </a:pPr>
+            <a:r>
+              <a:rPr lang="en-US" sz="1600" dirty="0">
+                <a:solidFill>
+                  <a:schemeClr val="accent6">
+                    <a:lumMod val="50000"/>
+                  </a:schemeClr>
+                </a:solidFill>
+                <a:latin typeface="Aptos Light" panose="020B0004020202020204" pitchFamily="34" charset="0"/>
+              </a:rPr>
+              <a:t>Notification: Security team alert via Teams/email</a:t>
+            </a:r>
+          </a:p>
+          <a:p>
+            <a:pPr marL="342900" indent="-342900">
+              <a:buFont typeface="+mj-lt"/>
+              <a:buAutoNum type="arabicPeriod"/>
+            </a:pPr>
+            <a:r>
+              <a:rPr lang="en-US" sz="1600" dirty="0">
+                <a:solidFill>
+                  <a:schemeClr val="accent6">
+                    <a:lumMod val="50000"/>
+                  </a:schemeClr>
+                </a:solidFill>
+                <a:latin typeface="Aptos Light" panose="020B0004020202020204" pitchFamily="34" charset="0"/>
+              </a:rPr>
+              <a:t>Documentation: Incident creation in ServiceNow</a:t>
+            </a:r>
+          </a:p>
+          <a:p>
+            <a:pPr marL="342900" indent="-342900">
+              <a:buFont typeface="+mj-lt"/>
+              <a:buAutoNum type="arabicPeriod"/>
+            </a:pPr>
+            <a:r>
+              <a:rPr lang="en-US" sz="1600" dirty="0">
+                <a:solidFill>
+                  <a:schemeClr val="accent6">
+                    <a:lumMod val="50000"/>
+                  </a:schemeClr>
+                </a:solidFill>
+                <a:latin typeface="Aptos Light" panose="020B0004020202020204" pitchFamily="34" charset="0"/>
+              </a:rPr>
+              <a:t>Reporting: Compliance log updates</a:t>
+            </a:r>
+          </a:p>
+          <a:p>
+            <a:pPr marL="342900" indent="-342900">
+              <a:buFont typeface="+mj-lt"/>
+              <a:buAutoNum type="arabicPeriod"/>
+            </a:pPr>
+            <a:endParaRPr lang="en-US" sz="1600" dirty="0">
+              <a:solidFill>
+                <a:schemeClr val="accent6">
+                  <a:lumMod val="50000"/>
+                </a:schemeClr>
+              </a:solidFill>
+              <a:latin typeface="Aptos Light" panose="020B0004020202020204" pitchFamily="34" charset="0"/>
+            </a:endParaRPr>
+          </a:p>
+        </p:txBody>
+      </p:sp>
+      <p:pic>
+        <p:nvPicPr>
+          <p:cNvPr id="6" name="Picture 5" descr="A screenshot of a computer&#10;&#10;AI-generated content may be incorrect.">
+            <a:extLst>
+              <a:ext uri="{FF2B5EF4-FFF2-40B4-BE49-F238E27FC236}">
+                <a16:creationId xmlns:a16="http://schemas.microsoft.com/office/drawing/2014/main" id="{BA30F11F-245D-7D3B-2F42-AABB7DBD0814}"/>
+              </a:ext>
+            </a:extLst>
+          </p:cNvPr>
+          <p:cNvPicPr>
+            <a:picLocks noChangeAspect="1"/>
+          </p:cNvPicPr>
+          <p:nvPr/>
+        </p:nvPicPr>
+        <p:blipFill>
+          <a:blip r:embed="rId2" cstate="print">
+            <a:extLst>
+              <a:ext uri="{28A0092B-C50C-407E-A947-70E740481C1C}">
+                <a14:useLocalDpi xmlns:a14="http://schemas.microsoft.com/office/drawing/2010/main" val="0"/>
+              </a:ext>
+            </a:extLst>
+          </a:blip>
+          <a:stretch>
+            <a:fillRect/>
+          </a:stretch>
+        </p:blipFill>
+        <p:spPr>
+          <a:xfrm>
+            <a:off x="909836" y="188640"/>
+            <a:ext cx="4248472" cy="6432232"/>
+          </a:xfrm>
+          <a:prstGeom prst="rect">
+            <a:avLst/>
+          </a:prstGeom>
+        </p:spPr>
+      </p:pic>
     </p:spTree>
     <p:extLst>
       <p:ext uri="{BB962C8B-B14F-4D97-AF65-F5344CB8AC3E}">
@@ -10940,13 +8693,13 @@
   <p:clrMapOvr>
     <a:masterClrMapping/>
   </p:clrMapOvr>
-  <mc:AlternateContent xmlns:mc="http://schemas.openxmlformats.org/markup-compatibility/2006">
-    <mc:Choice xmlns:p14="http://schemas.microsoft.com/office/powerpoint/2010/main" Requires="p14">
+  <mc:AlternateContent xmlns:mc="http://schemas.openxmlformats.org/markup-compatibility/2006" xmlns:p14="http://schemas.microsoft.com/office/powerpoint/2010/main">
+    <mc:Choice Requires="p14">
       <p:transition spd="med" p14:dur="700">
         <p:fade/>
       </p:transition>
     </mc:Choice>
-    <mc:Fallback>
+    <mc:Fallback xmlns="">
       <p:transition spd="med">
         <p:fade/>
       </p:transition>
@@ -10973,7 +8726,7 @@
         <p:cNvPr id="1" name="">
           <a:extLst>
             <a:ext uri="{FF2B5EF4-FFF2-40B4-BE49-F238E27FC236}">
-              <a16:creationId xmlns:a16="http://schemas.microsoft.com/office/drawing/2014/main" id="{0A96E6D9-712F-7517-7062-C6B3D6F1591B}"/>
+              <a16:creationId xmlns:a16="http://schemas.microsoft.com/office/drawing/2014/main" id="{AAF4CE35-E151-977C-337F-2A1A58949E04}"/>
             </a:ext>
           </a:extLst>
         </p:cNvPr>
@@ -10993,7 +8746,7 @@
           <p:cNvPr id="7" name="TextBox 6">
             <a:extLst>
               <a:ext uri="{FF2B5EF4-FFF2-40B4-BE49-F238E27FC236}">
-                <a16:creationId xmlns:a16="http://schemas.microsoft.com/office/drawing/2014/main" id="{E3429576-FAAF-F1DF-E24D-D83C350FDF87}"/>
+                <a16:creationId xmlns:a16="http://schemas.microsoft.com/office/drawing/2014/main" id="{26EF0966-E2F4-CC13-E051-23C938381259}"/>
               </a:ext>
             </a:extLst>
           </p:cNvPr>
@@ -11002,8 +8755,8 @@
         </p:nvSpPr>
         <p:spPr>
           <a:xfrm>
-            <a:off x="6166420" y="1196752"/>
-            <a:ext cx="8496944" cy="5262979"/>
+            <a:off x="5158308" y="548680"/>
+            <a:ext cx="7030517" cy="3970318"/>
           </a:xfrm>
           <a:prstGeom prst="rect">
             <a:avLst/>
@@ -11017,28 +8770,15 @@
           <a:lstStyle/>
           <a:p>
             <a:r>
-              <a:rPr lang="en-US" sz="1800" b="1" dirty="0">
-                <a:solidFill>
-                  <a:schemeClr val="accent3">
-                    <a:lumMod val="75000"/>
-                  </a:schemeClr>
-                </a:solidFill>
-                <a:latin typeface="Aptos Light" panose="020B0004020202020204" pitchFamily="34" charset="0"/>
-              </a:rPr>
-              <a:t>Order Processing Orchestration</a:t>
-            </a:r>
-          </a:p>
-          <a:p>
-            <a:r>
-              <a:rPr lang="en-US" sz="1600" b="1" dirty="0">
+              <a:rPr lang="en-US" sz="2000" b="1" dirty="0">
                 <a:solidFill>
                   <a:srgbClr val="5F6F0F"/>
                 </a:solidFill>
                 <a:latin typeface="Aptos Light" panose="020B0004020202020204" pitchFamily="34" charset="0"/>
               </a:rPr>
-              <a:t>Sequential Steps:</a:t>
-            </a:r>
-            <a:endParaRPr lang="en-US" sz="1600" dirty="0">
+              <a:t>Security Transformation Achieved:</a:t>
+            </a:r>
+            <a:endParaRPr lang="en-US" sz="2000" dirty="0">
               <a:solidFill>
                 <a:srgbClr val="5F6F0F"/>
               </a:solidFill>
@@ -11046,9 +8786,9 @@
             </a:endParaRPr>
           </a:p>
           <a:p>
-            <a:pPr marL="342900" indent="-342900">
-              <a:buFont typeface="+mj-lt"/>
-              <a:buAutoNum type="arabicPeriod"/>
+            <a:pPr marL="285750" indent="-285750">
+              <a:buFont typeface="Arial" panose="020B0604020202020204" pitchFamily="34" charset="0"/>
+              <a:buChar char="•"/>
             </a:pPr>
             <a:r>
               <a:rPr lang="en-US" sz="1600" b="1" dirty="0">
@@ -11059,7 +8799,7 @@
                 </a:solidFill>
                 <a:latin typeface="Aptos Light" panose="020B0004020202020204" pitchFamily="34" charset="0"/>
               </a:rPr>
-              <a:t>Validate Order</a:t>
+              <a:t>Identity &amp; Access:</a:t>
             </a:r>
             <a:r>
               <a:rPr lang="en-US" sz="1600" dirty="0">
@@ -11070,13 +8810,13 @@
                 </a:solidFill>
                 <a:latin typeface="Aptos Light" panose="020B0004020202020204" pitchFamily="34" charset="0"/>
               </a:rPr>
-              <a:t> - Check inventory, customer details</a:t>
-            </a:r>
-          </a:p>
-          <a:p>
-            <a:pPr marL="342900" indent="-342900">
-              <a:buFont typeface="+mj-lt"/>
-              <a:buAutoNum type="arabicPeriod"/>
+              <a:t> Microsoft Entra ID with SSO, MFA, and conditional access</a:t>
+            </a:r>
+          </a:p>
+          <a:p>
+            <a:pPr marL="285750" indent="-285750">
+              <a:buFont typeface="Arial" panose="020B0604020202020204" pitchFamily="34" charset="0"/>
+              <a:buChar char="•"/>
             </a:pPr>
             <a:r>
               <a:rPr lang="en-US" sz="1600" b="1" dirty="0">
@@ -11087,7 +8827,7 @@
                 </a:solidFill>
                 <a:latin typeface="Aptos Light" panose="020B0004020202020204" pitchFamily="34" charset="0"/>
               </a:rPr>
-              <a:t>Process Payment</a:t>
+              <a:t>Data Protection:</a:t>
             </a:r>
             <a:r>
               <a:rPr lang="en-US" sz="1600" dirty="0">
@@ -11098,13 +8838,13 @@
                 </a:solidFill>
                 <a:latin typeface="Aptos Light" panose="020B0004020202020204" pitchFamily="34" charset="0"/>
               </a:rPr>
-              <a:t> - Handle payment processing</a:t>
-            </a:r>
-          </a:p>
-          <a:p>
-            <a:pPr marL="342900" indent="-342900">
-              <a:buFont typeface="+mj-lt"/>
-              <a:buAutoNum type="arabicPeriod"/>
+              <a:t> Encryption at rest/transit, classification, PII protection</a:t>
+            </a:r>
+          </a:p>
+          <a:p>
+            <a:pPr marL="285750" indent="-285750">
+              <a:buFont typeface="Arial" panose="020B0604020202020204" pitchFamily="34" charset="0"/>
+              <a:buChar char="•"/>
             </a:pPr>
             <a:r>
               <a:rPr lang="en-US" sz="1600" b="1" dirty="0">
@@ -11115,7 +8855,7 @@
                 </a:solidFill>
                 <a:latin typeface="Aptos Light" panose="020B0004020202020204" pitchFamily="34" charset="0"/>
               </a:rPr>
-              <a:t>Generate AI Content</a:t>
+              <a:t>Threat Detection:</a:t>
             </a:r>
             <a:r>
               <a:rPr lang="en-US" sz="1600" dirty="0">
@@ -11126,13 +8866,13 @@
                 </a:solidFill>
                 <a:latin typeface="Aptos Light" panose="020B0004020202020204" pitchFamily="34" charset="0"/>
               </a:rPr>
-              <a:t> - Create product descriptions (if needed)</a:t>
-            </a:r>
-          </a:p>
-          <a:p>
-            <a:pPr marL="342900" indent="-342900">
-              <a:buFont typeface="+mj-lt"/>
-              <a:buAutoNum type="arabicPeriod"/>
+              <a:t> 24/7 monitoring with ML-powered analytics</a:t>
+            </a:r>
+          </a:p>
+          <a:p>
+            <a:pPr marL="285750" indent="-285750">
+              <a:buFont typeface="Arial" panose="020B0604020202020204" pitchFamily="34" charset="0"/>
+              <a:buChar char="•"/>
             </a:pPr>
             <a:r>
               <a:rPr lang="en-US" sz="1600" b="1" dirty="0">
@@ -11143,7 +8883,7 @@
                 </a:solidFill>
                 <a:latin typeface="Aptos Light" panose="020B0004020202020204" pitchFamily="34" charset="0"/>
               </a:rPr>
-              <a:t>Update Inventory</a:t>
+              <a:t>Compliance &amp; Governance:</a:t>
             </a:r>
             <a:r>
               <a:rPr lang="en-US" sz="1600" dirty="0">
@@ -11154,13 +8894,30 @@
                 </a:solidFill>
                 <a:latin typeface="Aptos Light" panose="020B0004020202020204" pitchFamily="34" charset="0"/>
               </a:rPr>
-              <a:t> - Decrement stock levels</a:t>
-            </a:r>
-          </a:p>
-          <a:p>
-            <a:pPr marL="342900" indent="-342900">
-              <a:buFont typeface="+mj-lt"/>
-              <a:buAutoNum type="arabicPeriod"/>
+              <a:t> Automated policy enforcement and audit logging</a:t>
+            </a:r>
+          </a:p>
+          <a:p>
+            <a:r>
+              <a:rPr lang="en-US" sz="2000" b="1" dirty="0">
+                <a:solidFill>
+                  <a:srgbClr val="5F6F0F"/>
+                </a:solidFill>
+                <a:latin typeface="Aptos Light" panose="020B0004020202020204" pitchFamily="34" charset="0"/>
+              </a:rPr>
+              <a:t>Implementation Roadmap:</a:t>
+            </a:r>
+            <a:endParaRPr lang="en-US" sz="2000" dirty="0">
+              <a:solidFill>
+                <a:srgbClr val="5F6F0F"/>
+              </a:solidFill>
+              <a:latin typeface="Aptos Light" panose="020B0004020202020204" pitchFamily="34" charset="0"/>
+            </a:endParaRPr>
+          </a:p>
+          <a:p>
+            <a:pPr marL="285750" indent="-285750">
+              <a:buFont typeface="Arial" panose="020B0604020202020204" pitchFamily="34" charset="0"/>
+              <a:buChar char="•"/>
             </a:pPr>
             <a:r>
               <a:rPr lang="en-US" sz="1600" b="1" dirty="0">
@@ -11171,7 +8928,7 @@
                 </a:solidFill>
                 <a:latin typeface="Aptos Light" panose="020B0004020202020204" pitchFamily="34" charset="0"/>
               </a:rPr>
-              <a:t>Send Notifications</a:t>
+              <a:t>Month 1-2:</a:t>
             </a:r>
             <a:r>
               <a:rPr lang="en-US" sz="1600" dirty="0">
@@ -11182,37 +8939,116 @@
                 </a:solidFill>
                 <a:latin typeface="Aptos Light" panose="020B0004020202020204" pitchFamily="34" charset="0"/>
               </a:rPr>
-              <a:t> - Confirm order to customer and staff</a:t>
-            </a:r>
-          </a:p>
-          <a:p>
+              <a:t> Identity infrastructure and secrets management</a:t>
+            </a:r>
+          </a:p>
+          <a:p>
+            <a:pPr marL="285750" indent="-285750">
+              <a:buFont typeface="Arial" panose="020B0604020202020204" pitchFamily="34" charset="0"/>
+              <a:buChar char="•"/>
+            </a:pPr>
             <a:r>
               <a:rPr lang="en-US" sz="1600" b="1" dirty="0">
                 <a:solidFill>
+                  <a:schemeClr val="accent6">
+                    <a:lumMod val="50000"/>
+                  </a:schemeClr>
+                </a:solidFill>
+                <a:latin typeface="Aptos Light" panose="020B0004020202020204" pitchFamily="34" charset="0"/>
+              </a:rPr>
+              <a:t>Month 3-4:</a:t>
+            </a:r>
+            <a:r>
+              <a:rPr lang="en-US" sz="1600" dirty="0">
+                <a:solidFill>
+                  <a:schemeClr val="accent6">
+                    <a:lumMod val="50000"/>
+                  </a:schemeClr>
+                </a:solidFill>
+                <a:latin typeface="Aptos Light" panose="020B0004020202020204" pitchFamily="34" charset="0"/>
+              </a:rPr>
+              <a:t> Monitoring, alerting, and threat detection</a:t>
+            </a:r>
+          </a:p>
+          <a:p>
+            <a:pPr marL="285750" indent="-285750">
+              <a:buFont typeface="Arial" panose="020B0604020202020204" pitchFamily="34" charset="0"/>
+              <a:buChar char="•"/>
+            </a:pPr>
+            <a:r>
+              <a:rPr lang="en-US" sz="1600" b="1" dirty="0">
+                <a:solidFill>
+                  <a:schemeClr val="accent6">
+                    <a:lumMod val="50000"/>
+                  </a:schemeClr>
+                </a:solidFill>
+                <a:latin typeface="Aptos Light" panose="020B0004020202020204" pitchFamily="34" charset="0"/>
+              </a:rPr>
+              <a:t>Month 5-6:</a:t>
+            </a:r>
+            <a:r>
+              <a:rPr lang="en-US" sz="1600" dirty="0">
+                <a:solidFill>
+                  <a:schemeClr val="accent6">
+                    <a:lumMod val="50000"/>
+                  </a:schemeClr>
+                </a:solidFill>
+                <a:latin typeface="Aptos Light" panose="020B0004020202020204" pitchFamily="34" charset="0"/>
+              </a:rPr>
+              <a:t> Automation workflows and policy enforcement</a:t>
+            </a:r>
+          </a:p>
+          <a:p>
+            <a:pPr marL="285750" indent="-285750">
+              <a:buFont typeface="Arial" panose="020B0604020202020204" pitchFamily="34" charset="0"/>
+              <a:buChar char="•"/>
+            </a:pPr>
+            <a:r>
+              <a:rPr lang="en-US" sz="1600" b="1" dirty="0">
+                <a:solidFill>
+                  <a:schemeClr val="accent6">
+                    <a:lumMod val="50000"/>
+                  </a:schemeClr>
+                </a:solidFill>
+                <a:latin typeface="Aptos Light" panose="020B0004020202020204" pitchFamily="34" charset="0"/>
+              </a:rPr>
+              <a:t>Ongoing:</a:t>
+            </a:r>
+            <a:r>
+              <a:rPr lang="en-US" sz="1600" dirty="0">
+                <a:solidFill>
+                  <a:schemeClr val="accent6">
+                    <a:lumMod val="50000"/>
+                  </a:schemeClr>
+                </a:solidFill>
+                <a:latin typeface="Aptos Light" panose="020B0004020202020204" pitchFamily="34" charset="0"/>
+              </a:rPr>
+              <a:t> Optimization and continuous improvement</a:t>
+            </a:r>
+          </a:p>
+          <a:p>
+            <a:r>
+              <a:rPr lang="en-US" sz="2000" b="1" dirty="0">
+                <a:solidFill>
                   <a:srgbClr val="5F6F0F"/>
                 </a:solidFill>
                 <a:latin typeface="Aptos Light" panose="020B0004020202020204" pitchFamily="34" charset="0"/>
               </a:rPr>
-              <a:t>Key Advantages of Orchestration</a:t>
-            </a:r>
-          </a:p>
-          <a:p>
-            <a:pPr marL="342900" indent="-342900">
-              <a:buFont typeface="+mj-lt"/>
-              <a:buAutoNum type="arabicPeriod"/>
+              <a:t>Success Metrics:</a:t>
+            </a:r>
+            <a:endParaRPr lang="en-US" sz="2000" dirty="0">
+              <a:solidFill>
+                <a:srgbClr val="5F6F0F"/>
+              </a:solidFill>
+              <a:latin typeface="Aptos Light" panose="020B0004020202020204" pitchFamily="34" charset="0"/>
+            </a:endParaRPr>
+          </a:p>
+          <a:p>
+            <a:pPr marL="285750" indent="-285750">
+              <a:buFont typeface="Arial" panose="020B0604020202020204" pitchFamily="34" charset="0"/>
+              <a:buChar char="•"/>
             </a:pPr>
             <a:r>
-              <a:rPr lang="en-US" sz="1600" b="1" dirty="0">
-                <a:solidFill>
-                  <a:schemeClr val="accent6">
-                    <a:lumMod val="50000"/>
-                  </a:schemeClr>
-                </a:solidFill>
-                <a:latin typeface="Aptos Light" panose="020B0004020202020204" pitchFamily="34" charset="0"/>
-              </a:rPr>
-              <a:t>Reliability</a:t>
-            </a:r>
-            <a:r>
               <a:rPr lang="en-US" sz="1600" dirty="0">
                 <a:solidFill>
                   <a:schemeClr val="accent6">
@@ -11221,26 +9057,15 @@
                 </a:solidFill>
                 <a:latin typeface="Aptos Light" panose="020B0004020202020204" pitchFamily="34" charset="0"/>
               </a:rPr>
-              <a:t> - Each step can retry independently</a:t>
-            </a:r>
-          </a:p>
-          <a:p>
-            <a:pPr marL="342900" indent="-342900">
-              <a:buFont typeface="+mj-lt"/>
-              <a:buAutoNum type="arabicPeriod"/>
+              <a:t>Mean Time to Detection (MTTD) &lt; 15 minutes</a:t>
+            </a:r>
+          </a:p>
+          <a:p>
+            <a:pPr marL="285750" indent="-285750">
+              <a:buFont typeface="Arial" panose="020B0604020202020204" pitchFamily="34" charset="0"/>
+              <a:buChar char="•"/>
             </a:pPr>
             <a:r>
-              <a:rPr lang="en-US" sz="1600" b="1" dirty="0">
-                <a:solidFill>
-                  <a:schemeClr val="accent6">
-                    <a:lumMod val="50000"/>
-                  </a:schemeClr>
-                </a:solidFill>
-                <a:latin typeface="Aptos Light" panose="020B0004020202020204" pitchFamily="34" charset="0"/>
-              </a:rPr>
-              <a:t>Visibility</a:t>
-            </a:r>
-            <a:r>
               <a:rPr lang="en-US" sz="1600" dirty="0">
                 <a:solidFill>
                   <a:schemeClr val="accent6">
@@ -11249,26 +9074,15 @@
                 </a:solidFill>
                 <a:latin typeface="Aptos Light" panose="020B0004020202020204" pitchFamily="34" charset="0"/>
               </a:rPr>
-              <a:t> - Track progress of each order through pipeline</a:t>
-            </a:r>
-          </a:p>
-          <a:p>
-            <a:pPr marL="342900" indent="-342900">
-              <a:buFont typeface="+mj-lt"/>
-              <a:buAutoNum type="arabicPeriod"/>
+              <a:t>Mean Time to Response (MTTR) &lt; 1 hour</a:t>
+            </a:r>
+          </a:p>
+          <a:p>
+            <a:pPr marL="285750" indent="-285750">
+              <a:buFont typeface="Arial" panose="020B0604020202020204" pitchFamily="34" charset="0"/>
+              <a:buChar char="•"/>
             </a:pPr>
             <a:r>
-              <a:rPr lang="en-US" sz="1600" b="1" dirty="0">
-                <a:solidFill>
-                  <a:schemeClr val="accent6">
-                    <a:lumMod val="50000"/>
-                  </a:schemeClr>
-                </a:solidFill>
-                <a:latin typeface="Aptos Light" panose="020B0004020202020204" pitchFamily="34" charset="0"/>
-              </a:rPr>
-              <a:t>Scalability</a:t>
-            </a:r>
-            <a:r>
               <a:rPr lang="en-US" sz="1600" dirty="0">
                 <a:solidFill>
                   <a:schemeClr val="accent6">
@@ -11277,26 +9091,15 @@
                 </a:solidFill>
                 <a:latin typeface="Aptos Light" panose="020B0004020202020204" pitchFamily="34" charset="0"/>
               </a:rPr>
-              <a:t> - Each step scales based on its own demands</a:t>
-            </a:r>
-          </a:p>
-          <a:p>
-            <a:pPr marL="342900" indent="-342900">
-              <a:buFont typeface="+mj-lt"/>
-              <a:buAutoNum type="arabicPeriod"/>
+              <a:t>100% automated policy compliance checks</a:t>
+            </a:r>
+          </a:p>
+          <a:p>
+            <a:pPr marL="285750" indent="-285750">
+              <a:buFont typeface="Arial" panose="020B0604020202020204" pitchFamily="34" charset="0"/>
+              <a:buChar char="•"/>
             </a:pPr>
             <a:r>
-              <a:rPr lang="en-US" sz="1600" b="1" dirty="0">
-                <a:solidFill>
-                  <a:schemeClr val="accent6">
-                    <a:lumMod val="50000"/>
-                  </a:schemeClr>
-                </a:solidFill>
-                <a:latin typeface="Aptos Light" panose="020B0004020202020204" pitchFamily="34" charset="0"/>
-              </a:rPr>
-              <a:t>Maintainability</a:t>
-            </a:r>
-            <a:r>
               <a:rPr lang="en-US" sz="1600" dirty="0">
                 <a:solidFill>
                   <a:schemeClr val="accent6">
@@ -11305,192 +9108,7 @@
                 </a:solidFill>
                 <a:latin typeface="Aptos Light" panose="020B0004020202020204" pitchFamily="34" charset="0"/>
               </a:rPr>
-              <a:t> - Clear separation of business logic</a:t>
-            </a:r>
-          </a:p>
-          <a:p>
-            <a:r>
-              <a:rPr lang="en-US" sz="1600" b="1" dirty="0">
-                <a:solidFill>
-                  <a:srgbClr val="5F6F0F"/>
-                </a:solidFill>
-                <a:latin typeface="Aptos Light" panose="020B0004020202020204" pitchFamily="34" charset="0"/>
-              </a:rPr>
-              <a:t>Error Handling Strategy</a:t>
-            </a:r>
-          </a:p>
-          <a:p>
-            <a:pPr marL="342900" indent="-342900">
-              <a:buFont typeface="+mj-lt"/>
-              <a:buAutoNum type="arabicPeriod"/>
-            </a:pPr>
-            <a:r>
-              <a:rPr lang="en-US" sz="1600" b="1" dirty="0">
-                <a:solidFill>
-                  <a:schemeClr val="accent6">
-                    <a:lumMod val="50000"/>
-                  </a:schemeClr>
-                </a:solidFill>
-                <a:latin typeface="Aptos Light" panose="020B0004020202020204" pitchFamily="34" charset="0"/>
-              </a:rPr>
-              <a:t>Automatic Retries</a:t>
-            </a:r>
-            <a:r>
-              <a:rPr lang="en-US" sz="1600" dirty="0">
-                <a:solidFill>
-                  <a:schemeClr val="accent6">
-                    <a:lumMod val="50000"/>
-                  </a:schemeClr>
-                </a:solidFill>
-                <a:latin typeface="Aptos Light" panose="020B0004020202020204" pitchFamily="34" charset="0"/>
-              </a:rPr>
-              <a:t> with exponential backoff</a:t>
-            </a:r>
-          </a:p>
-          <a:p>
-            <a:pPr marL="342900" indent="-342900">
-              <a:buFont typeface="+mj-lt"/>
-              <a:buAutoNum type="arabicPeriod"/>
-            </a:pPr>
-            <a:r>
-              <a:rPr lang="en-US" sz="1600" b="1" dirty="0">
-                <a:solidFill>
-                  <a:schemeClr val="accent6">
-                    <a:lumMod val="50000"/>
-                  </a:schemeClr>
-                </a:solidFill>
-                <a:latin typeface="Aptos Light" panose="020B0004020202020204" pitchFamily="34" charset="0"/>
-              </a:rPr>
-              <a:t>Compensation Actions</a:t>
-            </a:r>
-            <a:r>
-              <a:rPr lang="en-US" sz="1600" dirty="0">
-                <a:solidFill>
-                  <a:schemeClr val="accent6">
-                    <a:lumMod val="50000"/>
-                  </a:schemeClr>
-                </a:solidFill>
-                <a:latin typeface="Aptos Light" panose="020B0004020202020204" pitchFamily="34" charset="0"/>
-              </a:rPr>
-              <a:t> to rollback on failures</a:t>
-            </a:r>
-          </a:p>
-          <a:p>
-            <a:pPr marL="342900" indent="-342900">
-              <a:buFont typeface="+mj-lt"/>
-              <a:buAutoNum type="arabicPeriod"/>
-            </a:pPr>
-            <a:r>
-              <a:rPr lang="en-US" sz="1600" b="1" dirty="0">
-                <a:solidFill>
-                  <a:schemeClr val="accent6">
-                    <a:lumMod val="50000"/>
-                  </a:schemeClr>
-                </a:solidFill>
-                <a:latin typeface="Aptos Light" panose="020B0004020202020204" pitchFamily="34" charset="0"/>
-              </a:rPr>
-              <a:t>Dead Letter Queues</a:t>
-            </a:r>
-            <a:r>
-              <a:rPr lang="en-US" sz="1600" dirty="0">
-                <a:solidFill>
-                  <a:schemeClr val="accent6">
-                    <a:lumMod val="50000"/>
-                  </a:schemeClr>
-                </a:solidFill>
-                <a:latin typeface="Aptos Light" panose="020B0004020202020204" pitchFamily="34" charset="0"/>
-              </a:rPr>
-              <a:t> for manual intervention</a:t>
-            </a:r>
-          </a:p>
-          <a:p>
-            <a:pPr marL="342900" indent="-342900">
-              <a:buFont typeface="+mj-lt"/>
-              <a:buAutoNum type="arabicPeriod"/>
-            </a:pPr>
-            <a:r>
-              <a:rPr lang="en-US" sz="1600" b="1" dirty="0">
-                <a:solidFill>
-                  <a:schemeClr val="accent6">
-                    <a:lumMod val="50000"/>
-                  </a:schemeClr>
-                </a:solidFill>
-                <a:latin typeface="Aptos Light" panose="020B0004020202020204" pitchFamily="34" charset="0"/>
-              </a:rPr>
-              <a:t>Monitoring Alerts</a:t>
-            </a:r>
-            <a:r>
-              <a:rPr lang="en-US" sz="1600" dirty="0">
-                <a:solidFill>
-                  <a:schemeClr val="accent6">
-                    <a:lumMod val="50000"/>
-                  </a:schemeClr>
-                </a:solidFill>
-                <a:latin typeface="Aptos Light" panose="020B0004020202020204" pitchFamily="34" charset="0"/>
-              </a:rPr>
-              <a:t> for failed workflows</a:t>
-            </a:r>
-          </a:p>
-          <a:p>
-            <a:r>
-              <a:rPr lang="en-US" sz="1600" b="1" dirty="0">
-                <a:solidFill>
-                  <a:srgbClr val="5F6F0F"/>
-                </a:solidFill>
-                <a:latin typeface="Aptos Light" panose="020B0004020202020204" pitchFamily="34" charset="0"/>
-              </a:rPr>
-              <a:t>Fan-out/Fan-in Pattern for Bulk Operations</a:t>
-            </a:r>
-          </a:p>
-          <a:p>
-            <a:pPr marL="342900" indent="-342900">
-              <a:buFont typeface="+mj-lt"/>
-              <a:buAutoNum type="arabicPeriod"/>
-            </a:pPr>
-            <a:r>
-              <a:rPr lang="en-US" sz="1600" dirty="0">
-                <a:solidFill>
-                  <a:schemeClr val="accent6">
-                    <a:lumMod val="50000"/>
-                  </a:schemeClr>
-                </a:solidFill>
-                <a:latin typeface="Aptos Light" panose="020B0004020202020204" pitchFamily="34" charset="0"/>
-              </a:rPr>
-              <a:t>Process multiple orders simultaneously during peak times</a:t>
-            </a:r>
-          </a:p>
-          <a:p>
-            <a:pPr marL="342900" indent="-342900">
-              <a:buFont typeface="+mj-lt"/>
-              <a:buAutoNum type="arabicPeriod"/>
-            </a:pPr>
-            <a:r>
-              <a:rPr lang="en-US" sz="1600" dirty="0">
-                <a:solidFill>
-                  <a:schemeClr val="accent6">
-                    <a:lumMod val="50000"/>
-                  </a:schemeClr>
-                </a:solidFill>
-                <a:latin typeface="Aptos Light" panose="020B0004020202020204" pitchFamily="34" charset="0"/>
-              </a:rPr>
-              <a:t>Generate AI content for multiple products in parallel</a:t>
-            </a:r>
-          </a:p>
-          <a:p>
-            <a:pPr marL="342900" indent="-342900">
-              <a:buFont typeface="+mj-lt"/>
-              <a:buAutoNum type="arabicPeriod"/>
-            </a:pPr>
-            <a:r>
-              <a:rPr lang="en-US" sz="1600" dirty="0">
-                <a:solidFill>
-                  <a:schemeClr val="accent6">
-                    <a:lumMod val="50000"/>
-                  </a:schemeClr>
-                </a:solidFill>
-                <a:latin typeface="Aptos Light" panose="020B0004020202020204" pitchFamily="34" charset="0"/>
-              </a:rPr>
-              <a:t>Aggregate results for reporting and analytics</a:t>
+              <a:t>Zero security misconfigurations through CSPM</a:t>
             </a:r>
           </a:p>
         </p:txBody>
@@ -11500,7 +9118,7 @@
           <p:cNvPr id="3" name="TextBox 2">
             <a:extLst>
               <a:ext uri="{FF2B5EF4-FFF2-40B4-BE49-F238E27FC236}">
-                <a16:creationId xmlns:a16="http://schemas.microsoft.com/office/drawing/2014/main" id="{77CDD7F5-151E-69F9-A058-A4E896B52DE4}"/>
+                <a16:creationId xmlns:a16="http://schemas.microsoft.com/office/drawing/2014/main" id="{F5DF968B-F376-142B-6086-05A606F43BB8}"/>
               </a:ext>
             </a:extLst>
           </p:cNvPr>
@@ -11509,8 +9127,8 @@
         </p:nvSpPr>
         <p:spPr>
           <a:xfrm>
-            <a:off x="6598468" y="260648"/>
-            <a:ext cx="5256584" cy="400110"/>
+            <a:off x="5806380" y="76562"/>
+            <a:ext cx="3600400" cy="400110"/>
           </a:xfrm>
           <a:prstGeom prst="rect">
             <a:avLst/>
@@ -11532,29 +9150,177 @@
                 </a:solidFill>
                 <a:latin typeface="Aptos Light" panose="020F0502020204030204" pitchFamily="34" charset="0"/>
               </a:rPr>
-              <a:t>Durable Functions for Complex Workflows</a:t>
+              <a:t>BEST PRACTICES &amp; SUMMARY</a:t>
             </a:r>
             <a:endParaRPr lang="en-US" sz="2000" dirty="0"/>
           </a:p>
         </p:txBody>
       </p:sp>
+      <p:sp>
+        <p:nvSpPr>
+          <p:cNvPr id="8" name="TextBox 7">
+            <a:extLst>
+              <a:ext uri="{FF2B5EF4-FFF2-40B4-BE49-F238E27FC236}">
+                <a16:creationId xmlns:a16="http://schemas.microsoft.com/office/drawing/2014/main" id="{7FB0E504-6DEC-DF0C-8ED3-9F3724FAC403}"/>
+              </a:ext>
+            </a:extLst>
+          </p:cNvPr>
+          <p:cNvSpPr txBox="1"/>
+          <p:nvPr/>
+        </p:nvSpPr>
+        <p:spPr>
+          <a:xfrm>
+            <a:off x="5158308" y="4797152"/>
+            <a:ext cx="6912768" cy="1077218"/>
+          </a:xfrm>
+          <a:prstGeom prst="rect">
+            <a:avLst/>
+          </a:prstGeom>
+          <a:noFill/>
+        </p:spPr>
+        <p:txBody>
+          <a:bodyPr wrap="square">
+            <a:spAutoFit/>
+          </a:bodyPr>
+          <a:lstStyle/>
+          <a:p>
+            <a:r>
+              <a:rPr lang="en-US" sz="1600" b="1" dirty="0">
+                <a:solidFill>
+                  <a:srgbClr val="7030A0"/>
+                </a:solidFill>
+                <a:latin typeface="Aptos Light" panose="020B0004020202020204" pitchFamily="34" charset="0"/>
+              </a:rPr>
+              <a:t>Risk Mitigation Achieved:</a:t>
+            </a:r>
+            <a:r>
+              <a:rPr lang="en-US" sz="1600" dirty="0">
+                <a:solidFill>
+                  <a:srgbClr val="7030A0"/>
+                </a:solidFill>
+                <a:latin typeface="Aptos Light" panose="020B0004020202020204" pitchFamily="34" charset="0"/>
+              </a:rPr>
+              <a:t> </a:t>
+            </a:r>
+            <a:br>
+              <a:rPr lang="en-US" sz="1600" dirty="0">
+                <a:solidFill>
+                  <a:schemeClr val="accent2">
+                    <a:lumMod val="75000"/>
+                  </a:schemeClr>
+                </a:solidFill>
+                <a:latin typeface="Aptos Light" panose="020B0004020202020204" pitchFamily="34" charset="0"/>
+              </a:rPr>
+            </a:br>
+            <a:r>
+              <a:rPr lang="en-US" sz="1600" dirty="0">
+                <a:solidFill>
+                  <a:schemeClr val="accent2">
+                    <a:lumMod val="75000"/>
+                  </a:schemeClr>
+                </a:solidFill>
+                <a:latin typeface="Aptos Light" panose="020B0004020202020204" pitchFamily="34" charset="0"/>
+              </a:rPr>
+              <a:t>✓ Authentication attacks prevented through SSO and conditional access </a:t>
+            </a:r>
+            <a:br>
+              <a:rPr lang="en-US" sz="1600" dirty="0">
+                <a:solidFill>
+                  <a:schemeClr val="accent2">
+                    <a:lumMod val="75000"/>
+                  </a:schemeClr>
+                </a:solidFill>
+                <a:latin typeface="Aptos Light" panose="020B0004020202020204" pitchFamily="34" charset="0"/>
+              </a:rPr>
+            </a:br>
+            <a:r>
+              <a:rPr lang="en-US" sz="1600" dirty="0">
+                <a:solidFill>
+                  <a:schemeClr val="accent2">
+                    <a:lumMod val="75000"/>
+                  </a:schemeClr>
+                </a:solidFill>
+                <a:latin typeface="Aptos Light" panose="020B0004020202020204" pitchFamily="34" charset="0"/>
+              </a:rPr>
+              <a:t>✓ Data breaches mitigated via encryption and access controls </a:t>
+            </a:r>
+            <a:br>
+              <a:rPr lang="en-US" sz="1600" dirty="0">
+                <a:solidFill>
+                  <a:schemeClr val="accent2">
+                    <a:lumMod val="75000"/>
+                  </a:schemeClr>
+                </a:solidFill>
+                <a:latin typeface="Aptos Light" panose="020B0004020202020204" pitchFamily="34" charset="0"/>
+              </a:rPr>
+            </a:br>
+            <a:r>
+              <a:rPr lang="en-US" sz="1600" dirty="0">
+                <a:solidFill>
+                  <a:schemeClr val="accent2">
+                    <a:lumMod val="75000"/>
+                  </a:schemeClr>
+                </a:solidFill>
+                <a:latin typeface="Aptos Light" panose="020B0004020202020204" pitchFamily="34" charset="0"/>
+              </a:rPr>
+              <a:t>✓ Compliance violations eliminated through automated governance</a:t>
+            </a:r>
+          </a:p>
+        </p:txBody>
+      </p:sp>
+      <p:pic>
+        <p:nvPicPr>
+          <p:cNvPr id="10" name="Picture 9" descr="A diagram of a security system&#10;&#10;AI-generated content may be incorrect.">
+            <a:extLst>
+              <a:ext uri="{FF2B5EF4-FFF2-40B4-BE49-F238E27FC236}">
+                <a16:creationId xmlns:a16="http://schemas.microsoft.com/office/drawing/2014/main" id="{F601E7F8-33D9-05C2-5385-93B4A314BD29}"/>
+              </a:ext>
+            </a:extLst>
+          </p:cNvPr>
+          <p:cNvPicPr>
+            <a:picLocks noChangeAspect="1"/>
+          </p:cNvPicPr>
+          <p:nvPr/>
+        </p:nvPicPr>
+        <p:blipFill>
+          <a:blip r:embed="rId2" cstate="print">
+            <a:extLst>
+              <a:ext uri="{28A0092B-C50C-407E-A947-70E740481C1C}">
+                <a14:useLocalDpi xmlns:a14="http://schemas.microsoft.com/office/drawing/2010/main" val="0"/>
+              </a:ext>
+            </a:extLst>
+          </a:blip>
+          <a:stretch>
+            <a:fillRect/>
+          </a:stretch>
+        </p:blipFill>
+        <p:spPr>
+          <a:xfrm>
+            <a:off x="765820" y="188640"/>
+            <a:ext cx="4248472" cy="6389007"/>
+          </a:xfrm>
+          <a:prstGeom prst="rect">
+            <a:avLst/>
+          </a:prstGeom>
+        </p:spPr>
+      </p:pic>
     </p:spTree>
     <p:extLst>
       <p:ext uri="{BB962C8B-B14F-4D97-AF65-F5344CB8AC3E}">
-        <p14:creationId xmlns:p14="http://schemas.microsoft.com/office/powerpoint/2010/main" val="1468529104"/>
+        <p14:creationId xmlns:p14="http://schemas.microsoft.com/office/powerpoint/2010/main" val="3608218962"/>
       </p:ext>
     </p:extLst>
   </p:cSld>
   <p:clrMapOvr>
     <a:masterClrMapping/>
   </p:clrMapOvr>
-  <mc:AlternateContent xmlns:mc="http://schemas.openxmlformats.org/markup-compatibility/2006">
-    <mc:Choice xmlns:p14="http://schemas.microsoft.com/office/powerpoint/2010/main" Requires="p14">
+  <mc:AlternateContent xmlns:mc="http://schemas.openxmlformats.org/markup-compatibility/2006" xmlns:p14="http://schemas.microsoft.com/office/powerpoint/2010/main">
+    <mc:Choice Requires="p14">
       <p:transition spd="med" p14:dur="700">
         <p:fade/>
       </p:transition>
     </mc:Choice>
-    <mc:Fallback>
+    <mc:Fallback xmlns="">
       <p:transition spd="med">
         <p:fade/>
       </p:transition>

--- a/CST8919_Final_Oral_Exam_Presentation.pptx
+++ b/CST8919_Final_Oral_Exam_Presentation.pptx
@@ -5371,7 +5371,7 @@
         </p:nvSpPr>
         <p:spPr>
           <a:xfrm>
-            <a:off x="3286100" y="2564904"/>
+            <a:off x="3574132" y="476672"/>
             <a:ext cx="4896544" cy="1446550"/>
           </a:xfrm>
           <a:prstGeom prst="rect">
@@ -5404,6 +5404,39 @@
           </a:p>
         </p:txBody>
       </p:sp>
+      <p:pic>
+        <p:nvPicPr>
+          <p:cNvPr id="2" name="Online Media 1" title="CST8919 Final Oral Exam">
+            <a:hlinkClick r:id="" action="ppaction://media"/>
+            <a:extLst>
+              <a:ext uri="{FF2B5EF4-FFF2-40B4-BE49-F238E27FC236}">
+                <a16:creationId xmlns:a16="http://schemas.microsoft.com/office/drawing/2014/main" id="{E039DA78-832F-A8EC-CCA4-D65E4A2B30E0}"/>
+              </a:ext>
+            </a:extLst>
+          </p:cNvPr>
+          <p:cNvPicPr>
+            <a:picLocks noRot="1" noChangeAspect="1"/>
+          </p:cNvPicPr>
+          <p:nvPr>
+            <a:videoFile r:link="rId1"/>
+          </p:nvPr>
+        </p:nvPicPr>
+        <p:blipFill>
+          <a:blip r:embed="rId3"/>
+          <a:stretch>
+            <a:fillRect/>
+          </a:stretch>
+        </p:blipFill>
+        <p:spPr>
+          <a:xfrm>
+            <a:off x="3286100" y="2132856"/>
+            <a:ext cx="5688632" cy="4266474"/>
+          </a:xfrm>
+          <a:prstGeom prst="rect">
+            <a:avLst/>
+          </a:prstGeom>
+        </p:spPr>
+      </p:pic>
     </p:spTree>
     <p:extLst>
       <p:ext uri="{BB962C8B-B14F-4D97-AF65-F5344CB8AC3E}">
@@ -5426,6 +5459,141 @@
       </p:transition>
     </mc:Fallback>
   </mc:AlternateContent>
+  <p:timing>
+    <p:tnLst>
+      <p:par>
+        <p:cTn id="1" dur="indefinite" restart="never" nodeType="tmRoot">
+          <p:childTnLst>
+            <p:seq concurrent="1" nextAc="seek">
+              <p:cTn id="2" dur="indefinite" nodeType="mainSeq">
+                <p:childTnLst>
+                  <p:par>
+                    <p:cTn id="3" fill="hold">
+                      <p:stCondLst>
+                        <p:cond delay="indefinite"/>
+                      </p:stCondLst>
+                      <p:childTnLst>
+                        <p:par>
+                          <p:cTn id="4" fill="hold">
+                            <p:stCondLst>
+                              <p:cond delay="0"/>
+                            </p:stCondLst>
+                            <p:childTnLst>
+                              <p:par>
+                                <p:cTn id="5" presetID="1" presetClass="mediacall" presetSubtype="0" fill="hold" nodeType="clickEffect">
+                                  <p:stCondLst>
+                                    <p:cond delay="0"/>
+                                  </p:stCondLst>
+                                  <p:childTnLst>
+                                    <p:cmd type="call" cmd="playFrom(0.0)">
+                                      <p:cBhvr>
+                                        <p:cTn id="6" dur="1" fill="hold"/>
+                                        <p:tgtEl>
+                                          <p:spTgt spid="2"/>
+                                        </p:tgtEl>
+                                      </p:cBhvr>
+                                    </p:cmd>
+                                  </p:childTnLst>
+                                </p:cTn>
+                              </p:par>
+                            </p:childTnLst>
+                          </p:cTn>
+                        </p:par>
+                      </p:childTnLst>
+                    </p:cTn>
+                  </p:par>
+                </p:childTnLst>
+              </p:cTn>
+              <p:prevCondLst>
+                <p:cond evt="onPrev" delay="0">
+                  <p:tgtEl>
+                    <p:sldTgt/>
+                  </p:tgtEl>
+                </p:cond>
+              </p:prevCondLst>
+              <p:nextCondLst>
+                <p:cond evt="onNext" delay="0">
+                  <p:tgtEl>
+                    <p:sldTgt/>
+                  </p:tgtEl>
+                </p:cond>
+              </p:nextCondLst>
+            </p:seq>
+            <p:video>
+              <p:cMediaNode vol="80000">
+                <p:cTn id="7" fill="hold" display="0">
+                  <p:stCondLst>
+                    <p:cond delay="indefinite"/>
+                  </p:stCondLst>
+                </p:cTn>
+                <p:tgtEl>
+                  <p:spTgt spid="2"/>
+                </p:tgtEl>
+              </p:cMediaNode>
+            </p:video>
+            <p:seq concurrent="1" nextAc="seek">
+              <p:cTn id="8" restart="whenNotActive" fill="hold" evtFilter="cancelBubble" nodeType="interactiveSeq">
+                <p:stCondLst>
+                  <p:cond evt="onClick" delay="0">
+                    <p:tgtEl>
+                      <p:spTgt spid="2"/>
+                    </p:tgtEl>
+                  </p:cond>
+                </p:stCondLst>
+                <p:endSync evt="end" delay="0">
+                  <p:rtn val="all"/>
+                </p:endSync>
+                <p:childTnLst>
+                  <p:par>
+                    <p:cTn id="9" fill="hold">
+                      <p:stCondLst>
+                        <p:cond delay="0"/>
+                      </p:stCondLst>
+                      <p:childTnLst>
+                        <p:par>
+                          <p:cTn id="10" fill="hold">
+                            <p:stCondLst>
+                              <p:cond delay="0"/>
+                            </p:stCondLst>
+                            <p:childTnLst>
+                              <p:par>
+                                <p:cTn id="11" presetID="2" presetClass="mediacall" presetSubtype="0" fill="hold" nodeType="clickEffect">
+                                  <p:stCondLst>
+                                    <p:cond delay="0"/>
+                                  </p:stCondLst>
+                                  <p:childTnLst>
+                                    <p:cmd type="call" cmd="togglePause">
+                                      <p:cBhvr>
+                                        <p:cTn id="12" dur="1" fill="hold"/>
+                                        <p:tgtEl>
+                                          <p:spTgt spid="2"/>
+                                        </p:tgtEl>
+                                      </p:cBhvr>
+                                    </p:cmd>
+                                  </p:childTnLst>
+                                </p:cTn>
+                              </p:par>
+                            </p:childTnLst>
+                          </p:cTn>
+                        </p:par>
+                      </p:childTnLst>
+                    </p:cTn>
+                  </p:par>
+                </p:childTnLst>
+              </p:cTn>
+              <p:nextCondLst>
+                <p:cond evt="onClick" delay="0">
+                  <p:tgtEl>
+                    <p:spTgt spid="2"/>
+                  </p:tgtEl>
+                </p:cond>
+              </p:nextCondLst>
+            </p:seq>
+          </p:childTnLst>
+        </p:cTn>
+      </p:par>
+    </p:tnLst>
+  </p:timing>
 </p:sld>
 </file>
 
@@ -5978,24 +6146,6 @@
           </a:bodyPr>
           <a:lstStyle/>
           <a:p>
-            <a:r>
-              <a:rPr lang="en-US" sz="1800" b="1" dirty="0">
-                <a:solidFill>
-                  <a:srgbClr val="5F6F0F"/>
-                </a:solidFill>
-                <a:latin typeface="Aptos Light" panose="020B0004020202020204" pitchFamily="34" charset="0"/>
-              </a:rPr>
-              <a:t>Content:</a:t>
-            </a:r>
-            <a:r>
-              <a:rPr lang="en-US" sz="1800" dirty="0">
-                <a:solidFill>
-                  <a:srgbClr val="5F6F0F"/>
-                </a:solidFill>
-                <a:latin typeface="Aptos Light" panose="020B0004020202020204" pitchFamily="34" charset="0"/>
-              </a:rPr>
-              <a:t> </a:t>
-            </a:r>
             <a:r>
               <a:rPr lang="en-US" sz="1800" b="1" dirty="0">
                 <a:solidFill>
@@ -8265,24 +8415,6 @@
           </a:bodyPr>
           <a:lstStyle/>
           <a:p>
-            <a:r>
-              <a:rPr lang="en-US" sz="2000" b="1" dirty="0">
-                <a:solidFill>
-                  <a:srgbClr val="5F6F0F"/>
-                </a:solidFill>
-                <a:latin typeface="Aptos Light" panose="020B0004020202020204" pitchFamily="34" charset="0"/>
-              </a:rPr>
-              <a:t>Content:</a:t>
-            </a:r>
-            <a:r>
-              <a:rPr lang="en-US" sz="2000" dirty="0">
-                <a:solidFill>
-                  <a:srgbClr val="5F6F0F"/>
-                </a:solidFill>
-                <a:latin typeface="Aptos Light" panose="020B0004020202020204" pitchFamily="34" charset="0"/>
-              </a:rPr>
-              <a:t> </a:t>
-            </a:r>
             <a:r>
               <a:rPr lang="en-US" sz="2000" b="1" dirty="0">
                 <a:solidFill>
@@ -10280,11 +10412,12 @@
 </file>
 
 <file path=customXml/item1.xml><?xml version="1.0" encoding="utf-8"?>
-<p:properties xmlns:p="http://schemas.microsoft.com/office/2006/metadata/properties" xmlns:xsi="http://www.w3.org/2001/XMLSchema-instance" xmlns:pc="http://schemas.microsoft.com/office/infopath/2007/PartnerControls">
-  <documentManagement>
-    <_activity xmlns="34c01fac-d9f3-480c-9b42-9d7107ab8273" xsi:nil="true"/>
-  </documentManagement>
-</p:properties>
+<?mso-contentType ?>
+<FormTemplates xmlns="http://schemas.microsoft.com/sharepoint/v3/contenttype/forms">
+  <Display>DocumentLibraryForm</Display>
+  <Edit>DocumentLibraryForm</Edit>
+  <New>DocumentLibraryForm</New>
+</FormTemplates>
 </file>
 
 <file path=customXml/item2.xml><?xml version="1.0" encoding="utf-8"?>
@@ -10468,26 +10601,17 @@
 </file>
 
 <file path=customXml/item3.xml><?xml version="1.0" encoding="utf-8"?>
-<?mso-contentType ?>
-<FormTemplates xmlns="http://schemas.microsoft.com/sharepoint/v3/contenttype/forms">
-  <Display>DocumentLibraryForm</Display>
-  <Edit>DocumentLibraryForm</Edit>
-  <New>DocumentLibraryForm</New>
-</FormTemplates>
+<p:properties xmlns:p="http://schemas.microsoft.com/office/2006/metadata/properties" xmlns:xsi="http://www.w3.org/2001/XMLSchema-instance" xmlns:pc="http://schemas.microsoft.com/office/infopath/2007/PartnerControls">
+  <documentManagement>
+    <_activity xmlns="34c01fac-d9f3-480c-9b42-9d7107ab8273" xsi:nil="true"/>
+  </documentManagement>
+</p:properties>
 </file>
 
 <file path=customXml/itemProps1.xml><?xml version="1.0" encoding="utf-8"?>
-<ds:datastoreItem xmlns:ds="http://schemas.openxmlformats.org/officeDocument/2006/customXml" ds:itemID="{60C67BEE-D13F-4BD2-98A5-34D8A0977F68}">
+<ds:datastoreItem xmlns:ds="http://schemas.openxmlformats.org/officeDocument/2006/customXml" ds:itemID="{DDEE3F12-403A-44ED-AE86-0837013D1DD6}">
   <ds:schemaRefs>
-    <ds:schemaRef ds:uri="http://schemas.microsoft.com/office/2006/documentManagement/types"/>
-    <ds:schemaRef ds:uri="http://schemas.microsoft.com/office/2006/metadata/properties"/>
-    <ds:schemaRef ds:uri="34c01fac-d9f3-480c-9b42-9d7107ab8273"/>
-    <ds:schemaRef ds:uri="http://purl.org/dc/dcmitype/"/>
-    <ds:schemaRef ds:uri="http://schemas.microsoft.com/office/infopath/2007/PartnerControls"/>
-    <ds:schemaRef ds:uri="http://purl.org/dc/terms/"/>
-    <ds:schemaRef ds:uri="http://www.w3.org/XML/1998/namespace"/>
-    <ds:schemaRef ds:uri="http://schemas.openxmlformats.org/package/2006/metadata/core-properties"/>
-    <ds:schemaRef ds:uri="http://purl.org/dc/elements/1.1/"/>
+    <ds:schemaRef ds:uri="http://schemas.microsoft.com/sharepoint/v3/contenttype/forms"/>
   </ds:schemaRefs>
 </ds:datastoreItem>
 </file>
@@ -10511,9 +10635,17 @@
 </file>
 
 <file path=customXml/itemProps3.xml><?xml version="1.0" encoding="utf-8"?>
-<ds:datastoreItem xmlns:ds="http://schemas.openxmlformats.org/officeDocument/2006/customXml" ds:itemID="{DDEE3F12-403A-44ED-AE86-0837013D1DD6}">
+<ds:datastoreItem xmlns:ds="http://schemas.openxmlformats.org/officeDocument/2006/customXml" ds:itemID="{60C67BEE-D13F-4BD2-98A5-34D8A0977F68}">
   <ds:schemaRefs>
-    <ds:schemaRef ds:uri="http://schemas.microsoft.com/sharepoint/v3/contenttype/forms"/>
+    <ds:schemaRef ds:uri="http://schemas.microsoft.com/office/2006/documentManagement/types"/>
+    <ds:schemaRef ds:uri="http://schemas.microsoft.com/office/2006/metadata/properties"/>
+    <ds:schemaRef ds:uri="34c01fac-d9f3-480c-9b42-9d7107ab8273"/>
+    <ds:schemaRef ds:uri="http://purl.org/dc/dcmitype/"/>
+    <ds:schemaRef ds:uri="http://schemas.microsoft.com/office/infopath/2007/PartnerControls"/>
+    <ds:schemaRef ds:uri="http://purl.org/dc/terms/"/>
+    <ds:schemaRef ds:uri="http://www.w3.org/XML/1998/namespace"/>
+    <ds:schemaRef ds:uri="http://schemas.openxmlformats.org/package/2006/metadata/core-properties"/>
+    <ds:schemaRef ds:uri="http://purl.org/dc/elements/1.1/"/>
   </ds:schemaRefs>
 </ds:datastoreItem>
 </file>